--- a/edU_ Iteration 1.pptx
+++ b/edU_ Iteration 1.pptx
@@ -9493,7 +9493,7 @@
             </a:pPr>
             <a:r>
               <a:rPr lang="en"/>
-              <a:t>Edu: Iteration 1</a:t>
+              <a:t>edU: Iteration 1</a:t>
             </a:r>
             <a:endParaRPr/>
           </a:p>

--- a/edU_ Iteration 1.pptx
+++ b/edU_ Iteration 1.pptx
@@ -1,40 +1,26 @@
 
 <file path=ppt/presentation.xml><?xml version="1.0" encoding="utf-8"?>
-<p:presentation xmlns:a="http://schemas.openxmlformats.org/drawingml/2006/main" xmlns:r="http://schemas.openxmlformats.org/officeDocument/2006/relationships" xmlns:mc="http://schemas.openxmlformats.org/markup-compatibility/2006" xmlns:mv="urn:schemas-microsoft-com:mac:vml" xmlns:p="http://schemas.openxmlformats.org/presentationml/2006/main" xmlns:c="http://schemas.openxmlformats.org/drawingml/2006/chart" xmlns:dgm="http://schemas.openxmlformats.org/drawingml/2006/diagram" xmlns:o="urn:schemas-microsoft-com:office:office" xmlns:v="urn:schemas-microsoft-com:vml" xmlns:pvml="urn:schemas-microsoft-com:office:powerpoint" xmlns:com="http://schemas.openxmlformats.org/drawingml/2006/compatibility" xmlns:p14="http://schemas.microsoft.com/office/powerpoint/2010/main" xmlns:p15="http://schemas.microsoft.com/office/powerpoint/2012/main" autoCompressPictures="0" embedTrueTypeFonts="1" strictFirstAndLastChars="0" saveSubsetFonts="1">
+<p:presentation xmlns:a="http://schemas.openxmlformats.org/drawingml/2006/main" xmlns:r="http://schemas.openxmlformats.org/officeDocument/2006/relationships" xmlns:p="http://schemas.openxmlformats.org/presentationml/2006/main" strictFirstAndLastChars="0" saveSubsetFonts="1" autoCompressPictures="0">
   <p:sldMasterIdLst>
-    <p:sldMasterId id="2147483659" r:id="rId4"/>
+    <p:sldMasterId id="2147483659" r:id="rId1"/>
   </p:sldMasterIdLst>
   <p:notesMasterIdLst>
-    <p:notesMasterId r:id="rId5"/>
+    <p:notesMasterId r:id="rId10"/>
   </p:notesMasterIdLst>
   <p:sldIdLst>
-    <p:sldId id="256" r:id="rId6"/>
-    <p:sldId id="257" r:id="rId7"/>
-    <p:sldId id="258" r:id="rId8"/>
-    <p:sldId id="259" r:id="rId9"/>
-    <p:sldId id="260" r:id="rId10"/>
-    <p:sldId id="261" r:id="rId11"/>
+    <p:sldId id="256" r:id="rId2"/>
+    <p:sldId id="257" r:id="rId3"/>
+    <p:sldId id="262" r:id="rId4"/>
+    <p:sldId id="263" r:id="rId5"/>
+    <p:sldId id="258" r:id="rId6"/>
+    <p:sldId id="259" r:id="rId7"/>
+    <p:sldId id="260" r:id="rId8"/>
+    <p:sldId id="261" r:id="rId9"/>
   </p:sldIdLst>
-  <p:sldSz cy="5143500" cx="9144000"/>
+  <p:sldSz cx="9144000" cy="5143500" type="screen16x9"/>
   <p:notesSz cx="6858000" cy="9144000"/>
-  <p:embeddedFontLst>
-    <p:embeddedFont>
-      <p:font typeface="Montserrat"/>
-      <p:regular r:id="rId12"/>
-      <p:bold r:id="rId13"/>
-      <p:italic r:id="rId14"/>
-      <p:boldItalic r:id="rId15"/>
-    </p:embeddedFont>
-    <p:embeddedFont>
-      <p:font typeface="Lato"/>
-      <p:regular r:id="rId16"/>
-      <p:bold r:id="rId17"/>
-      <p:italic r:id="rId18"/>
-      <p:boldItalic r:id="rId19"/>
-    </p:embeddedFont>
-  </p:embeddedFontLst>
   <p:defaultTextStyle>
-    <a:defPPr lvl="0" marR="0" rtl="0" algn="l">
+    <a:defPPr marR="0" lvl="0" algn="l" rtl="0">
       <a:lnSpc>
         <a:spcPct val="100000"/>
       </a:lnSpc>
@@ -45,7 +31,7 @@
         <a:spcPts val="0"/>
       </a:spcAft>
     </a:defPPr>
-    <a:lvl1pPr lvl="0" marR="0" rtl="0" algn="l">
+    <a:lvl1pPr marR="0" lvl="0" algn="l" rtl="0">
       <a:lnSpc>
         <a:spcPct val="100000"/>
       </a:lnSpc>
@@ -59,7 +45,7 @@
         <a:srgbClr val="000000"/>
       </a:buClr>
       <a:buFont typeface="Arial"/>
-      <a:defRPr b="0" i="0" sz="1400" u="none" cap="none" strike="noStrike">
+      <a:defRPr sz="1400" b="0" i="0" u="none" strike="noStrike" cap="none">
         <a:solidFill>
           <a:srgbClr val="000000"/>
         </a:solidFill>
@@ -69,7 +55,7 @@
         <a:sym typeface="Arial"/>
       </a:defRPr>
     </a:lvl1pPr>
-    <a:lvl2pPr lvl="1" marR="0" rtl="0" algn="l">
+    <a:lvl2pPr marR="0" lvl="1" algn="l" rtl="0">
       <a:lnSpc>
         <a:spcPct val="100000"/>
       </a:lnSpc>
@@ -83,7 +69,7 @@
         <a:srgbClr val="000000"/>
       </a:buClr>
       <a:buFont typeface="Arial"/>
-      <a:defRPr b="0" i="0" sz="1400" u="none" cap="none" strike="noStrike">
+      <a:defRPr sz="1400" b="0" i="0" u="none" strike="noStrike" cap="none">
         <a:solidFill>
           <a:srgbClr val="000000"/>
         </a:solidFill>
@@ -93,7 +79,7 @@
         <a:sym typeface="Arial"/>
       </a:defRPr>
     </a:lvl2pPr>
-    <a:lvl3pPr lvl="2" marR="0" rtl="0" algn="l">
+    <a:lvl3pPr marR="0" lvl="2" algn="l" rtl="0">
       <a:lnSpc>
         <a:spcPct val="100000"/>
       </a:lnSpc>
@@ -107,7 +93,7 @@
         <a:srgbClr val="000000"/>
       </a:buClr>
       <a:buFont typeface="Arial"/>
-      <a:defRPr b="0" i="0" sz="1400" u="none" cap="none" strike="noStrike">
+      <a:defRPr sz="1400" b="0" i="0" u="none" strike="noStrike" cap="none">
         <a:solidFill>
           <a:srgbClr val="000000"/>
         </a:solidFill>
@@ -117,7 +103,7 @@
         <a:sym typeface="Arial"/>
       </a:defRPr>
     </a:lvl3pPr>
-    <a:lvl4pPr lvl="3" marR="0" rtl="0" algn="l">
+    <a:lvl4pPr marR="0" lvl="3" algn="l" rtl="0">
       <a:lnSpc>
         <a:spcPct val="100000"/>
       </a:lnSpc>
@@ -131,7 +117,7 @@
         <a:srgbClr val="000000"/>
       </a:buClr>
       <a:buFont typeface="Arial"/>
-      <a:defRPr b="0" i="0" sz="1400" u="none" cap="none" strike="noStrike">
+      <a:defRPr sz="1400" b="0" i="0" u="none" strike="noStrike" cap="none">
         <a:solidFill>
           <a:srgbClr val="000000"/>
         </a:solidFill>
@@ -141,7 +127,7 @@
         <a:sym typeface="Arial"/>
       </a:defRPr>
     </a:lvl4pPr>
-    <a:lvl5pPr lvl="4" marR="0" rtl="0" algn="l">
+    <a:lvl5pPr marR="0" lvl="4" algn="l" rtl="0">
       <a:lnSpc>
         <a:spcPct val="100000"/>
       </a:lnSpc>
@@ -155,7 +141,7 @@
         <a:srgbClr val="000000"/>
       </a:buClr>
       <a:buFont typeface="Arial"/>
-      <a:defRPr b="0" i="0" sz="1400" u="none" cap="none" strike="noStrike">
+      <a:defRPr sz="1400" b="0" i="0" u="none" strike="noStrike" cap="none">
         <a:solidFill>
           <a:srgbClr val="000000"/>
         </a:solidFill>
@@ -165,7 +151,7 @@
         <a:sym typeface="Arial"/>
       </a:defRPr>
     </a:lvl5pPr>
-    <a:lvl6pPr lvl="5" marR="0" rtl="0" algn="l">
+    <a:lvl6pPr marR="0" lvl="5" algn="l" rtl="0">
       <a:lnSpc>
         <a:spcPct val="100000"/>
       </a:lnSpc>
@@ -179,7 +165,7 @@
         <a:srgbClr val="000000"/>
       </a:buClr>
       <a:buFont typeface="Arial"/>
-      <a:defRPr b="0" i="0" sz="1400" u="none" cap="none" strike="noStrike">
+      <a:defRPr sz="1400" b="0" i="0" u="none" strike="noStrike" cap="none">
         <a:solidFill>
           <a:srgbClr val="000000"/>
         </a:solidFill>
@@ -189,7 +175,7 @@
         <a:sym typeface="Arial"/>
       </a:defRPr>
     </a:lvl6pPr>
-    <a:lvl7pPr lvl="6" marR="0" rtl="0" algn="l">
+    <a:lvl7pPr marR="0" lvl="6" algn="l" rtl="0">
       <a:lnSpc>
         <a:spcPct val="100000"/>
       </a:lnSpc>
@@ -203,7 +189,7 @@
         <a:srgbClr val="000000"/>
       </a:buClr>
       <a:buFont typeface="Arial"/>
-      <a:defRPr b="0" i="0" sz="1400" u="none" cap="none" strike="noStrike">
+      <a:defRPr sz="1400" b="0" i="0" u="none" strike="noStrike" cap="none">
         <a:solidFill>
           <a:srgbClr val="000000"/>
         </a:solidFill>
@@ -213,7 +199,7 @@
         <a:sym typeface="Arial"/>
       </a:defRPr>
     </a:lvl7pPr>
-    <a:lvl8pPr lvl="7" marR="0" rtl="0" algn="l">
+    <a:lvl8pPr marR="0" lvl="7" algn="l" rtl="0">
       <a:lnSpc>
         <a:spcPct val="100000"/>
       </a:lnSpc>
@@ -227,7 +213,7 @@
         <a:srgbClr val="000000"/>
       </a:buClr>
       <a:buFont typeface="Arial"/>
-      <a:defRPr b="0" i="0" sz="1400" u="none" cap="none" strike="noStrike">
+      <a:defRPr sz="1400" b="0" i="0" u="none" strike="noStrike" cap="none">
         <a:solidFill>
           <a:srgbClr val="000000"/>
         </a:solidFill>
@@ -237,7 +223,7 @@
         <a:sym typeface="Arial"/>
       </a:defRPr>
     </a:lvl8pPr>
-    <a:lvl9pPr lvl="8" marR="0" rtl="0" algn="l">
+    <a:lvl9pPr marR="0" lvl="8" algn="l" rtl="0">
       <a:lnSpc>
         <a:spcPct val="100000"/>
       </a:lnSpc>
@@ -251,7 +237,7 @@
         <a:srgbClr val="000000"/>
       </a:buClr>
       <a:buFont typeface="Arial"/>
-      <a:defRPr b="0" i="0" sz="1400" u="none" cap="none" strike="noStrike">
+      <a:defRPr sz="1400" b="0" i="0" u="none" strike="noStrike" cap="none">
         <a:solidFill>
           <a:srgbClr val="000000"/>
         </a:solidFill>
@@ -264,7 +250,7 @@
   </p:defaultTextStyle>
   <p:extLst>
     <p:ext uri="{EFAFB233-063F-42B5-8137-9DF3F51BA10A}">
-      <p15:sldGuideLst>
+      <p15:sldGuideLst xmlns:p15="http://schemas.microsoft.com/office/powerpoint/2012/main">
         <p15:guide id="1" orient="horz" pos="1620">
           <p15:clr>
             <a:srgbClr val="A4A3A4"/>
@@ -282,11 +268,16 @@
 </file>
 
 <file path=ppt/notesMasters/notesMaster1.xml><?xml version="1.0" encoding="utf-8"?>
-<p:notesMaster xmlns:a="http://schemas.openxmlformats.org/drawingml/2006/main" xmlns:r="http://schemas.openxmlformats.org/officeDocument/2006/relationships" xmlns:mc="http://schemas.openxmlformats.org/markup-compatibility/2006" xmlns:mv="urn:schemas-microsoft-com:mac:vml" xmlns:p="http://schemas.openxmlformats.org/presentationml/2006/main" xmlns:c="http://schemas.openxmlformats.org/drawingml/2006/chart" xmlns:dgm="http://schemas.openxmlformats.org/drawingml/2006/diagram" xmlns:o="urn:schemas-microsoft-com:office:office" xmlns:v="urn:schemas-microsoft-com:vml" xmlns:pvml="urn:schemas-microsoft-com:office:powerpoint" xmlns:com="http://schemas.openxmlformats.org/drawingml/2006/compatibility" xmlns:p14="http://schemas.microsoft.com/office/powerpoint/2010/main" xmlns:p15="http://schemas.microsoft.com/office/powerpoint/2012/main">
+<p:notesMaster xmlns:a="http://schemas.openxmlformats.org/drawingml/2006/main" xmlns:r="http://schemas.openxmlformats.org/officeDocument/2006/relationships" xmlns:p="http://schemas.openxmlformats.org/presentationml/2006/main">
   <p:cSld>
+    <p:bg>
+      <p:bgRef idx="1001">
+        <a:schemeClr val="bg1"/>
+      </p:bgRef>
+    </p:bg>
     <p:spTree>
       <p:nvGrpSpPr>
-        <p:cNvPr id="2" name="Shape 2"/>
+        <p:cNvPr id="1" name="Shape 2"/>
         <p:cNvGrpSpPr/>
         <p:nvPr/>
       </p:nvGrpSpPr>
@@ -301,9 +292,11 @@
       <p:sp>
         <p:nvSpPr>
           <p:cNvPr id="3" name="Google Shape;3;n"/>
-          <p:cNvSpPr/>
+          <p:cNvSpPr>
+            <a:spLocks noGrp="1" noRot="1" noChangeAspect="1"/>
+          </p:cNvSpPr>
           <p:nvPr>
-            <p:ph idx="2" type="sldImg"/>
+            <p:ph type="sldImg" idx="2"/>
           </p:nvPr>
         </p:nvSpPr>
         <p:spPr>
@@ -312,9 +305,13 @@
             <a:ext cx="6096075" cy="3429000"/>
           </a:xfrm>
           <a:custGeom>
-            <a:rect b="b" l="l" r="r" t="t"/>
+            <a:avLst/>
+            <a:gdLst/>
+            <a:ahLst/>
+            <a:cxnLst/>
+            <a:rect l="l" t="t" r="r" b="b"/>
             <a:pathLst>
-              <a:path extrusionOk="0" h="120000" w="120000">
+              <a:path w="120000" h="120000" extrusionOk="0">
                 <a:moveTo>
                   <a:pt x="0" y="0"/>
                 </a:moveTo>
@@ -332,23 +329,25 @@
             </a:pathLst>
           </a:custGeom>
           <a:noFill/>
-          <a:ln cap="flat" cmpd="sng" w="9525">
+          <a:ln w="9525" cap="flat" cmpd="sng">
             <a:solidFill>
               <a:srgbClr val="000000"/>
             </a:solidFill>
             <a:prstDash val="solid"/>
             <a:round/>
-            <a:headEnd len="sm" w="sm" type="none"/>
-            <a:tailEnd len="sm" w="sm" type="none"/>
+            <a:headEnd type="none" w="sm" len="sm"/>
+            <a:tailEnd type="none" w="sm" len="sm"/>
           </a:ln>
         </p:spPr>
       </p:sp>
       <p:sp>
         <p:nvSpPr>
           <p:cNvPr id="4" name="Google Shape;4;n"/>
-          <p:cNvSpPr txBox="1"/>
+          <p:cNvSpPr txBox="1">
+            <a:spLocks noGrp="1"/>
+          </p:cNvSpPr>
           <p:nvPr>
-            <p:ph idx="1" type="body"/>
+            <p:ph type="body" idx="1"/>
           </p:nvPr>
         </p:nvSpPr>
         <p:spPr>
@@ -365,9 +364,9 @@
           </a:ln>
         </p:spPr>
         <p:txBody>
-          <a:bodyPr anchorCtr="0" anchor="t" bIns="91425" lIns="91425" spcFirstLastPara="1" rIns="91425" wrap="square" tIns="91425"/>
+          <a:bodyPr spcFirstLastPara="1" wrap="square" lIns="91425" tIns="91425" rIns="91425" bIns="91425" anchor="t" anchorCtr="0"/>
           <a:lstStyle>
-            <a:lvl1pPr indent="-298450" lvl="0" marL="457200">
+            <a:lvl1pPr marL="457200" lvl="0" indent="-298450">
               <a:spcBef>
                 <a:spcPts val="0"/>
               </a:spcBef>
@@ -378,7 +377,7 @@
               <a:buChar char="●"/>
               <a:defRPr sz="1100"/>
             </a:lvl1pPr>
-            <a:lvl2pPr indent="-298450" lvl="1" marL="914400">
+            <a:lvl2pPr marL="914400" lvl="1" indent="-298450">
               <a:spcBef>
                 <a:spcPts val="0"/>
               </a:spcBef>
@@ -389,7 +388,7 @@
               <a:buChar char="○"/>
               <a:defRPr sz="1100"/>
             </a:lvl2pPr>
-            <a:lvl3pPr indent="-298450" lvl="2" marL="1371600">
+            <a:lvl3pPr marL="1371600" lvl="2" indent="-298450">
               <a:spcBef>
                 <a:spcPts val="0"/>
               </a:spcBef>
@@ -400,7 +399,7 @@
               <a:buChar char="■"/>
               <a:defRPr sz="1100"/>
             </a:lvl3pPr>
-            <a:lvl4pPr indent="-298450" lvl="3" marL="1828800">
+            <a:lvl4pPr marL="1828800" lvl="3" indent="-298450">
               <a:spcBef>
                 <a:spcPts val="0"/>
               </a:spcBef>
@@ -411,7 +410,7 @@
               <a:buChar char="●"/>
               <a:defRPr sz="1100"/>
             </a:lvl4pPr>
-            <a:lvl5pPr indent="-298450" lvl="4" marL="2286000">
+            <a:lvl5pPr marL="2286000" lvl="4" indent="-298450">
               <a:spcBef>
                 <a:spcPts val="0"/>
               </a:spcBef>
@@ -422,7 +421,7 @@
               <a:buChar char="○"/>
               <a:defRPr sz="1100"/>
             </a:lvl5pPr>
-            <a:lvl6pPr indent="-298450" lvl="5" marL="2743200">
+            <a:lvl6pPr marL="2743200" lvl="5" indent="-298450">
               <a:spcBef>
                 <a:spcPts val="0"/>
               </a:spcBef>
@@ -433,7 +432,7 @@
               <a:buChar char="■"/>
               <a:defRPr sz="1100"/>
             </a:lvl6pPr>
-            <a:lvl7pPr indent="-298450" lvl="6" marL="3200400">
+            <a:lvl7pPr marL="3200400" lvl="6" indent="-298450">
               <a:spcBef>
                 <a:spcPts val="0"/>
               </a:spcBef>
@@ -444,7 +443,7 @@
               <a:buChar char="●"/>
               <a:defRPr sz="1100"/>
             </a:lvl7pPr>
-            <a:lvl8pPr indent="-298450" lvl="7" marL="3657600">
+            <a:lvl8pPr marL="3657600" lvl="7" indent="-298450">
               <a:spcBef>
                 <a:spcPts val="0"/>
               </a:spcBef>
@@ -455,7 +454,7 @@
               <a:buChar char="○"/>
               <a:defRPr sz="1100"/>
             </a:lvl8pPr>
-            <a:lvl9pPr indent="-298450" lvl="8" marL="4114800">
+            <a:lvl9pPr marL="4114800" lvl="8" indent="-298450">
               <a:spcBef>
                 <a:spcPts val="0"/>
               </a:spcBef>
@@ -467,14 +466,16 @@
               <a:defRPr sz="1100"/>
             </a:lvl9pPr>
           </a:lstStyle>
-          <a:p/>
+          <a:p>
+            <a:endParaRPr/>
+          </a:p>
         </p:txBody>
       </p:sp>
     </p:spTree>
   </p:cSld>
-  <p:clrMap accent1="accent1" accent2="accent2" accent3="accent3" accent4="accent4" accent5="accent5" accent6="accent6" bg1="lt1" bg2="dk2" tx1="dk1" tx2="lt2" folHlink="folHlink" hlink="hlink"/>
+  <p:clrMap bg1="lt1" tx1="dk1" bg2="dk2" tx2="lt2" accent1="accent1" accent2="accent2" accent3="accent3" accent4="accent4" accent5="accent5" accent6="accent6" hlink="hlink" folHlink="folHlink"/>
   <p:notesStyle>
-    <a:defPPr lvl="0" marR="0" rtl="0" algn="l">
+    <a:defPPr marR="0" lvl="0" algn="l" rtl="0">
       <a:lnSpc>
         <a:spcPct val="100000"/>
       </a:lnSpc>
@@ -485,7 +486,7 @@
         <a:spcPts val="0"/>
       </a:spcAft>
     </a:defPPr>
-    <a:lvl1pPr lvl="0" marR="0" rtl="0" algn="l">
+    <a:lvl1pPr marR="0" lvl="0" algn="l" rtl="0">
       <a:lnSpc>
         <a:spcPct val="100000"/>
       </a:lnSpc>
@@ -499,7 +500,7 @@
         <a:srgbClr val="000000"/>
       </a:buClr>
       <a:buFont typeface="Arial"/>
-      <a:defRPr b="0" i="0" sz="1400" u="none" cap="none" strike="noStrike">
+      <a:defRPr sz="1400" b="0" i="0" u="none" strike="noStrike" cap="none">
         <a:solidFill>
           <a:srgbClr val="000000"/>
         </a:solidFill>
@@ -509,7 +510,7 @@
         <a:sym typeface="Arial"/>
       </a:defRPr>
     </a:lvl1pPr>
-    <a:lvl2pPr lvl="1" marR="0" rtl="0" algn="l">
+    <a:lvl2pPr marR="0" lvl="1" algn="l" rtl="0">
       <a:lnSpc>
         <a:spcPct val="100000"/>
       </a:lnSpc>
@@ -523,7 +524,7 @@
         <a:srgbClr val="000000"/>
       </a:buClr>
       <a:buFont typeface="Arial"/>
-      <a:defRPr b="0" i="0" sz="1400" u="none" cap="none" strike="noStrike">
+      <a:defRPr sz="1400" b="0" i="0" u="none" strike="noStrike" cap="none">
         <a:solidFill>
           <a:srgbClr val="000000"/>
         </a:solidFill>
@@ -533,7 +534,7 @@
         <a:sym typeface="Arial"/>
       </a:defRPr>
     </a:lvl2pPr>
-    <a:lvl3pPr lvl="2" marR="0" rtl="0" algn="l">
+    <a:lvl3pPr marR="0" lvl="2" algn="l" rtl="0">
       <a:lnSpc>
         <a:spcPct val="100000"/>
       </a:lnSpc>
@@ -547,7 +548,7 @@
         <a:srgbClr val="000000"/>
       </a:buClr>
       <a:buFont typeface="Arial"/>
-      <a:defRPr b="0" i="0" sz="1400" u="none" cap="none" strike="noStrike">
+      <a:defRPr sz="1400" b="0" i="0" u="none" strike="noStrike" cap="none">
         <a:solidFill>
           <a:srgbClr val="000000"/>
         </a:solidFill>
@@ -557,7 +558,7 @@
         <a:sym typeface="Arial"/>
       </a:defRPr>
     </a:lvl3pPr>
-    <a:lvl4pPr lvl="3" marR="0" rtl="0" algn="l">
+    <a:lvl4pPr marR="0" lvl="3" algn="l" rtl="0">
       <a:lnSpc>
         <a:spcPct val="100000"/>
       </a:lnSpc>
@@ -571,7 +572,7 @@
         <a:srgbClr val="000000"/>
       </a:buClr>
       <a:buFont typeface="Arial"/>
-      <a:defRPr b="0" i="0" sz="1400" u="none" cap="none" strike="noStrike">
+      <a:defRPr sz="1400" b="0" i="0" u="none" strike="noStrike" cap="none">
         <a:solidFill>
           <a:srgbClr val="000000"/>
         </a:solidFill>
@@ -581,7 +582,7 @@
         <a:sym typeface="Arial"/>
       </a:defRPr>
     </a:lvl4pPr>
-    <a:lvl5pPr lvl="4" marR="0" rtl="0" algn="l">
+    <a:lvl5pPr marR="0" lvl="4" algn="l" rtl="0">
       <a:lnSpc>
         <a:spcPct val="100000"/>
       </a:lnSpc>
@@ -595,7 +596,7 @@
         <a:srgbClr val="000000"/>
       </a:buClr>
       <a:buFont typeface="Arial"/>
-      <a:defRPr b="0" i="0" sz="1400" u="none" cap="none" strike="noStrike">
+      <a:defRPr sz="1400" b="0" i="0" u="none" strike="noStrike" cap="none">
         <a:solidFill>
           <a:srgbClr val="000000"/>
         </a:solidFill>
@@ -605,7 +606,7 @@
         <a:sym typeface="Arial"/>
       </a:defRPr>
     </a:lvl5pPr>
-    <a:lvl6pPr lvl="5" marR="0" rtl="0" algn="l">
+    <a:lvl6pPr marR="0" lvl="5" algn="l" rtl="0">
       <a:lnSpc>
         <a:spcPct val="100000"/>
       </a:lnSpc>
@@ -619,7 +620,7 @@
         <a:srgbClr val="000000"/>
       </a:buClr>
       <a:buFont typeface="Arial"/>
-      <a:defRPr b="0" i="0" sz="1400" u="none" cap="none" strike="noStrike">
+      <a:defRPr sz="1400" b="0" i="0" u="none" strike="noStrike" cap="none">
         <a:solidFill>
           <a:srgbClr val="000000"/>
         </a:solidFill>
@@ -629,7 +630,7 @@
         <a:sym typeface="Arial"/>
       </a:defRPr>
     </a:lvl6pPr>
-    <a:lvl7pPr lvl="6" marR="0" rtl="0" algn="l">
+    <a:lvl7pPr marR="0" lvl="6" algn="l" rtl="0">
       <a:lnSpc>
         <a:spcPct val="100000"/>
       </a:lnSpc>
@@ -643,7 +644,7 @@
         <a:srgbClr val="000000"/>
       </a:buClr>
       <a:buFont typeface="Arial"/>
-      <a:defRPr b="0" i="0" sz="1400" u="none" cap="none" strike="noStrike">
+      <a:defRPr sz="1400" b="0" i="0" u="none" strike="noStrike" cap="none">
         <a:solidFill>
           <a:srgbClr val="000000"/>
         </a:solidFill>
@@ -653,7 +654,7 @@
         <a:sym typeface="Arial"/>
       </a:defRPr>
     </a:lvl7pPr>
-    <a:lvl8pPr lvl="7" marR="0" rtl="0" algn="l">
+    <a:lvl8pPr marR="0" lvl="7" algn="l" rtl="0">
       <a:lnSpc>
         <a:spcPct val="100000"/>
       </a:lnSpc>
@@ -667,7 +668,7 @@
         <a:srgbClr val="000000"/>
       </a:buClr>
       <a:buFont typeface="Arial"/>
-      <a:defRPr b="0" i="0" sz="1400" u="none" cap="none" strike="noStrike">
+      <a:defRPr sz="1400" b="0" i="0" u="none" strike="noStrike" cap="none">
         <a:solidFill>
           <a:srgbClr val="000000"/>
         </a:solidFill>
@@ -677,7 +678,7 @@
         <a:sym typeface="Arial"/>
       </a:defRPr>
     </a:lvl8pPr>
-    <a:lvl9pPr lvl="8" marR="0" rtl="0" algn="l">
+    <a:lvl9pPr marR="0" lvl="8" algn="l" rtl="0">
       <a:lnSpc>
         <a:spcPct val="100000"/>
       </a:lnSpc>
@@ -691,7 +692,7 @@
         <a:srgbClr val="000000"/>
       </a:buClr>
       <a:buFont typeface="Arial"/>
-      <a:defRPr b="0" i="0" sz="1400" u="none" cap="none" strike="noStrike">
+      <a:defRPr sz="1400" b="0" i="0" u="none" strike="noStrike" cap="none">
         <a:solidFill>
           <a:srgbClr val="000000"/>
         </a:solidFill>
@@ -706,11 +707,11 @@
 </file>
 
 <file path=ppt/notesSlides/notesSlide1.xml><?xml version="1.0" encoding="utf-8"?>
-<p:notes xmlns:a="http://schemas.openxmlformats.org/drawingml/2006/main" xmlns:r="http://schemas.openxmlformats.org/officeDocument/2006/relationships" xmlns:mc="http://schemas.openxmlformats.org/markup-compatibility/2006" xmlns:mv="urn:schemas-microsoft-com:mac:vml" xmlns:p="http://schemas.openxmlformats.org/presentationml/2006/main" xmlns:c="http://schemas.openxmlformats.org/drawingml/2006/chart" xmlns:dgm="http://schemas.openxmlformats.org/drawingml/2006/diagram" xmlns:o="urn:schemas-microsoft-com:office:office" xmlns:v="urn:schemas-microsoft-com:vml" xmlns:pvml="urn:schemas-microsoft-com:office:powerpoint" xmlns:com="http://schemas.openxmlformats.org/drawingml/2006/compatibility" xmlns:p14="http://schemas.microsoft.com/office/powerpoint/2010/main" xmlns:p15="http://schemas.microsoft.com/office/powerpoint/2012/main" showMasterPhAnim="0" showMasterSp="0">
+<p:notes xmlns:a="http://schemas.openxmlformats.org/drawingml/2006/main" xmlns:r="http://schemas.openxmlformats.org/officeDocument/2006/relationships" xmlns:p="http://schemas.openxmlformats.org/presentationml/2006/main" showMasterSp="0" showMasterPhAnim="0">
   <p:cSld>
     <p:spTree>
       <p:nvGrpSpPr>
-        <p:cNvPr id="130" name="Shape 130"/>
+        <p:cNvPr id="1" name="Shape 130"/>
         <p:cNvGrpSpPr/>
         <p:nvPr/>
       </p:nvGrpSpPr>
@@ -725,20 +726,26 @@
       <p:sp>
         <p:nvSpPr>
           <p:cNvPr id="131" name="Google Shape;131;p:notes"/>
-          <p:cNvSpPr/>
+          <p:cNvSpPr>
+            <a:spLocks noGrp="1" noRot="1" noChangeAspect="1"/>
+          </p:cNvSpPr>
           <p:nvPr>
-            <p:ph idx="2" type="sldImg"/>
+            <p:ph type="sldImg" idx="2"/>
           </p:nvPr>
         </p:nvSpPr>
         <p:spPr>
           <a:xfrm>
-            <a:off x="381300" y="685800"/>
-            <a:ext cx="6096075" cy="3429000"/>
+            <a:off x="381000" y="685800"/>
+            <a:ext cx="6096000" cy="3429000"/>
           </a:xfrm>
           <a:custGeom>
-            <a:rect b="b" l="l" r="r" t="t"/>
+            <a:avLst/>
+            <a:gdLst/>
+            <a:ahLst/>
+            <a:cxnLst/>
+            <a:rect l="l" t="t" r="r" b="b"/>
             <a:pathLst>
-              <a:path extrusionOk="0" h="120000" w="120000">
+              <a:path w="120000" h="120000" extrusionOk="0">
                 <a:moveTo>
                   <a:pt x="0" y="0"/>
                 </a:moveTo>
@@ -760,9 +767,11 @@
       <p:sp>
         <p:nvSpPr>
           <p:cNvPr id="132" name="Google Shape;132;p:notes"/>
-          <p:cNvSpPr txBox="1"/>
+          <p:cNvSpPr txBox="1">
+            <a:spLocks noGrp="1"/>
+          </p:cNvSpPr>
           <p:nvPr>
-            <p:ph idx="1" type="body"/>
+            <p:ph type="body" idx="1"/>
           </p:nvPr>
         </p:nvSpPr>
         <p:spPr>
@@ -775,12 +784,12 @@
           </a:prstGeom>
         </p:spPr>
         <p:txBody>
-          <a:bodyPr anchorCtr="0" anchor="t" bIns="91425" lIns="91425" spcFirstLastPara="1" rIns="91425" wrap="square" tIns="91425">
+          <a:bodyPr spcFirstLastPara="1" wrap="square" lIns="91425" tIns="91425" rIns="91425" bIns="91425" anchor="t" anchorCtr="0">
             <a:noAutofit/>
           </a:bodyPr>
           <a:lstStyle/>
           <a:p>
-            <a:pPr indent="0" lvl="0" marL="0" rtl="0" algn="l">
+            <a:pPr marL="0" lvl="0" indent="0" algn="l" rtl="0">
               <a:spcBef>
                 <a:spcPts val="0"/>
               </a:spcBef>
@@ -789,9 +798,6 @@
               </a:spcAft>
               <a:buNone/>
             </a:pPr>
-            <a:r>
-              <a:t/>
-            </a:r>
             <a:endParaRPr/>
           </a:p>
         </p:txBody>
@@ -805,11 +811,11 @@
 </file>
 
 <file path=ppt/notesSlides/notesSlide2.xml><?xml version="1.0" encoding="utf-8"?>
-<p:notes xmlns:a="http://schemas.openxmlformats.org/drawingml/2006/main" xmlns:r="http://schemas.openxmlformats.org/officeDocument/2006/relationships" xmlns:mc="http://schemas.openxmlformats.org/markup-compatibility/2006" xmlns:mv="urn:schemas-microsoft-com:mac:vml" xmlns:p="http://schemas.openxmlformats.org/presentationml/2006/main" xmlns:c="http://schemas.openxmlformats.org/drawingml/2006/chart" xmlns:dgm="http://schemas.openxmlformats.org/drawingml/2006/diagram" xmlns:o="urn:schemas-microsoft-com:office:office" xmlns:v="urn:schemas-microsoft-com:vml" xmlns:pvml="urn:schemas-microsoft-com:office:powerpoint" xmlns:com="http://schemas.openxmlformats.org/drawingml/2006/compatibility" xmlns:p14="http://schemas.microsoft.com/office/powerpoint/2010/main" xmlns:p15="http://schemas.microsoft.com/office/powerpoint/2012/main" showMasterPhAnim="0" showMasterSp="0">
+<p:notes xmlns:a="http://schemas.openxmlformats.org/drawingml/2006/main" xmlns:r="http://schemas.openxmlformats.org/officeDocument/2006/relationships" xmlns:p="http://schemas.openxmlformats.org/presentationml/2006/main" showMasterSp="0" showMasterPhAnim="0">
   <p:cSld>
     <p:spTree>
       <p:nvGrpSpPr>
-        <p:cNvPr id="136" name="Shape 136"/>
+        <p:cNvPr id="1" name="Shape 136"/>
         <p:cNvGrpSpPr/>
         <p:nvPr/>
       </p:nvGrpSpPr>
@@ -824,20 +830,26 @@
       <p:sp>
         <p:nvSpPr>
           <p:cNvPr id="137" name="Google Shape;137;g42b9485f31_0_125:notes"/>
-          <p:cNvSpPr/>
+          <p:cNvSpPr>
+            <a:spLocks noGrp="1" noRot="1" noChangeAspect="1"/>
+          </p:cNvSpPr>
           <p:nvPr>
-            <p:ph idx="2" type="sldImg"/>
+            <p:ph type="sldImg" idx="2"/>
           </p:nvPr>
         </p:nvSpPr>
         <p:spPr>
           <a:xfrm>
-            <a:off x="381300" y="685800"/>
+            <a:off x="381000" y="685800"/>
             <a:ext cx="6096000" cy="3429000"/>
           </a:xfrm>
           <a:custGeom>
-            <a:rect b="b" l="l" r="r" t="t"/>
+            <a:avLst/>
+            <a:gdLst/>
+            <a:ahLst/>
+            <a:cxnLst/>
+            <a:rect l="l" t="t" r="r" b="b"/>
             <a:pathLst>
-              <a:path extrusionOk="0" h="120000" w="120000">
+              <a:path w="120000" h="120000" extrusionOk="0">
                 <a:moveTo>
                   <a:pt x="0" y="0"/>
                 </a:moveTo>
@@ -859,9 +871,11 @@
       <p:sp>
         <p:nvSpPr>
           <p:cNvPr id="138" name="Google Shape;138;g42b9485f31_0_125:notes"/>
-          <p:cNvSpPr txBox="1"/>
+          <p:cNvSpPr txBox="1">
+            <a:spLocks noGrp="1"/>
+          </p:cNvSpPr>
           <p:nvPr>
-            <p:ph idx="1" type="body"/>
+            <p:ph type="body" idx="1"/>
           </p:nvPr>
         </p:nvSpPr>
         <p:spPr>
@@ -874,12 +888,12 @@
           </a:prstGeom>
         </p:spPr>
         <p:txBody>
-          <a:bodyPr anchorCtr="0" anchor="t" bIns="91425" lIns="91425" spcFirstLastPara="1" rIns="91425" wrap="square" tIns="91425">
+          <a:bodyPr spcFirstLastPara="1" wrap="square" lIns="91425" tIns="91425" rIns="91425" bIns="91425" anchor="t" anchorCtr="0">
             <a:noAutofit/>
           </a:bodyPr>
           <a:lstStyle/>
           <a:p>
-            <a:pPr indent="0" lvl="0" marL="0" rtl="0" algn="l">
+            <a:pPr marL="0" lvl="0" indent="0" algn="l" rtl="0">
               <a:spcBef>
                 <a:spcPts val="0"/>
               </a:spcBef>
@@ -888,9 +902,6 @@
               </a:spcAft>
               <a:buNone/>
             </a:pPr>
-            <a:r>
-              <a:t/>
-            </a:r>
             <a:endParaRPr/>
           </a:p>
         </p:txBody>
@@ -904,11 +915,77 @@
 </file>
 
 <file path=ppt/notesSlides/notesSlide3.xml><?xml version="1.0" encoding="utf-8"?>
-<p:notes xmlns:a="http://schemas.openxmlformats.org/drawingml/2006/main" xmlns:r="http://schemas.openxmlformats.org/officeDocument/2006/relationships" xmlns:mc="http://schemas.openxmlformats.org/markup-compatibility/2006" xmlns:mv="urn:schemas-microsoft-com:mac:vml" xmlns:p="http://schemas.openxmlformats.org/presentationml/2006/main" xmlns:c="http://schemas.openxmlformats.org/drawingml/2006/chart" xmlns:dgm="http://schemas.openxmlformats.org/drawingml/2006/diagram" xmlns:o="urn:schemas-microsoft-com:office:office" xmlns:v="urn:schemas-microsoft-com:vml" xmlns:pvml="urn:schemas-microsoft-com:office:powerpoint" xmlns:com="http://schemas.openxmlformats.org/drawingml/2006/compatibility" xmlns:p14="http://schemas.microsoft.com/office/powerpoint/2010/main" xmlns:p15="http://schemas.microsoft.com/office/powerpoint/2012/main" showMasterPhAnim="0" showMasterSp="0">
+<p:notes xmlns:a="http://schemas.openxmlformats.org/drawingml/2006/main" xmlns:r="http://schemas.openxmlformats.org/officeDocument/2006/relationships" xmlns:p="http://schemas.openxmlformats.org/presentationml/2006/main">
   <p:cSld>
     <p:spTree>
       <p:nvGrpSpPr>
-        <p:cNvPr id="144" name="Shape 144"/>
+        <p:cNvPr id="1" name=""/>
+        <p:cNvGrpSpPr/>
+        <p:nvPr/>
+      </p:nvGrpSpPr>
+      <p:grpSpPr>
+        <a:xfrm>
+          <a:off x="0" y="0"/>
+          <a:ext cx="0" cy="0"/>
+          <a:chOff x="0" y="0"/>
+          <a:chExt cx="0" cy="0"/>
+        </a:xfrm>
+      </p:grpSpPr>
+      <p:sp>
+        <p:nvSpPr>
+          <p:cNvPr id="2" name="Slide Image Placeholder 1"/>
+          <p:cNvSpPr>
+            <a:spLocks noGrp="1" noRot="1" noChangeAspect="1"/>
+          </p:cNvSpPr>
+          <p:nvPr>
+            <p:ph type="sldImg"/>
+          </p:nvPr>
+        </p:nvSpPr>
+        <p:spPr>
+          <a:xfrm>
+            <a:off x="381000" y="685800"/>
+            <a:ext cx="6096000" cy="3429000"/>
+          </a:xfrm>
+        </p:spPr>
+      </p:sp>
+      <p:sp>
+        <p:nvSpPr>
+          <p:cNvPr id="3" name="Notes Placeholder 2"/>
+          <p:cNvSpPr>
+            <a:spLocks noGrp="1"/>
+          </p:cNvSpPr>
+          <p:nvPr>
+            <p:ph type="body" idx="1"/>
+          </p:nvPr>
+        </p:nvSpPr>
+        <p:spPr/>
+        <p:txBody>
+          <a:bodyPr/>
+          <a:lstStyle/>
+          <a:p>
+            <a:endParaRPr lang="en-US"/>
+          </a:p>
+        </p:txBody>
+      </p:sp>
+    </p:spTree>
+    <p:extLst>
+      <p:ext uri="{BB962C8B-B14F-4D97-AF65-F5344CB8AC3E}">
+        <p14:creationId xmlns:p14="http://schemas.microsoft.com/office/powerpoint/2010/main" val="726875546"/>
+      </p:ext>
+    </p:extLst>
+  </p:cSld>
+  <p:clrMapOvr>
+    <a:masterClrMapping/>
+  </p:clrMapOvr>
+</p:notes>
+</file>
+
+<file path=ppt/notesSlides/notesSlide4.xml><?xml version="1.0" encoding="utf-8"?>
+<p:notes xmlns:a="http://schemas.openxmlformats.org/drawingml/2006/main" xmlns:r="http://schemas.openxmlformats.org/officeDocument/2006/relationships" xmlns:p="http://schemas.openxmlformats.org/presentationml/2006/main" showMasterSp="0" showMasterPhAnim="0">
+  <p:cSld>
+    <p:spTree>
+      <p:nvGrpSpPr>
+        <p:cNvPr id="1" name="Shape 144"/>
         <p:cNvGrpSpPr/>
         <p:nvPr/>
       </p:nvGrpSpPr>
@@ -923,20 +1000,26 @@
       <p:sp>
         <p:nvSpPr>
           <p:cNvPr id="145" name="Google Shape;145;g42b9485f31_1_5:notes"/>
-          <p:cNvSpPr/>
+          <p:cNvSpPr>
+            <a:spLocks noGrp="1" noRot="1" noChangeAspect="1"/>
+          </p:cNvSpPr>
           <p:nvPr>
-            <p:ph idx="2" type="sldImg"/>
+            <p:ph type="sldImg" idx="2"/>
           </p:nvPr>
         </p:nvSpPr>
         <p:spPr>
           <a:xfrm>
-            <a:off x="381300" y="685800"/>
+            <a:off x="381000" y="685800"/>
             <a:ext cx="6096000" cy="3429000"/>
           </a:xfrm>
           <a:custGeom>
-            <a:rect b="b" l="l" r="r" t="t"/>
+            <a:avLst/>
+            <a:gdLst/>
+            <a:ahLst/>
+            <a:cxnLst/>
+            <a:rect l="l" t="t" r="r" b="b"/>
             <a:pathLst>
-              <a:path extrusionOk="0" h="120000" w="120000">
+              <a:path w="120000" h="120000" extrusionOk="0">
                 <a:moveTo>
                   <a:pt x="0" y="0"/>
                 </a:moveTo>
@@ -958,9 +1041,11 @@
       <p:sp>
         <p:nvSpPr>
           <p:cNvPr id="146" name="Google Shape;146;g42b9485f31_1_5:notes"/>
-          <p:cNvSpPr txBox="1"/>
+          <p:cNvSpPr txBox="1">
+            <a:spLocks noGrp="1"/>
+          </p:cNvSpPr>
           <p:nvPr>
-            <p:ph idx="1" type="body"/>
+            <p:ph type="body" idx="1"/>
           </p:nvPr>
         </p:nvSpPr>
         <p:spPr>
@@ -973,12 +1058,12 @@
           </a:prstGeom>
         </p:spPr>
         <p:txBody>
-          <a:bodyPr anchorCtr="0" anchor="t" bIns="91425" lIns="91425" spcFirstLastPara="1" rIns="91425" wrap="square" tIns="91425">
+          <a:bodyPr spcFirstLastPara="1" wrap="square" lIns="91425" tIns="91425" rIns="91425" bIns="91425" anchor="t" anchorCtr="0">
             <a:noAutofit/>
           </a:bodyPr>
           <a:lstStyle/>
           <a:p>
-            <a:pPr indent="0" lvl="0" marL="0" rtl="0" algn="l">
+            <a:pPr marL="0" lvl="0" indent="0" algn="l" rtl="0">
               <a:spcBef>
                 <a:spcPts val="0"/>
               </a:spcBef>
@@ -987,9 +1072,6 @@
               </a:spcAft>
               <a:buNone/>
             </a:pPr>
-            <a:r>
-              <a:t/>
-            </a:r>
             <a:endParaRPr/>
           </a:p>
         </p:txBody>
@@ -1002,12 +1084,12 @@
 </p:notes>
 </file>
 
-<file path=ppt/notesSlides/notesSlide4.xml><?xml version="1.0" encoding="utf-8"?>
-<p:notes xmlns:a="http://schemas.openxmlformats.org/drawingml/2006/main" xmlns:r="http://schemas.openxmlformats.org/officeDocument/2006/relationships" xmlns:mc="http://schemas.openxmlformats.org/markup-compatibility/2006" xmlns:mv="urn:schemas-microsoft-com:mac:vml" xmlns:p="http://schemas.openxmlformats.org/presentationml/2006/main" xmlns:c="http://schemas.openxmlformats.org/drawingml/2006/chart" xmlns:dgm="http://schemas.openxmlformats.org/drawingml/2006/diagram" xmlns:o="urn:schemas-microsoft-com:office:office" xmlns:v="urn:schemas-microsoft-com:vml" xmlns:pvml="urn:schemas-microsoft-com:office:powerpoint" xmlns:com="http://schemas.openxmlformats.org/drawingml/2006/compatibility" xmlns:p14="http://schemas.microsoft.com/office/powerpoint/2010/main" xmlns:p15="http://schemas.microsoft.com/office/powerpoint/2012/main" showMasterPhAnim="0" showMasterSp="0">
+<file path=ppt/notesSlides/notesSlide5.xml><?xml version="1.0" encoding="utf-8"?>
+<p:notes xmlns:a="http://schemas.openxmlformats.org/drawingml/2006/main" xmlns:r="http://schemas.openxmlformats.org/officeDocument/2006/relationships" xmlns:p="http://schemas.openxmlformats.org/presentationml/2006/main" showMasterSp="0" showMasterPhAnim="0">
   <p:cSld>
     <p:spTree>
       <p:nvGrpSpPr>
-        <p:cNvPr id="150" name="Shape 150"/>
+        <p:cNvPr id="1" name="Shape 150"/>
         <p:cNvGrpSpPr/>
         <p:nvPr/>
       </p:nvGrpSpPr>
@@ -1022,20 +1104,26 @@
       <p:sp>
         <p:nvSpPr>
           <p:cNvPr id="151" name="Google Shape;151;g42b9485f31_1_0:notes"/>
-          <p:cNvSpPr/>
+          <p:cNvSpPr>
+            <a:spLocks noGrp="1" noRot="1" noChangeAspect="1"/>
+          </p:cNvSpPr>
           <p:nvPr>
-            <p:ph idx="2" type="sldImg"/>
+            <p:ph type="sldImg" idx="2"/>
           </p:nvPr>
         </p:nvSpPr>
         <p:spPr>
           <a:xfrm>
-            <a:off x="381300" y="685800"/>
+            <a:off x="381000" y="685800"/>
             <a:ext cx="6096000" cy="3429000"/>
           </a:xfrm>
           <a:custGeom>
-            <a:rect b="b" l="l" r="r" t="t"/>
+            <a:avLst/>
+            <a:gdLst/>
+            <a:ahLst/>
+            <a:cxnLst/>
+            <a:rect l="l" t="t" r="r" b="b"/>
             <a:pathLst>
-              <a:path extrusionOk="0" h="120000" w="120000">
+              <a:path w="120000" h="120000" extrusionOk="0">
                 <a:moveTo>
                   <a:pt x="0" y="0"/>
                 </a:moveTo>
@@ -1057,9 +1145,11 @@
       <p:sp>
         <p:nvSpPr>
           <p:cNvPr id="152" name="Google Shape;152;g42b9485f31_1_0:notes"/>
-          <p:cNvSpPr txBox="1"/>
+          <p:cNvSpPr txBox="1">
+            <a:spLocks noGrp="1"/>
+          </p:cNvSpPr>
           <p:nvPr>
-            <p:ph idx="1" type="body"/>
+            <p:ph type="body" idx="1"/>
           </p:nvPr>
         </p:nvSpPr>
         <p:spPr>
@@ -1072,12 +1162,12 @@
           </a:prstGeom>
         </p:spPr>
         <p:txBody>
-          <a:bodyPr anchorCtr="0" anchor="t" bIns="91425" lIns="91425" spcFirstLastPara="1" rIns="91425" wrap="square" tIns="91425">
+          <a:bodyPr spcFirstLastPara="1" wrap="square" lIns="91425" tIns="91425" rIns="91425" bIns="91425" anchor="t" anchorCtr="0">
             <a:noAutofit/>
           </a:bodyPr>
           <a:lstStyle/>
           <a:p>
-            <a:pPr indent="0" lvl="0" marL="0" rtl="0" algn="l">
+            <a:pPr marL="0" lvl="0" indent="0" algn="l" rtl="0">
               <a:spcBef>
                 <a:spcPts val="0"/>
               </a:spcBef>
@@ -1086,9 +1176,6 @@
               </a:spcAft>
               <a:buNone/>
             </a:pPr>
-            <a:r>
-              <a:t/>
-            </a:r>
             <a:endParaRPr/>
           </a:p>
         </p:txBody>
@@ -1101,12 +1188,12 @@
 </p:notes>
 </file>
 
-<file path=ppt/notesSlides/notesSlide5.xml><?xml version="1.0" encoding="utf-8"?>
-<p:notes xmlns:a="http://schemas.openxmlformats.org/drawingml/2006/main" xmlns:r="http://schemas.openxmlformats.org/officeDocument/2006/relationships" xmlns:mc="http://schemas.openxmlformats.org/markup-compatibility/2006" xmlns:mv="urn:schemas-microsoft-com:mac:vml" xmlns:p="http://schemas.openxmlformats.org/presentationml/2006/main" xmlns:c="http://schemas.openxmlformats.org/drawingml/2006/chart" xmlns:dgm="http://schemas.openxmlformats.org/drawingml/2006/diagram" xmlns:o="urn:schemas-microsoft-com:office:office" xmlns:v="urn:schemas-microsoft-com:vml" xmlns:pvml="urn:schemas-microsoft-com:office:powerpoint" xmlns:com="http://schemas.openxmlformats.org/drawingml/2006/compatibility" xmlns:p14="http://schemas.microsoft.com/office/powerpoint/2010/main" xmlns:p15="http://schemas.microsoft.com/office/powerpoint/2012/main" showMasterPhAnim="0" showMasterSp="0">
+<file path=ppt/notesSlides/notesSlide6.xml><?xml version="1.0" encoding="utf-8"?>
+<p:notes xmlns:a="http://schemas.openxmlformats.org/drawingml/2006/main" xmlns:r="http://schemas.openxmlformats.org/officeDocument/2006/relationships" xmlns:p="http://schemas.openxmlformats.org/presentationml/2006/main" showMasterSp="0" showMasterPhAnim="0">
   <p:cSld>
     <p:spTree>
       <p:nvGrpSpPr>
-        <p:cNvPr id="158" name="Shape 158"/>
+        <p:cNvPr id="1" name="Shape 158"/>
         <p:cNvGrpSpPr/>
         <p:nvPr/>
       </p:nvGrpSpPr>
@@ -1121,20 +1208,26 @@
       <p:sp>
         <p:nvSpPr>
           <p:cNvPr id="159" name="Google Shape;159;g42b9485f31_1_15:notes"/>
-          <p:cNvSpPr/>
+          <p:cNvSpPr>
+            <a:spLocks noGrp="1" noRot="1" noChangeAspect="1"/>
+          </p:cNvSpPr>
           <p:nvPr>
-            <p:ph idx="2" type="sldImg"/>
+            <p:ph type="sldImg" idx="2"/>
           </p:nvPr>
         </p:nvSpPr>
         <p:spPr>
           <a:xfrm>
-            <a:off x="381300" y="685800"/>
+            <a:off x="381000" y="685800"/>
             <a:ext cx="6096000" cy="3429000"/>
           </a:xfrm>
           <a:custGeom>
-            <a:rect b="b" l="l" r="r" t="t"/>
+            <a:avLst/>
+            <a:gdLst/>
+            <a:ahLst/>
+            <a:cxnLst/>
+            <a:rect l="l" t="t" r="r" b="b"/>
             <a:pathLst>
-              <a:path extrusionOk="0" h="120000" w="120000">
+              <a:path w="120000" h="120000" extrusionOk="0">
                 <a:moveTo>
                   <a:pt x="0" y="0"/>
                 </a:moveTo>
@@ -1156,9 +1249,11 @@
       <p:sp>
         <p:nvSpPr>
           <p:cNvPr id="160" name="Google Shape;160;g42b9485f31_1_15:notes"/>
-          <p:cNvSpPr txBox="1"/>
+          <p:cNvSpPr txBox="1">
+            <a:spLocks noGrp="1"/>
+          </p:cNvSpPr>
           <p:nvPr>
-            <p:ph idx="1" type="body"/>
+            <p:ph type="body" idx="1"/>
           </p:nvPr>
         </p:nvSpPr>
         <p:spPr>
@@ -1171,12 +1266,12 @@
           </a:prstGeom>
         </p:spPr>
         <p:txBody>
-          <a:bodyPr anchorCtr="0" anchor="t" bIns="91425" lIns="91425" spcFirstLastPara="1" rIns="91425" wrap="square" tIns="91425">
+          <a:bodyPr spcFirstLastPara="1" wrap="square" lIns="91425" tIns="91425" rIns="91425" bIns="91425" anchor="t" anchorCtr="0">
             <a:noAutofit/>
           </a:bodyPr>
           <a:lstStyle/>
           <a:p>
-            <a:pPr indent="0" lvl="0" marL="0" rtl="0" algn="l">
+            <a:pPr marL="0" lvl="0" indent="0" algn="l" rtl="0">
               <a:spcBef>
                 <a:spcPts val="0"/>
               </a:spcBef>
@@ -1185,9 +1280,6 @@
               </a:spcAft>
               <a:buNone/>
             </a:pPr>
-            <a:r>
-              <a:t/>
-            </a:r>
             <a:endParaRPr/>
           </a:p>
         </p:txBody>
@@ -1200,12 +1292,12 @@
 </p:notes>
 </file>
 
-<file path=ppt/notesSlides/notesSlide6.xml><?xml version="1.0" encoding="utf-8"?>
-<p:notes xmlns:a="http://schemas.openxmlformats.org/drawingml/2006/main" xmlns:r="http://schemas.openxmlformats.org/officeDocument/2006/relationships" xmlns:mc="http://schemas.openxmlformats.org/markup-compatibility/2006" xmlns:mv="urn:schemas-microsoft-com:mac:vml" xmlns:p="http://schemas.openxmlformats.org/presentationml/2006/main" xmlns:c="http://schemas.openxmlformats.org/drawingml/2006/chart" xmlns:dgm="http://schemas.openxmlformats.org/drawingml/2006/diagram" xmlns:o="urn:schemas-microsoft-com:office:office" xmlns:v="urn:schemas-microsoft-com:vml" xmlns:pvml="urn:schemas-microsoft-com:office:powerpoint" xmlns:com="http://schemas.openxmlformats.org/drawingml/2006/compatibility" xmlns:p14="http://schemas.microsoft.com/office/powerpoint/2010/main" xmlns:p15="http://schemas.microsoft.com/office/powerpoint/2012/main" showMasterPhAnim="0" showMasterSp="0">
+<file path=ppt/notesSlides/notesSlide7.xml><?xml version="1.0" encoding="utf-8"?>
+<p:notes xmlns:a="http://schemas.openxmlformats.org/drawingml/2006/main" xmlns:r="http://schemas.openxmlformats.org/officeDocument/2006/relationships" xmlns:p="http://schemas.openxmlformats.org/presentationml/2006/main" showMasterSp="0" showMasterPhAnim="0">
   <p:cSld>
     <p:spTree>
       <p:nvGrpSpPr>
-        <p:cNvPr id="163" name="Shape 163"/>
+        <p:cNvPr id="1" name="Shape 163"/>
         <p:cNvGrpSpPr/>
         <p:nvPr/>
       </p:nvGrpSpPr>
@@ -1220,20 +1312,26 @@
       <p:sp>
         <p:nvSpPr>
           <p:cNvPr id="164" name="Google Shape;164;g42b9485f31_1_25:notes"/>
-          <p:cNvSpPr/>
+          <p:cNvSpPr>
+            <a:spLocks noGrp="1" noRot="1" noChangeAspect="1"/>
+          </p:cNvSpPr>
           <p:nvPr>
-            <p:ph idx="2" type="sldImg"/>
+            <p:ph type="sldImg" idx="2"/>
           </p:nvPr>
         </p:nvSpPr>
         <p:spPr>
           <a:xfrm>
-            <a:off x="381300" y="685800"/>
+            <a:off x="381000" y="685800"/>
             <a:ext cx="6096000" cy="3429000"/>
           </a:xfrm>
           <a:custGeom>
-            <a:rect b="b" l="l" r="r" t="t"/>
+            <a:avLst/>
+            <a:gdLst/>
+            <a:ahLst/>
+            <a:cxnLst/>
+            <a:rect l="l" t="t" r="r" b="b"/>
             <a:pathLst>
-              <a:path extrusionOk="0" h="120000" w="120000">
+              <a:path w="120000" h="120000" extrusionOk="0">
                 <a:moveTo>
                   <a:pt x="0" y="0"/>
                 </a:moveTo>
@@ -1255,9 +1353,11 @@
       <p:sp>
         <p:nvSpPr>
           <p:cNvPr id="165" name="Google Shape;165;g42b9485f31_1_25:notes"/>
-          <p:cNvSpPr txBox="1"/>
+          <p:cNvSpPr txBox="1">
+            <a:spLocks noGrp="1"/>
+          </p:cNvSpPr>
           <p:nvPr>
-            <p:ph idx="1" type="body"/>
+            <p:ph type="body" idx="1"/>
           </p:nvPr>
         </p:nvSpPr>
         <p:spPr>
@@ -1270,12 +1370,12 @@
           </a:prstGeom>
         </p:spPr>
         <p:txBody>
-          <a:bodyPr anchorCtr="0" anchor="t" bIns="91425" lIns="91425" spcFirstLastPara="1" rIns="91425" wrap="square" tIns="91425">
+          <a:bodyPr spcFirstLastPara="1" wrap="square" lIns="91425" tIns="91425" rIns="91425" bIns="91425" anchor="t" anchorCtr="0">
             <a:noAutofit/>
           </a:bodyPr>
           <a:lstStyle/>
           <a:p>
-            <a:pPr indent="0" lvl="0" marL="0" rtl="0" algn="l">
+            <a:pPr marL="0" lvl="0" indent="0" algn="l" rtl="0">
               <a:spcBef>
                 <a:spcPts val="0"/>
               </a:spcBef>
@@ -1284,9 +1384,6 @@
               </a:spcAft>
               <a:buNone/>
             </a:pPr>
-            <a:r>
-              <a:t/>
-            </a:r>
             <a:endParaRPr/>
           </a:p>
         </p:txBody>
@@ -1300,11 +1397,11 @@
 </file>
 
 <file path=ppt/slideLayouts/slideLayout1.xml><?xml version="1.0" encoding="utf-8"?>
-<p:sldLayout xmlns:a="http://schemas.openxmlformats.org/drawingml/2006/main" xmlns:r="http://schemas.openxmlformats.org/officeDocument/2006/relationships" xmlns:mc="http://schemas.openxmlformats.org/markup-compatibility/2006" xmlns:mv="urn:schemas-microsoft-com:mac:vml" xmlns:p="http://schemas.openxmlformats.org/presentationml/2006/main" xmlns:c="http://schemas.openxmlformats.org/drawingml/2006/chart" xmlns:dgm="http://schemas.openxmlformats.org/drawingml/2006/diagram" xmlns:o="urn:schemas-microsoft-com:office:office" xmlns:v="urn:schemas-microsoft-com:vml" xmlns:pvml="urn:schemas-microsoft-com:office:powerpoint" xmlns:com="http://schemas.openxmlformats.org/drawingml/2006/compatibility" xmlns:p14="http://schemas.microsoft.com/office/powerpoint/2010/main" xmlns:p15="http://schemas.microsoft.com/office/powerpoint/2012/main" matchingName="Title slide" type="title">
+<p:sldLayout xmlns:a="http://schemas.openxmlformats.org/drawingml/2006/main" xmlns:r="http://schemas.openxmlformats.org/officeDocument/2006/relationships" xmlns:p="http://schemas.openxmlformats.org/presentationml/2006/main" matchingName="Title slide" type="title">
   <p:cSld name="TITLE">
     <p:spTree>
       <p:nvGrpSpPr>
-        <p:cNvPr id="9" name="Shape 9"/>
+        <p:cNvPr id="1" name="Shape 9"/>
         <p:cNvGrpSpPr/>
         <p:nvPr/>
       </p:nvGrpSpPr>
@@ -1329,7 +1426,7 @@
           </a:xfrm>
           <a:prstGeom prst="diagStripe">
             <a:avLst>
-              <a:gd fmla="val 0" name="adj"/>
+              <a:gd name="adj" fmla="val 0"/>
             </a:avLst>
           </a:prstGeom>
           <a:solidFill>
@@ -1342,12 +1439,12 @@
           </a:ln>
         </p:spPr>
         <p:txBody>
-          <a:bodyPr anchorCtr="0" anchor="ctr" bIns="91425" lIns="91425" spcFirstLastPara="1" rIns="91425" wrap="square" tIns="91425">
+          <a:bodyPr spcFirstLastPara="1" wrap="square" lIns="91425" tIns="91425" rIns="91425" bIns="91425" anchor="ctr" anchorCtr="0">
             <a:noAutofit/>
           </a:bodyPr>
           <a:lstStyle/>
           <a:p>
-            <a:pPr indent="0" lvl="0" marL="0" rtl="0" algn="l">
+            <a:pPr marL="0" lvl="0" indent="0" algn="l" rtl="0">
               <a:spcBef>
                 <a:spcPts val="0"/>
               </a:spcBef>
@@ -1356,9 +1453,6 @@
               </a:spcAft>
               <a:buNone/>
             </a:pPr>
-            <a:r>
-              <a:t/>
-            </a:r>
             <a:endParaRPr/>
           </a:p>
         </p:txBody>
@@ -1390,7 +1484,7 @@
             </a:xfrm>
             <a:prstGeom prst="diagStripe">
               <a:avLst>
-                <a:gd fmla="val 50000" name="adj"/>
+                <a:gd name="adj" fmla="val 50000"/>
               </a:avLst>
             </a:prstGeom>
             <a:solidFill>
@@ -1403,12 +1497,12 @@
             </a:ln>
           </p:spPr>
           <p:txBody>
-            <a:bodyPr anchorCtr="0" anchor="ctr" bIns="91425" lIns="91425" spcFirstLastPara="1" rIns="91425" wrap="square" tIns="91425">
+            <a:bodyPr spcFirstLastPara="1" wrap="square" lIns="91425" tIns="91425" rIns="91425" bIns="91425" anchor="ctr" anchorCtr="0">
               <a:noAutofit/>
             </a:bodyPr>
             <a:lstStyle/>
             <a:p>
-              <a:pPr indent="0" lvl="0" marL="0" rtl="0" algn="l">
+              <a:pPr marL="0" lvl="0" indent="0" algn="l" rtl="0">
                 <a:spcBef>
                   <a:spcPts val="0"/>
                 </a:spcBef>
@@ -1417,9 +1511,6 @@
                 </a:spcAft>
                 <a:buNone/>
               </a:pPr>
-              <a:r>
-                <a:t/>
-              </a:r>
               <a:endParaRPr/>
             </a:p>
           </p:txBody>
@@ -1437,7 +1528,7 @@
             </a:xfrm>
             <a:prstGeom prst="diagStripe">
               <a:avLst>
-                <a:gd fmla="val 58774" name="adj"/>
+                <a:gd name="adj" fmla="val 58774"/>
               </a:avLst>
             </a:prstGeom>
             <a:solidFill>
@@ -1450,12 +1541,12 @@
             </a:ln>
           </p:spPr>
           <p:txBody>
-            <a:bodyPr anchorCtr="0" anchor="ctr" bIns="91425" lIns="91425" spcFirstLastPara="1" rIns="91425" wrap="square" tIns="91425">
+            <a:bodyPr spcFirstLastPara="1" wrap="square" lIns="91425" tIns="91425" rIns="91425" bIns="91425" anchor="ctr" anchorCtr="0">
               <a:noAutofit/>
             </a:bodyPr>
             <a:lstStyle/>
             <a:p>
-              <a:pPr indent="0" lvl="0" marL="0" rtl="0" algn="l">
+              <a:pPr marL="0" lvl="0" indent="0" algn="l" rtl="0">
                 <a:spcBef>
                   <a:spcPts val="0"/>
                 </a:spcBef>
@@ -1464,9 +1555,6 @@
                 </a:spcAft>
                 <a:buNone/>
               </a:pPr>
-              <a:r>
-                <a:t/>
-              </a:r>
               <a:endParaRPr/>
             </a:p>
           </p:txBody>
@@ -1484,7 +1572,7 @@
             </a:xfrm>
             <a:prstGeom prst="diagStripe">
               <a:avLst>
-                <a:gd fmla="val 50000" name="adj"/>
+                <a:gd name="adj" fmla="val 50000"/>
               </a:avLst>
             </a:prstGeom>
             <a:solidFill>
@@ -1495,12 +1583,12 @@
             </a:ln>
           </p:spPr>
           <p:txBody>
-            <a:bodyPr anchorCtr="0" anchor="ctr" bIns="91425" lIns="91425" spcFirstLastPara="1" rIns="91425" wrap="square" tIns="91425">
+            <a:bodyPr spcFirstLastPara="1" wrap="square" lIns="91425" tIns="91425" rIns="91425" bIns="91425" anchor="ctr" anchorCtr="0">
               <a:noAutofit/>
             </a:bodyPr>
             <a:lstStyle/>
             <a:p>
-              <a:pPr indent="0" lvl="0" marL="0" rtl="0" algn="l">
+              <a:pPr marL="0" lvl="0" indent="0" algn="l" rtl="0">
                 <a:spcBef>
                   <a:spcPts val="0"/>
                 </a:spcBef>
@@ -1509,9 +1597,6 @@
                 </a:spcAft>
                 <a:buNone/>
               </a:pPr>
-              <a:r>
-                <a:t/>
-              </a:r>
               <a:endParaRPr/>
             </a:p>
           </p:txBody>
@@ -1529,7 +1614,7 @@
             </a:xfrm>
             <a:prstGeom prst="diagStripe">
               <a:avLst>
-                <a:gd fmla="val 50000" name="adj"/>
+                <a:gd name="adj" fmla="val 50000"/>
               </a:avLst>
             </a:prstGeom>
             <a:solidFill>
@@ -1540,12 +1625,12 @@
             </a:ln>
           </p:spPr>
           <p:txBody>
-            <a:bodyPr anchorCtr="0" anchor="ctr" bIns="91425" lIns="91425" spcFirstLastPara="1" rIns="91425" wrap="square" tIns="91425">
+            <a:bodyPr spcFirstLastPara="1" wrap="square" lIns="91425" tIns="91425" rIns="91425" bIns="91425" anchor="ctr" anchorCtr="0">
               <a:noAutofit/>
             </a:bodyPr>
             <a:lstStyle/>
             <a:p>
-              <a:pPr indent="0" lvl="0" marL="0" rtl="0" algn="l">
+              <a:pPr marL="0" lvl="0" indent="0" algn="l" rtl="0">
                 <a:spcBef>
                   <a:spcPts val="0"/>
                 </a:spcBef>
@@ -1554,9 +1639,6 @@
                 </a:spcAft>
                 <a:buNone/>
               </a:pPr>
-              <a:r>
-                <a:t/>
-              </a:r>
               <a:endParaRPr/>
             </a:p>
           </p:txBody>
@@ -1565,7 +1647,9 @@
       <p:sp>
         <p:nvSpPr>
           <p:cNvPr id="16" name="Google Shape;16;p2"/>
-          <p:cNvSpPr txBox="1"/>
+          <p:cNvSpPr txBox="1">
+            <a:spLocks noGrp="1"/>
+          </p:cNvSpPr>
           <p:nvPr>
             <p:ph type="ctrTitle"/>
           </p:nvPr>
@@ -1580,7 +1664,7 @@
           </a:prstGeom>
         </p:spPr>
         <p:txBody>
-          <a:bodyPr anchorCtr="0" anchor="t" bIns="91425" lIns="91425" spcFirstLastPara="1" rIns="91425" wrap="square" tIns="91425"/>
+          <a:bodyPr spcFirstLastPara="1" wrap="square" lIns="91425" tIns="91425" rIns="91425" bIns="91425" anchor="t" anchorCtr="0"/>
           <a:lstStyle>
             <a:lvl1pPr lvl="0">
               <a:spcBef>
@@ -1682,15 +1766,19 @@
               <a:defRPr sz="4000"/>
             </a:lvl9pPr>
           </a:lstStyle>
-          <a:p/>
+          <a:p>
+            <a:endParaRPr/>
+          </a:p>
         </p:txBody>
       </p:sp>
       <p:sp>
         <p:nvSpPr>
           <p:cNvPr id="17" name="Google Shape;17;p2"/>
-          <p:cNvSpPr txBox="1"/>
+          <p:cNvSpPr txBox="1">
+            <a:spLocks noGrp="1"/>
+          </p:cNvSpPr>
           <p:nvPr>
-            <p:ph idx="1" type="subTitle"/>
+            <p:ph type="subTitle" idx="1"/>
           </p:nvPr>
         </p:nvSpPr>
         <p:spPr>
@@ -1703,7 +1791,7 @@
           </a:prstGeom>
         </p:spPr>
         <p:txBody>
-          <a:bodyPr anchorCtr="0" anchor="t" bIns="91425" lIns="91425" spcFirstLastPara="1" rIns="91425" wrap="square" tIns="91425"/>
+          <a:bodyPr spcFirstLastPara="1" wrap="square" lIns="91425" tIns="91425" rIns="91425" bIns="91425" anchor="t" anchorCtr="0"/>
           <a:lstStyle>
             <a:lvl1pPr lvl="0">
               <a:lnSpc>
@@ -1832,15 +1920,19 @@
               <a:defRPr sz="1300"/>
             </a:lvl9pPr>
           </a:lstStyle>
-          <a:p/>
+          <a:p>
+            <a:endParaRPr/>
+          </a:p>
         </p:txBody>
       </p:sp>
       <p:sp>
         <p:nvSpPr>
           <p:cNvPr id="18" name="Google Shape;18;p2"/>
-          <p:cNvSpPr txBox="1"/>
+          <p:cNvSpPr txBox="1">
+            <a:spLocks noGrp="1"/>
+          </p:cNvSpPr>
           <p:nvPr>
-            <p:ph idx="12" type="sldNum"/>
+            <p:ph type="sldNum" idx="12"/>
           </p:nvPr>
         </p:nvSpPr>
         <p:spPr>
@@ -1853,7 +1945,7 @@
           </a:prstGeom>
         </p:spPr>
         <p:txBody>
-          <a:bodyPr anchorCtr="0" anchor="ctr" bIns="91425" lIns="91425" spcFirstLastPara="1" rIns="91425" wrap="square" tIns="91425">
+          <a:bodyPr spcFirstLastPara="1" wrap="square" lIns="91425" tIns="91425" rIns="91425" bIns="91425" anchor="ctr" anchorCtr="0">
             <a:noAutofit/>
           </a:bodyPr>
           <a:lstStyle>
@@ -1895,7 +1987,7 @@
             </a:lvl9pPr>
           </a:lstStyle>
           <a:p>
-            <a:pPr indent="0" lvl="0" marL="0" rtl="0" algn="r">
+            <a:pPr marL="0" lvl="0" indent="0" algn="r" rtl="0">
               <a:spcBef>
                 <a:spcPts val="0"/>
               </a:spcBef>
@@ -1921,11 +2013,11 @@
 </file>
 
 <file path=ppt/slideLayouts/slideLayout10.xml><?xml version="1.0" encoding="utf-8"?>
-<p:sldLayout xmlns:a="http://schemas.openxmlformats.org/drawingml/2006/main" xmlns:r="http://schemas.openxmlformats.org/officeDocument/2006/relationships" xmlns:mc="http://schemas.openxmlformats.org/markup-compatibility/2006" xmlns:mv="urn:schemas-microsoft-com:mac:vml" xmlns:p="http://schemas.openxmlformats.org/presentationml/2006/main" xmlns:c="http://schemas.openxmlformats.org/drawingml/2006/chart" xmlns:dgm="http://schemas.openxmlformats.org/drawingml/2006/diagram" xmlns:o="urn:schemas-microsoft-com:office:office" xmlns:v="urn:schemas-microsoft-com:vml" xmlns:pvml="urn:schemas-microsoft-com:office:powerpoint" xmlns:com="http://schemas.openxmlformats.org/drawingml/2006/compatibility" xmlns:p14="http://schemas.microsoft.com/office/powerpoint/2010/main" xmlns:p15="http://schemas.microsoft.com/office/powerpoint/2012/main" matchingName="Big number">
+<p:sldLayout xmlns:a="http://schemas.openxmlformats.org/drawingml/2006/main" xmlns:r="http://schemas.openxmlformats.org/officeDocument/2006/relationships" xmlns:p="http://schemas.openxmlformats.org/presentationml/2006/main" matchingName="Big number">
   <p:cSld name="BIG_NUMBER">
     <p:spTree>
       <p:nvGrpSpPr>
-        <p:cNvPr id="105" name="Shape 105"/>
+        <p:cNvPr id="1" name="Shape 105"/>
         <p:cNvGrpSpPr/>
         <p:nvPr/>
       </p:nvGrpSpPr>
@@ -1964,7 +2056,7 @@
             </a:xfrm>
             <a:prstGeom prst="diagStripe">
               <a:avLst>
-                <a:gd fmla="val 49469" name="adj"/>
+                <a:gd name="adj" fmla="val 49469"/>
               </a:avLst>
             </a:prstGeom>
             <a:solidFill>
@@ -1977,12 +2069,12 @@
             </a:ln>
           </p:spPr>
           <p:txBody>
-            <a:bodyPr anchorCtr="0" anchor="ctr" bIns="91425" lIns="91425" spcFirstLastPara="1" rIns="91425" wrap="square" tIns="91425">
+            <a:bodyPr spcFirstLastPara="1" wrap="square" lIns="91425" tIns="91425" rIns="91425" bIns="91425" anchor="ctr" anchorCtr="0">
               <a:noAutofit/>
             </a:bodyPr>
             <a:lstStyle/>
             <a:p>
-              <a:pPr indent="0" lvl="0" marL="0" rtl="0" algn="l">
+              <a:pPr marL="0" lvl="0" indent="0" algn="l" rtl="0">
                 <a:spcBef>
                   <a:spcPts val="0"/>
                 </a:spcBef>
@@ -1991,9 +2083,6 @@
                 </a:spcAft>
                 <a:buNone/>
               </a:pPr>
-              <a:r>
-                <a:t/>
-              </a:r>
               <a:endParaRPr/>
             </a:p>
           </p:txBody>
@@ -2011,7 +2100,7 @@
             </a:xfrm>
             <a:prstGeom prst="diagStripe">
               <a:avLst>
-                <a:gd fmla="val 0" name="adj"/>
+                <a:gd name="adj" fmla="val 0"/>
               </a:avLst>
             </a:prstGeom>
             <a:solidFill>
@@ -2024,12 +2113,12 @@
             </a:ln>
           </p:spPr>
           <p:txBody>
-            <a:bodyPr anchorCtr="0" anchor="ctr" bIns="91425" lIns="91425" spcFirstLastPara="1" rIns="91425" wrap="square" tIns="91425">
+            <a:bodyPr spcFirstLastPara="1" wrap="square" lIns="91425" tIns="91425" rIns="91425" bIns="91425" anchor="ctr" anchorCtr="0">
               <a:noAutofit/>
             </a:bodyPr>
             <a:lstStyle/>
             <a:p>
-              <a:pPr indent="0" lvl="0" marL="0" rtl="0" algn="l">
+              <a:pPr marL="0" lvl="0" indent="0" algn="l" rtl="0">
                 <a:spcBef>
                   <a:spcPts val="0"/>
                 </a:spcBef>
@@ -2038,9 +2127,6 @@
                 </a:spcAft>
                 <a:buNone/>
               </a:pPr>
-              <a:r>
-                <a:t/>
-              </a:r>
               <a:endParaRPr/>
             </a:p>
           </p:txBody>
@@ -2058,7 +2144,7 @@
             </a:xfrm>
             <a:prstGeom prst="diagStripe">
               <a:avLst>
-                <a:gd fmla="val 50000" name="adj"/>
+                <a:gd name="adj" fmla="val 50000"/>
               </a:avLst>
             </a:prstGeom>
             <a:solidFill>
@@ -2071,12 +2157,12 @@
             </a:ln>
           </p:spPr>
           <p:txBody>
-            <a:bodyPr anchorCtr="0" anchor="ctr" bIns="91425" lIns="91425" spcFirstLastPara="1" rIns="91425" wrap="square" tIns="91425">
+            <a:bodyPr spcFirstLastPara="1" wrap="square" lIns="91425" tIns="91425" rIns="91425" bIns="91425" anchor="ctr" anchorCtr="0">
               <a:noAutofit/>
             </a:bodyPr>
             <a:lstStyle/>
             <a:p>
-              <a:pPr indent="0" lvl="0" marL="0" rtl="0" algn="l">
+              <a:pPr marL="0" lvl="0" indent="0" algn="l" rtl="0">
                 <a:spcBef>
                   <a:spcPts val="0"/>
                 </a:spcBef>
@@ -2085,9 +2171,6 @@
                 </a:spcAft>
                 <a:buNone/>
               </a:pPr>
-              <a:r>
-                <a:t/>
-              </a:r>
               <a:endParaRPr/>
             </a:p>
           </p:txBody>
@@ -2105,7 +2188,7 @@
             </a:xfrm>
             <a:prstGeom prst="diagStripe">
               <a:avLst>
-                <a:gd fmla="val 50000" name="adj"/>
+                <a:gd name="adj" fmla="val 50000"/>
               </a:avLst>
             </a:prstGeom>
             <a:solidFill>
@@ -2118,12 +2201,12 @@
             </a:ln>
           </p:spPr>
           <p:txBody>
-            <a:bodyPr anchorCtr="0" anchor="ctr" bIns="91425" lIns="91425" spcFirstLastPara="1" rIns="91425" wrap="square" tIns="91425">
+            <a:bodyPr spcFirstLastPara="1" wrap="square" lIns="91425" tIns="91425" rIns="91425" bIns="91425" anchor="ctr" anchorCtr="0">
               <a:noAutofit/>
             </a:bodyPr>
             <a:lstStyle/>
             <a:p>
-              <a:pPr indent="0" lvl="0" marL="0" rtl="0" algn="l">
+              <a:pPr marL="0" lvl="0" indent="0" algn="l" rtl="0">
                 <a:spcBef>
                   <a:spcPts val="0"/>
                 </a:spcBef>
@@ -2132,9 +2215,6 @@
                 </a:spcAft>
                 <a:buNone/>
               </a:pPr>
-              <a:r>
-                <a:t/>
-              </a:r>
               <a:endParaRPr/>
             </a:p>
           </p:txBody>
@@ -2152,7 +2232,7 @@
             </a:xfrm>
             <a:prstGeom prst="diagStripe">
               <a:avLst>
-                <a:gd fmla="val 50000" name="adj"/>
+                <a:gd name="adj" fmla="val 50000"/>
               </a:avLst>
             </a:prstGeom>
             <a:solidFill>
@@ -2165,12 +2245,12 @@
             </a:ln>
           </p:spPr>
           <p:txBody>
-            <a:bodyPr anchorCtr="0" anchor="ctr" bIns="91425" lIns="91425" spcFirstLastPara="1" rIns="91425" wrap="square" tIns="91425">
+            <a:bodyPr spcFirstLastPara="1" wrap="square" lIns="91425" tIns="91425" rIns="91425" bIns="91425" anchor="ctr" anchorCtr="0">
               <a:noAutofit/>
             </a:bodyPr>
             <a:lstStyle/>
             <a:p>
-              <a:pPr indent="0" lvl="0" marL="0" rtl="0" algn="l">
+              <a:pPr marL="0" lvl="0" indent="0" algn="l" rtl="0">
                 <a:spcBef>
                   <a:spcPts val="0"/>
                 </a:spcBef>
@@ -2179,9 +2259,6 @@
                 </a:spcAft>
                 <a:buNone/>
               </a:pPr>
-              <a:r>
-                <a:t/>
-              </a:r>
               <a:endParaRPr/>
             </a:p>
           </p:txBody>
@@ -2199,7 +2276,7 @@
             </a:xfrm>
             <a:prstGeom prst="diagStripe">
               <a:avLst>
-                <a:gd fmla="val 50000" name="adj"/>
+                <a:gd name="adj" fmla="val 50000"/>
               </a:avLst>
             </a:prstGeom>
             <a:solidFill>
@@ -2212,12 +2289,12 @@
             </a:ln>
           </p:spPr>
           <p:txBody>
-            <a:bodyPr anchorCtr="0" anchor="ctr" bIns="91425" lIns="91425" spcFirstLastPara="1" rIns="91425" wrap="square" tIns="91425">
+            <a:bodyPr spcFirstLastPara="1" wrap="square" lIns="91425" tIns="91425" rIns="91425" bIns="91425" anchor="ctr" anchorCtr="0">
               <a:noAutofit/>
             </a:bodyPr>
             <a:lstStyle/>
             <a:p>
-              <a:pPr indent="0" lvl="0" marL="0" rtl="0" algn="l">
+              <a:pPr marL="0" lvl="0" indent="0" algn="l" rtl="0">
                 <a:spcBef>
                   <a:spcPts val="0"/>
                 </a:spcBef>
@@ -2226,9 +2303,6 @@
                 </a:spcAft>
                 <a:buNone/>
               </a:pPr>
-              <a:r>
-                <a:t/>
-              </a:r>
               <a:endParaRPr/>
             </a:p>
           </p:txBody>
@@ -2246,7 +2320,7 @@
             </a:xfrm>
             <a:prstGeom prst="diagStripe">
               <a:avLst>
-                <a:gd fmla="val 50000" name="adj"/>
+                <a:gd name="adj" fmla="val 50000"/>
               </a:avLst>
             </a:prstGeom>
             <a:solidFill>
@@ -2259,12 +2333,12 @@
             </a:ln>
           </p:spPr>
           <p:txBody>
-            <a:bodyPr anchorCtr="0" anchor="ctr" bIns="91425" lIns="91425" spcFirstLastPara="1" rIns="91425" wrap="square" tIns="91425">
+            <a:bodyPr spcFirstLastPara="1" wrap="square" lIns="91425" tIns="91425" rIns="91425" bIns="91425" anchor="ctr" anchorCtr="0">
               <a:noAutofit/>
             </a:bodyPr>
             <a:lstStyle/>
             <a:p>
-              <a:pPr indent="0" lvl="0" marL="0" rtl="0" algn="l">
+              <a:pPr marL="0" lvl="0" indent="0" algn="l" rtl="0">
                 <a:spcBef>
                   <a:spcPts val="0"/>
                 </a:spcBef>
@@ -2273,9 +2347,6 @@
                 </a:spcAft>
                 <a:buNone/>
               </a:pPr>
-              <a:r>
-                <a:t/>
-              </a:r>
               <a:endParaRPr/>
             </a:p>
           </p:txBody>
@@ -2293,7 +2364,7 @@
             </a:xfrm>
             <a:prstGeom prst="diagStripe">
               <a:avLst>
-                <a:gd fmla="val 50000" name="adj"/>
+                <a:gd name="adj" fmla="val 50000"/>
               </a:avLst>
             </a:prstGeom>
             <a:solidFill>
@@ -2304,12 +2375,12 @@
             </a:ln>
           </p:spPr>
           <p:txBody>
-            <a:bodyPr anchorCtr="0" anchor="ctr" bIns="91425" lIns="91425" spcFirstLastPara="1" rIns="91425" wrap="square" tIns="91425">
+            <a:bodyPr spcFirstLastPara="1" wrap="square" lIns="91425" tIns="91425" rIns="91425" bIns="91425" anchor="ctr" anchorCtr="0">
               <a:noAutofit/>
             </a:bodyPr>
             <a:lstStyle/>
             <a:p>
-              <a:pPr indent="0" lvl="0" marL="0" rtl="0" algn="l">
+              <a:pPr marL="0" lvl="0" indent="0" algn="l" rtl="0">
                 <a:spcBef>
                   <a:spcPts val="0"/>
                 </a:spcBef>
@@ -2318,9 +2389,6 @@
                 </a:spcAft>
                 <a:buNone/>
               </a:pPr>
-              <a:r>
-                <a:t/>
-              </a:r>
               <a:endParaRPr/>
             </a:p>
           </p:txBody>
@@ -2338,7 +2406,7 @@
             </a:xfrm>
             <a:prstGeom prst="diagStripe">
               <a:avLst>
-                <a:gd fmla="val 50000" name="adj"/>
+                <a:gd name="adj" fmla="val 50000"/>
               </a:avLst>
             </a:prstGeom>
             <a:solidFill>
@@ -2351,12 +2419,12 @@
             </a:ln>
           </p:spPr>
           <p:txBody>
-            <a:bodyPr anchorCtr="0" anchor="ctr" bIns="91425" lIns="91425" spcFirstLastPara="1" rIns="91425" wrap="square" tIns="91425">
+            <a:bodyPr spcFirstLastPara="1" wrap="square" lIns="91425" tIns="91425" rIns="91425" bIns="91425" anchor="ctr" anchorCtr="0">
               <a:noAutofit/>
             </a:bodyPr>
             <a:lstStyle/>
             <a:p>
-              <a:pPr indent="0" lvl="0" marL="0" rtl="0" algn="l">
+              <a:pPr marL="0" lvl="0" indent="0" algn="l" rtl="0">
                 <a:spcBef>
                   <a:spcPts val="0"/>
                 </a:spcBef>
@@ -2365,9 +2433,6 @@
                 </a:spcAft>
                 <a:buNone/>
               </a:pPr>
-              <a:r>
-                <a:t/>
-              </a:r>
               <a:endParaRPr/>
             </a:p>
           </p:txBody>
@@ -2385,7 +2450,7 @@
             </a:xfrm>
             <a:prstGeom prst="diagStripe">
               <a:avLst>
-                <a:gd fmla="val 50000" name="adj"/>
+                <a:gd name="adj" fmla="val 50000"/>
               </a:avLst>
             </a:prstGeom>
             <a:solidFill>
@@ -2398,12 +2463,12 @@
             </a:ln>
           </p:spPr>
           <p:txBody>
-            <a:bodyPr anchorCtr="0" anchor="ctr" bIns="91425" lIns="91425" spcFirstLastPara="1" rIns="91425" wrap="square" tIns="91425">
+            <a:bodyPr spcFirstLastPara="1" wrap="square" lIns="91425" tIns="91425" rIns="91425" bIns="91425" anchor="ctr" anchorCtr="0">
               <a:noAutofit/>
             </a:bodyPr>
             <a:lstStyle/>
             <a:p>
-              <a:pPr indent="0" lvl="0" marL="0" rtl="0" algn="l">
+              <a:pPr marL="0" lvl="0" indent="0" algn="l" rtl="0">
                 <a:spcBef>
                   <a:spcPts val="0"/>
                 </a:spcBef>
@@ -2412,9 +2477,6 @@
                 </a:spcAft>
                 <a:buNone/>
               </a:pPr>
-              <a:r>
-                <a:t/>
-              </a:r>
               <a:endParaRPr/>
             </a:p>
           </p:txBody>
@@ -2432,7 +2494,7 @@
             </a:xfrm>
             <a:prstGeom prst="diagStripe">
               <a:avLst>
-                <a:gd fmla="val 50000" name="adj"/>
+                <a:gd name="adj" fmla="val 50000"/>
               </a:avLst>
             </a:prstGeom>
             <a:solidFill>
@@ -2445,12 +2507,12 @@
             </a:ln>
           </p:spPr>
           <p:txBody>
-            <a:bodyPr anchorCtr="0" anchor="ctr" bIns="91425" lIns="91425" spcFirstLastPara="1" rIns="91425" wrap="square" tIns="91425">
+            <a:bodyPr spcFirstLastPara="1" wrap="square" lIns="91425" tIns="91425" rIns="91425" bIns="91425" anchor="ctr" anchorCtr="0">
               <a:noAutofit/>
             </a:bodyPr>
             <a:lstStyle/>
             <a:p>
-              <a:pPr indent="0" lvl="0" marL="0" rtl="0" algn="l">
+              <a:pPr marL="0" lvl="0" indent="0" algn="l" rtl="0">
                 <a:spcBef>
                   <a:spcPts val="0"/>
                 </a:spcBef>
@@ -2459,9 +2521,6 @@
                 </a:spcAft>
                 <a:buNone/>
               </a:pPr>
-              <a:r>
-                <a:t/>
-              </a:r>
               <a:endParaRPr/>
             </a:p>
           </p:txBody>
@@ -2479,7 +2538,7 @@
             </a:xfrm>
             <a:prstGeom prst="diagStripe">
               <a:avLst>
-                <a:gd fmla="val 50000" name="adj"/>
+                <a:gd name="adj" fmla="val 50000"/>
               </a:avLst>
             </a:prstGeom>
             <a:solidFill>
@@ -2492,12 +2551,12 @@
             </a:ln>
           </p:spPr>
           <p:txBody>
-            <a:bodyPr anchorCtr="0" anchor="ctr" bIns="91425" lIns="91425" spcFirstLastPara="1" rIns="91425" wrap="square" tIns="91425">
+            <a:bodyPr spcFirstLastPara="1" wrap="square" lIns="91425" tIns="91425" rIns="91425" bIns="91425" anchor="ctr" anchorCtr="0">
               <a:noAutofit/>
             </a:bodyPr>
             <a:lstStyle/>
             <a:p>
-              <a:pPr indent="0" lvl="0" marL="0" rtl="0" algn="l">
+              <a:pPr marL="0" lvl="0" indent="0" algn="l" rtl="0">
                 <a:spcBef>
                   <a:spcPts val="0"/>
                 </a:spcBef>
@@ -2506,9 +2565,6 @@
                 </a:spcAft>
                 <a:buNone/>
               </a:pPr>
-              <a:r>
-                <a:t/>
-              </a:r>
               <a:endParaRPr/>
             </a:p>
           </p:txBody>
@@ -2526,7 +2582,7 @@
             </a:xfrm>
             <a:prstGeom prst="diagStripe">
               <a:avLst>
-                <a:gd fmla="val 50000" name="adj"/>
+                <a:gd name="adj" fmla="val 50000"/>
               </a:avLst>
             </a:prstGeom>
             <a:solidFill>
@@ -2539,12 +2595,12 @@
             </a:ln>
           </p:spPr>
           <p:txBody>
-            <a:bodyPr anchorCtr="0" anchor="ctr" bIns="91425" lIns="91425" spcFirstLastPara="1" rIns="91425" wrap="square" tIns="91425">
+            <a:bodyPr spcFirstLastPara="1" wrap="square" lIns="91425" tIns="91425" rIns="91425" bIns="91425" anchor="ctr" anchorCtr="0">
               <a:noAutofit/>
             </a:bodyPr>
             <a:lstStyle/>
             <a:p>
-              <a:pPr indent="0" lvl="0" marL="0" rtl="0" algn="l">
+              <a:pPr marL="0" lvl="0" indent="0" algn="l" rtl="0">
                 <a:spcBef>
                   <a:spcPts val="0"/>
                 </a:spcBef>
@@ -2553,9 +2609,6 @@
                 </a:spcAft>
                 <a:buNone/>
               </a:pPr>
-              <a:r>
-                <a:t/>
-              </a:r>
               <a:endParaRPr/>
             </a:p>
           </p:txBody>
@@ -2573,7 +2626,7 @@
             </a:xfrm>
             <a:prstGeom prst="diagStripe">
               <a:avLst>
-                <a:gd fmla="val 50000" name="adj"/>
+                <a:gd name="adj" fmla="val 50000"/>
               </a:avLst>
             </a:prstGeom>
             <a:solidFill>
@@ -2584,12 +2637,12 @@
             </a:ln>
           </p:spPr>
           <p:txBody>
-            <a:bodyPr anchorCtr="0" anchor="ctr" bIns="91425" lIns="91425" spcFirstLastPara="1" rIns="91425" wrap="square" tIns="91425">
+            <a:bodyPr spcFirstLastPara="1" wrap="square" lIns="91425" tIns="91425" rIns="91425" bIns="91425" anchor="ctr" anchorCtr="0">
               <a:noAutofit/>
             </a:bodyPr>
             <a:lstStyle/>
             <a:p>
-              <a:pPr indent="0" lvl="0" marL="0" rtl="0" algn="l">
+              <a:pPr marL="0" lvl="0" indent="0" algn="l" rtl="0">
                 <a:spcBef>
                   <a:spcPts val="0"/>
                 </a:spcBef>
@@ -2598,9 +2651,6 @@
                 </a:spcAft>
                 <a:buNone/>
               </a:pPr>
-              <a:r>
-                <a:t/>
-              </a:r>
               <a:endParaRPr/>
             </a:p>
           </p:txBody>
@@ -2618,7 +2668,7 @@
             </a:xfrm>
             <a:prstGeom prst="diagStripe">
               <a:avLst>
-                <a:gd fmla="val 50000" name="adj"/>
+                <a:gd name="adj" fmla="val 50000"/>
               </a:avLst>
             </a:prstGeom>
             <a:solidFill>
@@ -2631,12 +2681,12 @@
             </a:ln>
           </p:spPr>
           <p:txBody>
-            <a:bodyPr anchorCtr="0" anchor="ctr" bIns="91425" lIns="91425" spcFirstLastPara="1" rIns="91425" wrap="square" tIns="91425">
+            <a:bodyPr spcFirstLastPara="1" wrap="square" lIns="91425" tIns="91425" rIns="91425" bIns="91425" anchor="ctr" anchorCtr="0">
               <a:noAutofit/>
             </a:bodyPr>
             <a:lstStyle/>
             <a:p>
-              <a:pPr indent="0" lvl="0" marL="0" rtl="0" algn="l">
+              <a:pPr marL="0" lvl="0" indent="0" algn="l" rtl="0">
                 <a:spcBef>
                   <a:spcPts val="0"/>
                 </a:spcBef>
@@ -2645,9 +2695,6 @@
                 </a:spcAft>
                 <a:buNone/>
               </a:pPr>
-              <a:r>
-                <a:t/>
-              </a:r>
               <a:endParaRPr/>
             </a:p>
           </p:txBody>
@@ -2665,7 +2712,7 @@
             </a:xfrm>
             <a:prstGeom prst="diagStripe">
               <a:avLst>
-                <a:gd fmla="val 50000" name="adj"/>
+                <a:gd name="adj" fmla="val 50000"/>
               </a:avLst>
             </a:prstGeom>
             <a:solidFill>
@@ -2678,12 +2725,12 @@
             </a:ln>
           </p:spPr>
           <p:txBody>
-            <a:bodyPr anchorCtr="0" anchor="ctr" bIns="91425" lIns="91425" spcFirstLastPara="1" rIns="91425" wrap="square" tIns="91425">
+            <a:bodyPr spcFirstLastPara="1" wrap="square" lIns="91425" tIns="91425" rIns="91425" bIns="91425" anchor="ctr" anchorCtr="0">
               <a:noAutofit/>
             </a:bodyPr>
             <a:lstStyle/>
             <a:p>
-              <a:pPr indent="0" lvl="0" marL="0" rtl="0" algn="l">
+              <a:pPr marL="0" lvl="0" indent="0" algn="l" rtl="0">
                 <a:spcBef>
                   <a:spcPts val="0"/>
                 </a:spcBef>
@@ -2692,9 +2739,6 @@
                 </a:spcAft>
                 <a:buNone/>
               </a:pPr>
-              <a:r>
-                <a:t/>
-              </a:r>
               <a:endParaRPr/>
             </a:p>
           </p:txBody>
@@ -2712,7 +2756,7 @@
             </a:xfrm>
             <a:prstGeom prst="diagStripe">
               <a:avLst>
-                <a:gd fmla="val 50000" name="adj"/>
+                <a:gd name="adj" fmla="val 50000"/>
               </a:avLst>
             </a:prstGeom>
             <a:solidFill>
@@ -2725,12 +2769,12 @@
             </a:ln>
           </p:spPr>
           <p:txBody>
-            <a:bodyPr anchorCtr="0" anchor="ctr" bIns="91425" lIns="91425" spcFirstLastPara="1" rIns="91425" wrap="square" tIns="91425">
+            <a:bodyPr spcFirstLastPara="1" wrap="square" lIns="91425" tIns="91425" rIns="91425" bIns="91425" anchor="ctr" anchorCtr="0">
               <a:noAutofit/>
             </a:bodyPr>
             <a:lstStyle/>
             <a:p>
-              <a:pPr indent="0" lvl="0" marL="0" rtl="0" algn="l">
+              <a:pPr marL="0" lvl="0" indent="0" algn="l" rtl="0">
                 <a:spcBef>
                   <a:spcPts val="0"/>
                 </a:spcBef>
@@ -2739,9 +2783,6 @@
                 </a:spcAft>
                 <a:buNone/>
               </a:pPr>
-              <a:r>
-                <a:t/>
-              </a:r>
               <a:endParaRPr/>
             </a:p>
           </p:txBody>
@@ -2759,7 +2800,7 @@
             </a:xfrm>
             <a:prstGeom prst="diagStripe">
               <a:avLst>
-                <a:gd fmla="val 50000" name="adj"/>
+                <a:gd name="adj" fmla="val 50000"/>
               </a:avLst>
             </a:prstGeom>
             <a:solidFill>
@@ -2772,12 +2813,12 @@
             </a:ln>
           </p:spPr>
           <p:txBody>
-            <a:bodyPr anchorCtr="0" anchor="ctr" bIns="91425" lIns="91425" spcFirstLastPara="1" rIns="91425" wrap="square" tIns="91425">
+            <a:bodyPr spcFirstLastPara="1" wrap="square" lIns="91425" tIns="91425" rIns="91425" bIns="91425" anchor="ctr" anchorCtr="0">
               <a:noAutofit/>
             </a:bodyPr>
             <a:lstStyle/>
             <a:p>
-              <a:pPr indent="0" lvl="0" marL="0" rtl="0" algn="l">
+              <a:pPr marL="0" lvl="0" indent="0" algn="l" rtl="0">
                 <a:spcBef>
                   <a:spcPts val="0"/>
                 </a:spcBef>
@@ -2786,9 +2827,6 @@
                 </a:spcAft>
                 <a:buNone/>
               </a:pPr>
-              <a:r>
-                <a:t/>
-              </a:r>
               <a:endParaRPr/>
             </a:p>
           </p:txBody>
@@ -2797,9 +2835,11 @@
       <p:sp>
         <p:nvSpPr>
           <p:cNvPr id="125" name="Google Shape;125;p11"/>
-          <p:cNvSpPr txBox="1"/>
+          <p:cNvSpPr txBox="1">
+            <a:spLocks noGrp="1"/>
+          </p:cNvSpPr>
           <p:nvPr>
-            <p:ph hasCustomPrompt="1" type="title"/>
+            <p:ph type="title" hasCustomPrompt="1"/>
           </p:nvPr>
         </p:nvSpPr>
         <p:spPr>
@@ -2812,7 +2852,7 @@
           </a:prstGeom>
         </p:spPr>
         <p:txBody>
-          <a:bodyPr anchorCtr="0" anchor="t" bIns="91425" lIns="91425" spcFirstLastPara="1" rIns="91425" wrap="square" tIns="91425"/>
+          <a:bodyPr spcFirstLastPara="1" wrap="square" lIns="91425" tIns="91425" rIns="91425" bIns="91425" anchor="t" anchorCtr="0"/>
           <a:lstStyle>
             <a:lvl1pPr lvl="0">
               <a:spcBef>
@@ -2924,9 +2964,11 @@
       <p:sp>
         <p:nvSpPr>
           <p:cNvPr id="126" name="Google Shape;126;p11"/>
-          <p:cNvSpPr txBox="1"/>
+          <p:cNvSpPr txBox="1">
+            <a:spLocks noGrp="1"/>
+          </p:cNvSpPr>
           <p:nvPr>
-            <p:ph idx="1" type="body"/>
+            <p:ph type="body" idx="1"/>
           </p:nvPr>
         </p:nvSpPr>
         <p:spPr>
@@ -2939,9 +2981,9 @@
           </a:prstGeom>
         </p:spPr>
         <p:txBody>
-          <a:bodyPr anchorCtr="0" anchor="t" bIns="91425" lIns="91425" spcFirstLastPara="1" rIns="91425" wrap="square" tIns="91425"/>
+          <a:bodyPr spcFirstLastPara="1" wrap="square" lIns="91425" tIns="91425" rIns="91425" bIns="91425" anchor="t" anchorCtr="0"/>
           <a:lstStyle>
-            <a:lvl1pPr indent="-311150" lvl="0" marL="457200">
+            <a:lvl1pPr marL="457200" lvl="0" indent="-311150">
               <a:spcBef>
                 <a:spcPts val="0"/>
               </a:spcBef>
@@ -2952,7 +2994,7 @@
               <a:buChar char="●"/>
               <a:defRPr/>
             </a:lvl1pPr>
-            <a:lvl2pPr indent="-298450" lvl="1" marL="914400">
+            <a:lvl2pPr marL="914400" lvl="1" indent="-298450">
               <a:spcBef>
                 <a:spcPts val="1600"/>
               </a:spcBef>
@@ -2963,7 +3005,7 @@
               <a:buChar char="○"/>
               <a:defRPr/>
             </a:lvl2pPr>
-            <a:lvl3pPr indent="-298450" lvl="2" marL="1371600">
+            <a:lvl3pPr marL="1371600" lvl="2" indent="-298450">
               <a:spcBef>
                 <a:spcPts val="1600"/>
               </a:spcBef>
@@ -2974,7 +3016,7 @@
               <a:buChar char="■"/>
               <a:defRPr/>
             </a:lvl3pPr>
-            <a:lvl4pPr indent="-298450" lvl="3" marL="1828800">
+            <a:lvl4pPr marL="1828800" lvl="3" indent="-298450">
               <a:spcBef>
                 <a:spcPts val="1600"/>
               </a:spcBef>
@@ -2985,7 +3027,7 @@
               <a:buChar char="●"/>
               <a:defRPr/>
             </a:lvl4pPr>
-            <a:lvl5pPr indent="-298450" lvl="4" marL="2286000">
+            <a:lvl5pPr marL="2286000" lvl="4" indent="-298450">
               <a:spcBef>
                 <a:spcPts val="1600"/>
               </a:spcBef>
@@ -2996,7 +3038,7 @@
               <a:buChar char="○"/>
               <a:defRPr/>
             </a:lvl5pPr>
-            <a:lvl6pPr indent="-298450" lvl="5" marL="2743200">
+            <a:lvl6pPr marL="2743200" lvl="5" indent="-298450">
               <a:spcBef>
                 <a:spcPts val="1600"/>
               </a:spcBef>
@@ -3007,7 +3049,7 @@
               <a:buChar char="■"/>
               <a:defRPr/>
             </a:lvl6pPr>
-            <a:lvl7pPr indent="-298450" lvl="6" marL="3200400">
+            <a:lvl7pPr marL="3200400" lvl="6" indent="-298450">
               <a:spcBef>
                 <a:spcPts val="1600"/>
               </a:spcBef>
@@ -3018,7 +3060,7 @@
               <a:buChar char="●"/>
               <a:defRPr/>
             </a:lvl7pPr>
-            <a:lvl8pPr indent="-298450" lvl="7" marL="3657600">
+            <a:lvl8pPr marL="3657600" lvl="7" indent="-298450">
               <a:spcBef>
                 <a:spcPts val="1600"/>
               </a:spcBef>
@@ -3029,7 +3071,7 @@
               <a:buChar char="○"/>
               <a:defRPr/>
             </a:lvl8pPr>
-            <a:lvl9pPr indent="-298450" lvl="8" marL="4114800">
+            <a:lvl9pPr marL="4114800" lvl="8" indent="-298450">
               <a:spcBef>
                 <a:spcPts val="1600"/>
               </a:spcBef>
@@ -3041,15 +3083,19 @@
               <a:defRPr/>
             </a:lvl9pPr>
           </a:lstStyle>
-          <a:p/>
+          <a:p>
+            <a:endParaRPr/>
+          </a:p>
         </p:txBody>
       </p:sp>
       <p:sp>
         <p:nvSpPr>
           <p:cNvPr id="127" name="Google Shape;127;p11"/>
-          <p:cNvSpPr txBox="1"/>
+          <p:cNvSpPr txBox="1">
+            <a:spLocks noGrp="1"/>
+          </p:cNvSpPr>
           <p:nvPr>
-            <p:ph idx="12" type="sldNum"/>
+            <p:ph type="sldNum" idx="12"/>
           </p:nvPr>
         </p:nvSpPr>
         <p:spPr>
@@ -3062,7 +3108,7 @@
           </a:prstGeom>
         </p:spPr>
         <p:txBody>
-          <a:bodyPr anchorCtr="0" anchor="ctr" bIns="91425" lIns="91425" spcFirstLastPara="1" rIns="91425" wrap="square" tIns="91425">
+          <a:bodyPr spcFirstLastPara="1" wrap="square" lIns="91425" tIns="91425" rIns="91425" bIns="91425" anchor="ctr" anchorCtr="0">
             <a:noAutofit/>
           </a:bodyPr>
           <a:lstStyle>
@@ -3104,7 +3150,7 @@
             </a:lvl9pPr>
           </a:lstStyle>
           <a:p>
-            <a:pPr indent="0" lvl="0" marL="0" rtl="0" algn="r">
+            <a:pPr marL="0" lvl="0" indent="0" algn="r" rtl="0">
               <a:spcBef>
                 <a:spcPts val="0"/>
               </a:spcBef>
@@ -3130,11 +3176,11 @@
 </file>
 
 <file path=ppt/slideLayouts/slideLayout11.xml><?xml version="1.0" encoding="utf-8"?>
-<p:sldLayout xmlns:a="http://schemas.openxmlformats.org/drawingml/2006/main" xmlns:r="http://schemas.openxmlformats.org/officeDocument/2006/relationships" xmlns:mc="http://schemas.openxmlformats.org/markup-compatibility/2006" xmlns:mv="urn:schemas-microsoft-com:mac:vml" xmlns:p="http://schemas.openxmlformats.org/presentationml/2006/main" xmlns:c="http://schemas.openxmlformats.org/drawingml/2006/chart" xmlns:dgm="http://schemas.openxmlformats.org/drawingml/2006/diagram" xmlns:o="urn:schemas-microsoft-com:office:office" xmlns:v="urn:schemas-microsoft-com:vml" xmlns:pvml="urn:schemas-microsoft-com:office:powerpoint" xmlns:com="http://schemas.openxmlformats.org/drawingml/2006/compatibility" xmlns:p14="http://schemas.microsoft.com/office/powerpoint/2010/main" xmlns:p15="http://schemas.microsoft.com/office/powerpoint/2012/main" matchingName="Blank" type="blank">
+<p:sldLayout xmlns:a="http://schemas.openxmlformats.org/drawingml/2006/main" xmlns:r="http://schemas.openxmlformats.org/officeDocument/2006/relationships" xmlns:p="http://schemas.openxmlformats.org/presentationml/2006/main" matchingName="Blank" type="blank">
   <p:cSld name="BLANK">
     <p:spTree>
       <p:nvGrpSpPr>
-        <p:cNvPr id="128" name="Shape 128"/>
+        <p:cNvPr id="1" name="Shape 128"/>
         <p:cNvGrpSpPr/>
         <p:nvPr/>
       </p:nvGrpSpPr>
@@ -3149,9 +3195,11 @@
       <p:sp>
         <p:nvSpPr>
           <p:cNvPr id="129" name="Google Shape;129;p12"/>
-          <p:cNvSpPr txBox="1"/>
+          <p:cNvSpPr txBox="1">
+            <a:spLocks noGrp="1"/>
+          </p:cNvSpPr>
           <p:nvPr>
-            <p:ph idx="12" type="sldNum"/>
+            <p:ph type="sldNum" idx="12"/>
           </p:nvPr>
         </p:nvSpPr>
         <p:spPr>
@@ -3164,7 +3212,7 @@
           </a:prstGeom>
         </p:spPr>
         <p:txBody>
-          <a:bodyPr anchorCtr="0" anchor="ctr" bIns="91425" lIns="91425" spcFirstLastPara="1" rIns="91425" wrap="square" tIns="91425">
+          <a:bodyPr spcFirstLastPara="1" wrap="square" lIns="91425" tIns="91425" rIns="91425" bIns="91425" anchor="ctr" anchorCtr="0">
             <a:noAutofit/>
           </a:bodyPr>
           <a:lstStyle>
@@ -3206,7 +3254,7 @@
             </a:lvl9pPr>
           </a:lstStyle>
           <a:p>
-            <a:pPr indent="0" lvl="0" marL="0" rtl="0" algn="r">
+            <a:pPr marL="0" lvl="0" indent="0" algn="r" rtl="0">
               <a:spcBef>
                 <a:spcPts val="0"/>
               </a:spcBef>
@@ -3232,11 +3280,11 @@
 </file>
 
 <file path=ppt/slideLayouts/slideLayout2.xml><?xml version="1.0" encoding="utf-8"?>
-<p:sldLayout xmlns:a="http://schemas.openxmlformats.org/drawingml/2006/main" xmlns:r="http://schemas.openxmlformats.org/officeDocument/2006/relationships" xmlns:mc="http://schemas.openxmlformats.org/markup-compatibility/2006" xmlns:mv="urn:schemas-microsoft-com:mac:vml" xmlns:p="http://schemas.openxmlformats.org/presentationml/2006/main" xmlns:c="http://schemas.openxmlformats.org/drawingml/2006/chart" xmlns:dgm="http://schemas.openxmlformats.org/drawingml/2006/diagram" xmlns:o="urn:schemas-microsoft-com:office:office" xmlns:v="urn:schemas-microsoft-com:vml" xmlns:pvml="urn:schemas-microsoft-com:office:powerpoint" xmlns:com="http://schemas.openxmlformats.org/drawingml/2006/compatibility" xmlns:p14="http://schemas.microsoft.com/office/powerpoint/2010/main" xmlns:p15="http://schemas.microsoft.com/office/powerpoint/2012/main" matchingName="Section header" type="secHead">
+<p:sldLayout xmlns:a="http://schemas.openxmlformats.org/drawingml/2006/main" xmlns:r="http://schemas.openxmlformats.org/officeDocument/2006/relationships" xmlns:p="http://schemas.openxmlformats.org/presentationml/2006/main" matchingName="Section header" type="secHead">
   <p:cSld name="SECTION_HEADER">
     <p:spTree>
       <p:nvGrpSpPr>
-        <p:cNvPr id="19" name="Shape 19"/>
+        <p:cNvPr id="1" name="Shape 19"/>
         <p:cNvGrpSpPr/>
         <p:nvPr/>
       </p:nvGrpSpPr>
@@ -3275,7 +3323,7 @@
             </a:xfrm>
             <a:prstGeom prst="diagStripe">
               <a:avLst>
-                <a:gd fmla="val 49469" name="adj"/>
+                <a:gd name="adj" fmla="val 49469"/>
               </a:avLst>
             </a:prstGeom>
             <a:solidFill>
@@ -3288,12 +3336,12 @@
             </a:ln>
           </p:spPr>
           <p:txBody>
-            <a:bodyPr anchorCtr="0" anchor="ctr" bIns="91425" lIns="91425" spcFirstLastPara="1" rIns="91425" wrap="square" tIns="91425">
+            <a:bodyPr spcFirstLastPara="1" wrap="square" lIns="91425" tIns="91425" rIns="91425" bIns="91425" anchor="ctr" anchorCtr="0">
               <a:noAutofit/>
             </a:bodyPr>
             <a:lstStyle/>
             <a:p>
-              <a:pPr indent="0" lvl="0" marL="0" rtl="0" algn="l">
+              <a:pPr marL="0" lvl="0" indent="0" algn="l" rtl="0">
                 <a:spcBef>
                   <a:spcPts val="0"/>
                 </a:spcBef>
@@ -3302,9 +3350,6 @@
                 </a:spcAft>
                 <a:buNone/>
               </a:pPr>
-              <a:r>
-                <a:t/>
-              </a:r>
               <a:endParaRPr/>
             </a:p>
           </p:txBody>
@@ -3322,7 +3367,7 @@
             </a:xfrm>
             <a:prstGeom prst="diagStripe">
               <a:avLst>
-                <a:gd fmla="val 0" name="adj"/>
+                <a:gd name="adj" fmla="val 0"/>
               </a:avLst>
             </a:prstGeom>
             <a:solidFill>
@@ -3335,12 +3380,12 @@
             </a:ln>
           </p:spPr>
           <p:txBody>
-            <a:bodyPr anchorCtr="0" anchor="ctr" bIns="91425" lIns="91425" spcFirstLastPara="1" rIns="91425" wrap="square" tIns="91425">
+            <a:bodyPr spcFirstLastPara="1" wrap="square" lIns="91425" tIns="91425" rIns="91425" bIns="91425" anchor="ctr" anchorCtr="0">
               <a:noAutofit/>
             </a:bodyPr>
             <a:lstStyle/>
             <a:p>
-              <a:pPr indent="0" lvl="0" marL="0" rtl="0" algn="l">
+              <a:pPr marL="0" lvl="0" indent="0" algn="l" rtl="0">
                 <a:spcBef>
                   <a:spcPts val="0"/>
                 </a:spcBef>
@@ -3349,9 +3394,6 @@
                 </a:spcAft>
                 <a:buNone/>
               </a:pPr>
-              <a:r>
-                <a:t/>
-              </a:r>
               <a:endParaRPr/>
             </a:p>
           </p:txBody>
@@ -3369,7 +3411,7 @@
             </a:xfrm>
             <a:prstGeom prst="diagStripe">
               <a:avLst>
-                <a:gd fmla="val 50000" name="adj"/>
+                <a:gd name="adj" fmla="val 50000"/>
               </a:avLst>
             </a:prstGeom>
             <a:solidFill>
@@ -3382,12 +3424,12 @@
             </a:ln>
           </p:spPr>
           <p:txBody>
-            <a:bodyPr anchorCtr="0" anchor="ctr" bIns="91425" lIns="91425" spcFirstLastPara="1" rIns="91425" wrap="square" tIns="91425">
+            <a:bodyPr spcFirstLastPara="1" wrap="square" lIns="91425" tIns="91425" rIns="91425" bIns="91425" anchor="ctr" anchorCtr="0">
               <a:noAutofit/>
             </a:bodyPr>
             <a:lstStyle/>
             <a:p>
-              <a:pPr indent="0" lvl="0" marL="0" rtl="0" algn="l">
+              <a:pPr marL="0" lvl="0" indent="0" algn="l" rtl="0">
                 <a:spcBef>
                   <a:spcPts val="0"/>
                 </a:spcBef>
@@ -3396,9 +3438,6 @@
                 </a:spcAft>
                 <a:buNone/>
               </a:pPr>
-              <a:r>
-                <a:t/>
-              </a:r>
               <a:endParaRPr/>
             </a:p>
           </p:txBody>
@@ -3416,7 +3455,7 @@
             </a:xfrm>
             <a:prstGeom prst="diagStripe">
               <a:avLst>
-                <a:gd fmla="val 50000" name="adj"/>
+                <a:gd name="adj" fmla="val 50000"/>
               </a:avLst>
             </a:prstGeom>
             <a:solidFill>
@@ -3429,12 +3468,12 @@
             </a:ln>
           </p:spPr>
           <p:txBody>
-            <a:bodyPr anchorCtr="0" anchor="ctr" bIns="91425" lIns="91425" spcFirstLastPara="1" rIns="91425" wrap="square" tIns="91425">
+            <a:bodyPr spcFirstLastPara="1" wrap="square" lIns="91425" tIns="91425" rIns="91425" bIns="91425" anchor="ctr" anchorCtr="0">
               <a:noAutofit/>
             </a:bodyPr>
             <a:lstStyle/>
             <a:p>
-              <a:pPr indent="0" lvl="0" marL="0" rtl="0" algn="l">
+              <a:pPr marL="0" lvl="0" indent="0" algn="l" rtl="0">
                 <a:spcBef>
                   <a:spcPts val="0"/>
                 </a:spcBef>
@@ -3443,9 +3482,6 @@
                 </a:spcAft>
                 <a:buNone/>
               </a:pPr>
-              <a:r>
-                <a:t/>
-              </a:r>
               <a:endParaRPr/>
             </a:p>
           </p:txBody>
@@ -3463,7 +3499,7 @@
             </a:xfrm>
             <a:prstGeom prst="diagStripe">
               <a:avLst>
-                <a:gd fmla="val 50000" name="adj"/>
+                <a:gd name="adj" fmla="val 50000"/>
               </a:avLst>
             </a:prstGeom>
             <a:solidFill>
@@ -3476,12 +3512,12 @@
             </a:ln>
           </p:spPr>
           <p:txBody>
-            <a:bodyPr anchorCtr="0" anchor="ctr" bIns="91425" lIns="91425" spcFirstLastPara="1" rIns="91425" wrap="square" tIns="91425">
+            <a:bodyPr spcFirstLastPara="1" wrap="square" lIns="91425" tIns="91425" rIns="91425" bIns="91425" anchor="ctr" anchorCtr="0">
               <a:noAutofit/>
             </a:bodyPr>
             <a:lstStyle/>
             <a:p>
-              <a:pPr indent="0" lvl="0" marL="0" rtl="0" algn="l">
+              <a:pPr marL="0" lvl="0" indent="0" algn="l" rtl="0">
                 <a:spcBef>
                   <a:spcPts val="0"/>
                 </a:spcBef>
@@ -3490,9 +3526,6 @@
                 </a:spcAft>
                 <a:buNone/>
               </a:pPr>
-              <a:r>
-                <a:t/>
-              </a:r>
               <a:endParaRPr/>
             </a:p>
           </p:txBody>
@@ -3510,7 +3543,7 @@
             </a:xfrm>
             <a:prstGeom prst="diagStripe">
               <a:avLst>
-                <a:gd fmla="val 50000" name="adj"/>
+                <a:gd name="adj" fmla="val 50000"/>
               </a:avLst>
             </a:prstGeom>
             <a:solidFill>
@@ -3523,12 +3556,12 @@
             </a:ln>
           </p:spPr>
           <p:txBody>
-            <a:bodyPr anchorCtr="0" anchor="ctr" bIns="91425" lIns="91425" spcFirstLastPara="1" rIns="91425" wrap="square" tIns="91425">
+            <a:bodyPr spcFirstLastPara="1" wrap="square" lIns="91425" tIns="91425" rIns="91425" bIns="91425" anchor="ctr" anchorCtr="0">
               <a:noAutofit/>
             </a:bodyPr>
             <a:lstStyle/>
             <a:p>
-              <a:pPr indent="0" lvl="0" marL="0" rtl="0" algn="l">
+              <a:pPr marL="0" lvl="0" indent="0" algn="l" rtl="0">
                 <a:spcBef>
                   <a:spcPts val="0"/>
                 </a:spcBef>
@@ -3537,9 +3570,6 @@
                 </a:spcAft>
                 <a:buNone/>
               </a:pPr>
-              <a:r>
-                <a:t/>
-              </a:r>
               <a:endParaRPr/>
             </a:p>
           </p:txBody>
@@ -3557,7 +3587,7 @@
             </a:xfrm>
             <a:prstGeom prst="diagStripe">
               <a:avLst>
-                <a:gd fmla="val 50000" name="adj"/>
+                <a:gd name="adj" fmla="val 50000"/>
               </a:avLst>
             </a:prstGeom>
             <a:solidFill>
@@ -3570,12 +3600,12 @@
             </a:ln>
           </p:spPr>
           <p:txBody>
-            <a:bodyPr anchorCtr="0" anchor="ctr" bIns="91425" lIns="91425" spcFirstLastPara="1" rIns="91425" wrap="square" tIns="91425">
+            <a:bodyPr spcFirstLastPara="1" wrap="square" lIns="91425" tIns="91425" rIns="91425" bIns="91425" anchor="ctr" anchorCtr="0">
               <a:noAutofit/>
             </a:bodyPr>
             <a:lstStyle/>
             <a:p>
-              <a:pPr indent="0" lvl="0" marL="0" rtl="0" algn="l">
+              <a:pPr marL="0" lvl="0" indent="0" algn="l" rtl="0">
                 <a:spcBef>
                   <a:spcPts val="0"/>
                 </a:spcBef>
@@ -3584,9 +3614,6 @@
                 </a:spcAft>
                 <a:buNone/>
               </a:pPr>
-              <a:r>
-                <a:t/>
-              </a:r>
               <a:endParaRPr/>
             </a:p>
           </p:txBody>
@@ -3604,7 +3631,7 @@
             </a:xfrm>
             <a:prstGeom prst="diagStripe">
               <a:avLst>
-                <a:gd fmla="val 50000" name="adj"/>
+                <a:gd name="adj" fmla="val 50000"/>
               </a:avLst>
             </a:prstGeom>
             <a:solidFill>
@@ -3615,12 +3642,12 @@
             </a:ln>
           </p:spPr>
           <p:txBody>
-            <a:bodyPr anchorCtr="0" anchor="ctr" bIns="91425" lIns="91425" spcFirstLastPara="1" rIns="91425" wrap="square" tIns="91425">
+            <a:bodyPr spcFirstLastPara="1" wrap="square" lIns="91425" tIns="91425" rIns="91425" bIns="91425" anchor="ctr" anchorCtr="0">
               <a:noAutofit/>
             </a:bodyPr>
             <a:lstStyle/>
             <a:p>
-              <a:pPr indent="0" lvl="0" marL="0" rtl="0" algn="l">
+              <a:pPr marL="0" lvl="0" indent="0" algn="l" rtl="0">
                 <a:spcBef>
                   <a:spcPts val="0"/>
                 </a:spcBef>
@@ -3629,9 +3656,6 @@
                 </a:spcAft>
                 <a:buNone/>
               </a:pPr>
-              <a:r>
-                <a:t/>
-              </a:r>
               <a:endParaRPr/>
             </a:p>
           </p:txBody>
@@ -3649,7 +3673,7 @@
             </a:xfrm>
             <a:prstGeom prst="diagStripe">
               <a:avLst>
-                <a:gd fmla="val 50000" name="adj"/>
+                <a:gd name="adj" fmla="val 50000"/>
               </a:avLst>
             </a:prstGeom>
             <a:solidFill>
@@ -3662,12 +3686,12 @@
             </a:ln>
           </p:spPr>
           <p:txBody>
-            <a:bodyPr anchorCtr="0" anchor="ctr" bIns="91425" lIns="91425" spcFirstLastPara="1" rIns="91425" wrap="square" tIns="91425">
+            <a:bodyPr spcFirstLastPara="1" wrap="square" lIns="91425" tIns="91425" rIns="91425" bIns="91425" anchor="ctr" anchorCtr="0">
               <a:noAutofit/>
             </a:bodyPr>
             <a:lstStyle/>
             <a:p>
-              <a:pPr indent="0" lvl="0" marL="0" rtl="0" algn="l">
+              <a:pPr marL="0" lvl="0" indent="0" algn="l" rtl="0">
                 <a:spcBef>
                   <a:spcPts val="0"/>
                 </a:spcBef>
@@ -3676,9 +3700,6 @@
                 </a:spcAft>
                 <a:buNone/>
               </a:pPr>
-              <a:r>
-                <a:t/>
-              </a:r>
               <a:endParaRPr/>
             </a:p>
           </p:txBody>
@@ -3696,7 +3717,7 @@
             </a:xfrm>
             <a:prstGeom prst="diagStripe">
               <a:avLst>
-                <a:gd fmla="val 50000" name="adj"/>
+                <a:gd name="adj" fmla="val 50000"/>
               </a:avLst>
             </a:prstGeom>
             <a:solidFill>
@@ -3709,12 +3730,12 @@
             </a:ln>
           </p:spPr>
           <p:txBody>
-            <a:bodyPr anchorCtr="0" anchor="ctr" bIns="91425" lIns="91425" spcFirstLastPara="1" rIns="91425" wrap="square" tIns="91425">
+            <a:bodyPr spcFirstLastPara="1" wrap="square" lIns="91425" tIns="91425" rIns="91425" bIns="91425" anchor="ctr" anchorCtr="0">
               <a:noAutofit/>
             </a:bodyPr>
             <a:lstStyle/>
             <a:p>
-              <a:pPr indent="0" lvl="0" marL="0" rtl="0" algn="l">
+              <a:pPr marL="0" lvl="0" indent="0" algn="l" rtl="0">
                 <a:spcBef>
                   <a:spcPts val="0"/>
                 </a:spcBef>
@@ -3723,9 +3744,6 @@
                 </a:spcAft>
                 <a:buNone/>
               </a:pPr>
-              <a:r>
-                <a:t/>
-              </a:r>
               <a:endParaRPr/>
             </a:p>
           </p:txBody>
@@ -3743,7 +3761,7 @@
             </a:xfrm>
             <a:prstGeom prst="diagStripe">
               <a:avLst>
-                <a:gd fmla="val 50000" name="adj"/>
+                <a:gd name="adj" fmla="val 50000"/>
               </a:avLst>
             </a:prstGeom>
             <a:solidFill>
@@ -3756,12 +3774,12 @@
             </a:ln>
           </p:spPr>
           <p:txBody>
-            <a:bodyPr anchorCtr="0" anchor="ctr" bIns="91425" lIns="91425" spcFirstLastPara="1" rIns="91425" wrap="square" tIns="91425">
+            <a:bodyPr spcFirstLastPara="1" wrap="square" lIns="91425" tIns="91425" rIns="91425" bIns="91425" anchor="ctr" anchorCtr="0">
               <a:noAutofit/>
             </a:bodyPr>
             <a:lstStyle/>
             <a:p>
-              <a:pPr indent="0" lvl="0" marL="0" rtl="0" algn="l">
+              <a:pPr marL="0" lvl="0" indent="0" algn="l" rtl="0">
                 <a:spcBef>
                   <a:spcPts val="0"/>
                 </a:spcBef>
@@ -3770,9 +3788,6 @@
                 </a:spcAft>
                 <a:buNone/>
               </a:pPr>
-              <a:r>
-                <a:t/>
-              </a:r>
               <a:endParaRPr/>
             </a:p>
           </p:txBody>
@@ -3790,7 +3805,7 @@
             </a:xfrm>
             <a:prstGeom prst="diagStripe">
               <a:avLst>
-                <a:gd fmla="val 50000" name="adj"/>
+                <a:gd name="adj" fmla="val 50000"/>
               </a:avLst>
             </a:prstGeom>
             <a:solidFill>
@@ -3803,12 +3818,12 @@
             </a:ln>
           </p:spPr>
           <p:txBody>
-            <a:bodyPr anchorCtr="0" anchor="ctr" bIns="91425" lIns="91425" spcFirstLastPara="1" rIns="91425" wrap="square" tIns="91425">
+            <a:bodyPr spcFirstLastPara="1" wrap="square" lIns="91425" tIns="91425" rIns="91425" bIns="91425" anchor="ctr" anchorCtr="0">
               <a:noAutofit/>
             </a:bodyPr>
             <a:lstStyle/>
             <a:p>
-              <a:pPr indent="0" lvl="0" marL="0" rtl="0" algn="l">
+              <a:pPr marL="0" lvl="0" indent="0" algn="l" rtl="0">
                 <a:spcBef>
                   <a:spcPts val="0"/>
                 </a:spcBef>
@@ -3817,9 +3832,6 @@
                 </a:spcAft>
                 <a:buNone/>
               </a:pPr>
-              <a:r>
-                <a:t/>
-              </a:r>
               <a:endParaRPr/>
             </a:p>
           </p:txBody>
@@ -3837,7 +3849,7 @@
             </a:xfrm>
             <a:prstGeom prst="diagStripe">
               <a:avLst>
-                <a:gd fmla="val 50000" name="adj"/>
+                <a:gd name="adj" fmla="val 50000"/>
               </a:avLst>
             </a:prstGeom>
             <a:solidFill>
@@ -3850,12 +3862,12 @@
             </a:ln>
           </p:spPr>
           <p:txBody>
-            <a:bodyPr anchorCtr="0" anchor="ctr" bIns="91425" lIns="91425" spcFirstLastPara="1" rIns="91425" wrap="square" tIns="91425">
+            <a:bodyPr spcFirstLastPara="1" wrap="square" lIns="91425" tIns="91425" rIns="91425" bIns="91425" anchor="ctr" anchorCtr="0">
               <a:noAutofit/>
             </a:bodyPr>
             <a:lstStyle/>
             <a:p>
-              <a:pPr indent="0" lvl="0" marL="0" rtl="0" algn="l">
+              <a:pPr marL="0" lvl="0" indent="0" algn="l" rtl="0">
                 <a:spcBef>
                   <a:spcPts val="0"/>
                 </a:spcBef>
@@ -3864,9 +3876,6 @@
                 </a:spcAft>
                 <a:buNone/>
               </a:pPr>
-              <a:r>
-                <a:t/>
-              </a:r>
               <a:endParaRPr/>
             </a:p>
           </p:txBody>
@@ -3884,7 +3893,7 @@
             </a:xfrm>
             <a:prstGeom prst="diagStripe">
               <a:avLst>
-                <a:gd fmla="val 50000" name="adj"/>
+                <a:gd name="adj" fmla="val 50000"/>
               </a:avLst>
             </a:prstGeom>
             <a:solidFill>
@@ -3895,12 +3904,12 @@
             </a:ln>
           </p:spPr>
           <p:txBody>
-            <a:bodyPr anchorCtr="0" anchor="ctr" bIns="91425" lIns="91425" spcFirstLastPara="1" rIns="91425" wrap="square" tIns="91425">
+            <a:bodyPr spcFirstLastPara="1" wrap="square" lIns="91425" tIns="91425" rIns="91425" bIns="91425" anchor="ctr" anchorCtr="0">
               <a:noAutofit/>
             </a:bodyPr>
             <a:lstStyle/>
             <a:p>
-              <a:pPr indent="0" lvl="0" marL="0" rtl="0" algn="l">
+              <a:pPr marL="0" lvl="0" indent="0" algn="l" rtl="0">
                 <a:spcBef>
                   <a:spcPts val="0"/>
                 </a:spcBef>
@@ -3909,9 +3918,6 @@
                 </a:spcAft>
                 <a:buNone/>
               </a:pPr>
-              <a:r>
-                <a:t/>
-              </a:r>
               <a:endParaRPr/>
             </a:p>
           </p:txBody>
@@ -3929,7 +3935,7 @@
             </a:xfrm>
             <a:prstGeom prst="diagStripe">
               <a:avLst>
-                <a:gd fmla="val 50000" name="adj"/>
+                <a:gd name="adj" fmla="val 50000"/>
               </a:avLst>
             </a:prstGeom>
             <a:solidFill>
@@ -3942,12 +3948,12 @@
             </a:ln>
           </p:spPr>
           <p:txBody>
-            <a:bodyPr anchorCtr="0" anchor="ctr" bIns="91425" lIns="91425" spcFirstLastPara="1" rIns="91425" wrap="square" tIns="91425">
+            <a:bodyPr spcFirstLastPara="1" wrap="square" lIns="91425" tIns="91425" rIns="91425" bIns="91425" anchor="ctr" anchorCtr="0">
               <a:noAutofit/>
             </a:bodyPr>
             <a:lstStyle/>
             <a:p>
-              <a:pPr indent="0" lvl="0" marL="0" rtl="0" algn="l">
+              <a:pPr marL="0" lvl="0" indent="0" algn="l" rtl="0">
                 <a:spcBef>
                   <a:spcPts val="0"/>
                 </a:spcBef>
@@ -3956,9 +3962,6 @@
                 </a:spcAft>
                 <a:buNone/>
               </a:pPr>
-              <a:r>
-                <a:t/>
-              </a:r>
               <a:endParaRPr/>
             </a:p>
           </p:txBody>
@@ -3976,7 +3979,7 @@
             </a:xfrm>
             <a:prstGeom prst="diagStripe">
               <a:avLst>
-                <a:gd fmla="val 50000" name="adj"/>
+                <a:gd name="adj" fmla="val 50000"/>
               </a:avLst>
             </a:prstGeom>
             <a:solidFill>
@@ -3989,12 +3992,12 @@
             </a:ln>
           </p:spPr>
           <p:txBody>
-            <a:bodyPr anchorCtr="0" anchor="ctr" bIns="91425" lIns="91425" spcFirstLastPara="1" rIns="91425" wrap="square" tIns="91425">
+            <a:bodyPr spcFirstLastPara="1" wrap="square" lIns="91425" tIns="91425" rIns="91425" bIns="91425" anchor="ctr" anchorCtr="0">
               <a:noAutofit/>
             </a:bodyPr>
             <a:lstStyle/>
             <a:p>
-              <a:pPr indent="0" lvl="0" marL="0" rtl="0" algn="l">
+              <a:pPr marL="0" lvl="0" indent="0" algn="l" rtl="0">
                 <a:spcBef>
                   <a:spcPts val="0"/>
                 </a:spcBef>
@@ -4003,9 +4006,6 @@
                 </a:spcAft>
                 <a:buNone/>
               </a:pPr>
-              <a:r>
-                <a:t/>
-              </a:r>
               <a:endParaRPr/>
             </a:p>
           </p:txBody>
@@ -4023,7 +4023,7 @@
             </a:xfrm>
             <a:prstGeom prst="diagStripe">
               <a:avLst>
-                <a:gd fmla="val 50000" name="adj"/>
+                <a:gd name="adj" fmla="val 50000"/>
               </a:avLst>
             </a:prstGeom>
             <a:solidFill>
@@ -4036,12 +4036,12 @@
             </a:ln>
           </p:spPr>
           <p:txBody>
-            <a:bodyPr anchorCtr="0" anchor="ctr" bIns="91425" lIns="91425" spcFirstLastPara="1" rIns="91425" wrap="square" tIns="91425">
+            <a:bodyPr spcFirstLastPara="1" wrap="square" lIns="91425" tIns="91425" rIns="91425" bIns="91425" anchor="ctr" anchorCtr="0">
               <a:noAutofit/>
             </a:bodyPr>
             <a:lstStyle/>
             <a:p>
-              <a:pPr indent="0" lvl="0" marL="0" rtl="0" algn="l">
+              <a:pPr marL="0" lvl="0" indent="0" algn="l" rtl="0">
                 <a:spcBef>
                   <a:spcPts val="0"/>
                 </a:spcBef>
@@ -4050,9 +4050,6 @@
                 </a:spcAft>
                 <a:buNone/>
               </a:pPr>
-              <a:r>
-                <a:t/>
-              </a:r>
               <a:endParaRPr/>
             </a:p>
           </p:txBody>
@@ -4070,7 +4067,7 @@
             </a:xfrm>
             <a:prstGeom prst="diagStripe">
               <a:avLst>
-                <a:gd fmla="val 50000" name="adj"/>
+                <a:gd name="adj" fmla="val 50000"/>
               </a:avLst>
             </a:prstGeom>
             <a:solidFill>
@@ -4083,12 +4080,12 @@
             </a:ln>
           </p:spPr>
           <p:txBody>
-            <a:bodyPr anchorCtr="0" anchor="ctr" bIns="91425" lIns="91425" spcFirstLastPara="1" rIns="91425" wrap="square" tIns="91425">
+            <a:bodyPr spcFirstLastPara="1" wrap="square" lIns="91425" tIns="91425" rIns="91425" bIns="91425" anchor="ctr" anchorCtr="0">
               <a:noAutofit/>
             </a:bodyPr>
             <a:lstStyle/>
             <a:p>
-              <a:pPr indent="0" lvl="0" marL="0" rtl="0" algn="l">
+              <a:pPr marL="0" lvl="0" indent="0" algn="l" rtl="0">
                 <a:spcBef>
                   <a:spcPts val="0"/>
                 </a:spcBef>
@@ -4097,9 +4094,6 @@
                 </a:spcAft>
                 <a:buNone/>
               </a:pPr>
-              <a:r>
-                <a:t/>
-              </a:r>
               <a:endParaRPr/>
             </a:p>
           </p:txBody>
@@ -4108,7 +4102,9 @@
       <p:sp>
         <p:nvSpPr>
           <p:cNvPr id="39" name="Google Shape;39;p3"/>
-          <p:cNvSpPr txBox="1"/>
+          <p:cNvSpPr txBox="1">
+            <a:spLocks noGrp="1"/>
+          </p:cNvSpPr>
           <p:nvPr>
             <p:ph type="title"/>
           </p:nvPr>
@@ -4123,7 +4119,7 @@
           </a:prstGeom>
         </p:spPr>
         <p:txBody>
-          <a:bodyPr anchorCtr="0" anchor="ctr" bIns="91425" lIns="91425" spcFirstLastPara="1" rIns="91425" wrap="square" tIns="91425"/>
+          <a:bodyPr spcFirstLastPara="1" wrap="square" lIns="91425" tIns="91425" rIns="91425" bIns="91425" anchor="ctr" anchorCtr="0"/>
           <a:lstStyle>
             <a:lvl1pPr lvl="0">
               <a:spcBef>
@@ -4225,15 +4221,19 @@
               <a:defRPr/>
             </a:lvl9pPr>
           </a:lstStyle>
-          <a:p/>
+          <a:p>
+            <a:endParaRPr/>
+          </a:p>
         </p:txBody>
       </p:sp>
       <p:sp>
         <p:nvSpPr>
           <p:cNvPr id="40" name="Google Shape;40;p3"/>
-          <p:cNvSpPr txBox="1"/>
+          <p:cNvSpPr txBox="1">
+            <a:spLocks noGrp="1"/>
+          </p:cNvSpPr>
           <p:nvPr>
-            <p:ph idx="12" type="sldNum"/>
+            <p:ph type="sldNum" idx="12"/>
           </p:nvPr>
         </p:nvSpPr>
         <p:spPr>
@@ -4246,7 +4246,7 @@
           </a:prstGeom>
         </p:spPr>
         <p:txBody>
-          <a:bodyPr anchorCtr="0" anchor="ctr" bIns="91425" lIns="91425" spcFirstLastPara="1" rIns="91425" wrap="square" tIns="91425">
+          <a:bodyPr spcFirstLastPara="1" wrap="square" lIns="91425" tIns="91425" rIns="91425" bIns="91425" anchor="ctr" anchorCtr="0">
             <a:noAutofit/>
           </a:bodyPr>
           <a:lstStyle>
@@ -4288,7 +4288,7 @@
             </a:lvl9pPr>
           </a:lstStyle>
           <a:p>
-            <a:pPr indent="0" lvl="0" marL="0" rtl="0" algn="r">
+            <a:pPr marL="0" lvl="0" indent="0" algn="r" rtl="0">
               <a:spcBef>
                 <a:spcPts val="0"/>
               </a:spcBef>
@@ -4314,11 +4314,11 @@
 </file>
 
 <file path=ppt/slideLayouts/slideLayout3.xml><?xml version="1.0" encoding="utf-8"?>
-<p:sldLayout xmlns:a="http://schemas.openxmlformats.org/drawingml/2006/main" xmlns:r="http://schemas.openxmlformats.org/officeDocument/2006/relationships" xmlns:mc="http://schemas.openxmlformats.org/markup-compatibility/2006" xmlns:mv="urn:schemas-microsoft-com:mac:vml" xmlns:p="http://schemas.openxmlformats.org/presentationml/2006/main" xmlns:c="http://schemas.openxmlformats.org/drawingml/2006/chart" xmlns:dgm="http://schemas.openxmlformats.org/drawingml/2006/diagram" xmlns:o="urn:schemas-microsoft-com:office:office" xmlns:v="urn:schemas-microsoft-com:vml" xmlns:pvml="urn:schemas-microsoft-com:office:powerpoint" xmlns:com="http://schemas.openxmlformats.org/drawingml/2006/compatibility" xmlns:p14="http://schemas.microsoft.com/office/powerpoint/2010/main" xmlns:p15="http://schemas.microsoft.com/office/powerpoint/2012/main" matchingName="Title and body" type="tx">
+<p:sldLayout xmlns:a="http://schemas.openxmlformats.org/drawingml/2006/main" xmlns:r="http://schemas.openxmlformats.org/officeDocument/2006/relationships" xmlns:p="http://schemas.openxmlformats.org/presentationml/2006/main" matchingName="Title and body" type="tx">
   <p:cSld name="TITLE_AND_BODY">
     <p:spTree>
       <p:nvGrpSpPr>
-        <p:cNvPr id="41" name="Shape 41"/>
+        <p:cNvPr id="1" name="Shape 41"/>
         <p:cNvGrpSpPr/>
         <p:nvPr/>
       </p:nvGrpSpPr>
@@ -4357,7 +4357,7 @@
             </a:xfrm>
             <a:prstGeom prst="diagStripe">
               <a:avLst>
-                <a:gd fmla="val 50000" name="adj"/>
+                <a:gd name="adj" fmla="val 50000"/>
               </a:avLst>
             </a:prstGeom>
             <a:solidFill>
@@ -4368,12 +4368,12 @@
             </a:ln>
           </p:spPr>
           <p:txBody>
-            <a:bodyPr anchorCtr="0" anchor="ctr" bIns="91425" lIns="91425" spcFirstLastPara="1" rIns="91425" wrap="square" tIns="91425">
+            <a:bodyPr spcFirstLastPara="1" wrap="square" lIns="91425" tIns="91425" rIns="91425" bIns="91425" anchor="ctr" anchorCtr="0">
               <a:noAutofit/>
             </a:bodyPr>
             <a:lstStyle/>
             <a:p>
-              <a:pPr indent="0" lvl="0" marL="0" rtl="0" algn="l">
+              <a:pPr marL="0" lvl="0" indent="0" algn="l" rtl="0">
                 <a:spcBef>
                   <a:spcPts val="0"/>
                 </a:spcBef>
@@ -4382,9 +4382,6 @@
                 </a:spcAft>
                 <a:buNone/>
               </a:pPr>
-              <a:r>
-                <a:t/>
-              </a:r>
               <a:endParaRPr/>
             </a:p>
           </p:txBody>
@@ -4402,7 +4399,7 @@
             </a:xfrm>
             <a:prstGeom prst="diagStripe">
               <a:avLst>
-                <a:gd fmla="val 50000" name="adj"/>
+                <a:gd name="adj" fmla="val 50000"/>
               </a:avLst>
             </a:prstGeom>
             <a:solidFill>
@@ -4413,12 +4410,12 @@
             </a:ln>
           </p:spPr>
           <p:txBody>
-            <a:bodyPr anchorCtr="0" anchor="ctr" bIns="91425" lIns="91425" spcFirstLastPara="1" rIns="91425" wrap="square" tIns="91425">
+            <a:bodyPr spcFirstLastPara="1" wrap="square" lIns="91425" tIns="91425" rIns="91425" bIns="91425" anchor="ctr" anchorCtr="0">
               <a:noAutofit/>
             </a:bodyPr>
             <a:lstStyle/>
             <a:p>
-              <a:pPr indent="0" lvl="0" marL="0" rtl="0" algn="l">
+              <a:pPr marL="0" lvl="0" indent="0" algn="l" rtl="0">
                 <a:spcBef>
                   <a:spcPts val="0"/>
                 </a:spcBef>
@@ -4427,9 +4424,6 @@
                 </a:spcAft>
                 <a:buNone/>
               </a:pPr>
-              <a:r>
-                <a:t/>
-              </a:r>
               <a:endParaRPr/>
             </a:p>
           </p:txBody>
@@ -4438,7 +4432,9 @@
       <p:sp>
         <p:nvSpPr>
           <p:cNvPr id="45" name="Google Shape;45;p4"/>
-          <p:cNvSpPr txBox="1"/>
+          <p:cNvSpPr txBox="1">
+            <a:spLocks noGrp="1"/>
+          </p:cNvSpPr>
           <p:nvPr>
             <p:ph type="title"/>
           </p:nvPr>
@@ -4453,7 +4449,7 @@
           </a:prstGeom>
         </p:spPr>
         <p:txBody>
-          <a:bodyPr anchorCtr="0" anchor="t" bIns="91425" lIns="91425" spcFirstLastPara="1" rIns="91425" wrap="square" tIns="91425"/>
+          <a:bodyPr spcFirstLastPara="1" wrap="square" lIns="91425" tIns="91425" rIns="91425" bIns="91425" anchor="t" anchorCtr="0"/>
           <a:lstStyle>
             <a:lvl1pPr lvl="0">
               <a:spcBef>
@@ -4555,15 +4551,19 @@
               <a:defRPr sz="2400"/>
             </a:lvl9pPr>
           </a:lstStyle>
-          <a:p/>
+          <a:p>
+            <a:endParaRPr/>
+          </a:p>
         </p:txBody>
       </p:sp>
       <p:sp>
         <p:nvSpPr>
           <p:cNvPr id="46" name="Google Shape;46;p4"/>
-          <p:cNvSpPr txBox="1"/>
+          <p:cNvSpPr txBox="1">
+            <a:spLocks noGrp="1"/>
+          </p:cNvSpPr>
           <p:nvPr>
-            <p:ph idx="1" type="body"/>
+            <p:ph type="body" idx="1"/>
           </p:nvPr>
         </p:nvSpPr>
         <p:spPr>
@@ -4576,9 +4576,9 @@
           </a:prstGeom>
         </p:spPr>
         <p:txBody>
-          <a:bodyPr anchorCtr="0" anchor="t" bIns="91425" lIns="91425" spcFirstLastPara="1" rIns="91425" wrap="square" tIns="91425"/>
+          <a:bodyPr spcFirstLastPara="1" wrap="square" lIns="91425" tIns="91425" rIns="91425" bIns="91425" anchor="t" anchorCtr="0"/>
           <a:lstStyle>
-            <a:lvl1pPr indent="-311150" lvl="0" marL="457200">
+            <a:lvl1pPr marL="457200" lvl="0" indent="-311150">
               <a:spcBef>
                 <a:spcPts val="0"/>
               </a:spcBef>
@@ -4589,7 +4589,7 @@
               <a:buChar char="●"/>
               <a:defRPr/>
             </a:lvl1pPr>
-            <a:lvl2pPr indent="-298450" lvl="1" marL="914400">
+            <a:lvl2pPr marL="914400" lvl="1" indent="-298450">
               <a:spcBef>
                 <a:spcPts val="1600"/>
               </a:spcBef>
@@ -4600,7 +4600,7 @@
               <a:buChar char="○"/>
               <a:defRPr/>
             </a:lvl2pPr>
-            <a:lvl3pPr indent="-298450" lvl="2" marL="1371600">
+            <a:lvl3pPr marL="1371600" lvl="2" indent="-298450">
               <a:spcBef>
                 <a:spcPts val="1600"/>
               </a:spcBef>
@@ -4611,7 +4611,7 @@
               <a:buChar char="■"/>
               <a:defRPr/>
             </a:lvl3pPr>
-            <a:lvl4pPr indent="-298450" lvl="3" marL="1828800">
+            <a:lvl4pPr marL="1828800" lvl="3" indent="-298450">
               <a:spcBef>
                 <a:spcPts val="1600"/>
               </a:spcBef>
@@ -4622,7 +4622,7 @@
               <a:buChar char="●"/>
               <a:defRPr/>
             </a:lvl4pPr>
-            <a:lvl5pPr indent="-298450" lvl="4" marL="2286000">
+            <a:lvl5pPr marL="2286000" lvl="4" indent="-298450">
               <a:spcBef>
                 <a:spcPts val="1600"/>
               </a:spcBef>
@@ -4633,7 +4633,7 @@
               <a:buChar char="○"/>
               <a:defRPr/>
             </a:lvl5pPr>
-            <a:lvl6pPr indent="-298450" lvl="5" marL="2743200">
+            <a:lvl6pPr marL="2743200" lvl="5" indent="-298450">
               <a:spcBef>
                 <a:spcPts val="1600"/>
               </a:spcBef>
@@ -4644,7 +4644,7 @@
               <a:buChar char="■"/>
               <a:defRPr/>
             </a:lvl6pPr>
-            <a:lvl7pPr indent="-298450" lvl="6" marL="3200400">
+            <a:lvl7pPr marL="3200400" lvl="6" indent="-298450">
               <a:spcBef>
                 <a:spcPts val="1600"/>
               </a:spcBef>
@@ -4655,7 +4655,7 @@
               <a:buChar char="●"/>
               <a:defRPr/>
             </a:lvl7pPr>
-            <a:lvl8pPr indent="-298450" lvl="7" marL="3657600">
+            <a:lvl8pPr marL="3657600" lvl="7" indent="-298450">
               <a:spcBef>
                 <a:spcPts val="1600"/>
               </a:spcBef>
@@ -4666,7 +4666,7 @@
               <a:buChar char="○"/>
               <a:defRPr/>
             </a:lvl8pPr>
-            <a:lvl9pPr indent="-298450" lvl="8" marL="4114800">
+            <a:lvl9pPr marL="4114800" lvl="8" indent="-298450">
               <a:spcBef>
                 <a:spcPts val="1600"/>
               </a:spcBef>
@@ -4678,15 +4678,19 @@
               <a:defRPr/>
             </a:lvl9pPr>
           </a:lstStyle>
-          <a:p/>
+          <a:p>
+            <a:endParaRPr/>
+          </a:p>
         </p:txBody>
       </p:sp>
       <p:sp>
         <p:nvSpPr>
           <p:cNvPr id="47" name="Google Shape;47;p4"/>
-          <p:cNvSpPr txBox="1"/>
+          <p:cNvSpPr txBox="1">
+            <a:spLocks noGrp="1"/>
+          </p:cNvSpPr>
           <p:nvPr>
-            <p:ph idx="12" type="sldNum"/>
+            <p:ph type="sldNum" idx="12"/>
           </p:nvPr>
         </p:nvSpPr>
         <p:spPr>
@@ -4699,7 +4703,7 @@
           </a:prstGeom>
         </p:spPr>
         <p:txBody>
-          <a:bodyPr anchorCtr="0" anchor="ctr" bIns="91425" lIns="91425" spcFirstLastPara="1" rIns="91425" wrap="square" tIns="91425">
+          <a:bodyPr spcFirstLastPara="1" wrap="square" lIns="91425" tIns="91425" rIns="91425" bIns="91425" anchor="ctr" anchorCtr="0">
             <a:noAutofit/>
           </a:bodyPr>
           <a:lstStyle>
@@ -4741,7 +4745,7 @@
             </a:lvl9pPr>
           </a:lstStyle>
           <a:p>
-            <a:pPr indent="0" lvl="0" marL="0" rtl="0" algn="r">
+            <a:pPr marL="0" lvl="0" indent="0" algn="r" rtl="0">
               <a:spcBef>
                 <a:spcPts val="0"/>
               </a:spcBef>
@@ -4767,11 +4771,11 @@
 </file>
 
 <file path=ppt/slideLayouts/slideLayout4.xml><?xml version="1.0" encoding="utf-8"?>
-<p:sldLayout xmlns:a="http://schemas.openxmlformats.org/drawingml/2006/main" xmlns:r="http://schemas.openxmlformats.org/officeDocument/2006/relationships" xmlns:mc="http://schemas.openxmlformats.org/markup-compatibility/2006" xmlns:mv="urn:schemas-microsoft-com:mac:vml" xmlns:p="http://schemas.openxmlformats.org/presentationml/2006/main" xmlns:c="http://schemas.openxmlformats.org/drawingml/2006/chart" xmlns:dgm="http://schemas.openxmlformats.org/drawingml/2006/diagram" xmlns:o="urn:schemas-microsoft-com:office:office" xmlns:v="urn:schemas-microsoft-com:vml" xmlns:pvml="urn:schemas-microsoft-com:office:powerpoint" xmlns:com="http://schemas.openxmlformats.org/drawingml/2006/compatibility" xmlns:p14="http://schemas.microsoft.com/office/powerpoint/2010/main" xmlns:p15="http://schemas.microsoft.com/office/powerpoint/2012/main" matchingName="Title and two columns" type="twoColTx">
+<p:sldLayout xmlns:a="http://schemas.openxmlformats.org/drawingml/2006/main" xmlns:r="http://schemas.openxmlformats.org/officeDocument/2006/relationships" xmlns:p="http://schemas.openxmlformats.org/presentationml/2006/main" matchingName="Title and two columns" type="twoColTx">
   <p:cSld name="TITLE_AND_TWO_COLUMNS">
     <p:spTree>
       <p:nvGrpSpPr>
-        <p:cNvPr id="48" name="Shape 48"/>
+        <p:cNvPr id="1" name="Shape 48"/>
         <p:cNvGrpSpPr/>
         <p:nvPr/>
       </p:nvGrpSpPr>
@@ -4810,7 +4814,7 @@
             </a:xfrm>
             <a:prstGeom prst="diagStripe">
               <a:avLst>
-                <a:gd fmla="val 50000" name="adj"/>
+                <a:gd name="adj" fmla="val 50000"/>
               </a:avLst>
             </a:prstGeom>
             <a:solidFill>
@@ -4821,12 +4825,12 @@
             </a:ln>
           </p:spPr>
           <p:txBody>
-            <a:bodyPr anchorCtr="0" anchor="ctr" bIns="91425" lIns="91425" spcFirstLastPara="1" rIns="91425" wrap="square" tIns="91425">
+            <a:bodyPr spcFirstLastPara="1" wrap="square" lIns="91425" tIns="91425" rIns="91425" bIns="91425" anchor="ctr" anchorCtr="0">
               <a:noAutofit/>
             </a:bodyPr>
             <a:lstStyle/>
             <a:p>
-              <a:pPr indent="0" lvl="0" marL="0" rtl="0" algn="l">
+              <a:pPr marL="0" lvl="0" indent="0" algn="l" rtl="0">
                 <a:spcBef>
                   <a:spcPts val="0"/>
                 </a:spcBef>
@@ -4835,9 +4839,6 @@
                 </a:spcAft>
                 <a:buNone/>
               </a:pPr>
-              <a:r>
-                <a:t/>
-              </a:r>
               <a:endParaRPr/>
             </a:p>
           </p:txBody>
@@ -4855,7 +4856,7 @@
             </a:xfrm>
             <a:prstGeom prst="diagStripe">
               <a:avLst>
-                <a:gd fmla="val 50000" name="adj"/>
+                <a:gd name="adj" fmla="val 50000"/>
               </a:avLst>
             </a:prstGeom>
             <a:solidFill>
@@ -4866,12 +4867,12 @@
             </a:ln>
           </p:spPr>
           <p:txBody>
-            <a:bodyPr anchorCtr="0" anchor="ctr" bIns="91425" lIns="91425" spcFirstLastPara="1" rIns="91425" wrap="square" tIns="91425">
+            <a:bodyPr spcFirstLastPara="1" wrap="square" lIns="91425" tIns="91425" rIns="91425" bIns="91425" anchor="ctr" anchorCtr="0">
               <a:noAutofit/>
             </a:bodyPr>
             <a:lstStyle/>
             <a:p>
-              <a:pPr indent="0" lvl="0" marL="0" rtl="0" algn="l">
+              <a:pPr marL="0" lvl="0" indent="0" algn="l" rtl="0">
                 <a:spcBef>
                   <a:spcPts val="0"/>
                 </a:spcBef>
@@ -4880,9 +4881,6 @@
                 </a:spcAft>
                 <a:buNone/>
               </a:pPr>
-              <a:r>
-                <a:t/>
-              </a:r>
               <a:endParaRPr/>
             </a:p>
           </p:txBody>
@@ -4891,7 +4889,9 @@
       <p:sp>
         <p:nvSpPr>
           <p:cNvPr id="52" name="Google Shape;52;p5"/>
-          <p:cNvSpPr txBox="1"/>
+          <p:cNvSpPr txBox="1">
+            <a:spLocks noGrp="1"/>
+          </p:cNvSpPr>
           <p:nvPr>
             <p:ph type="title"/>
           </p:nvPr>
@@ -4906,7 +4906,7 @@
           </a:prstGeom>
         </p:spPr>
         <p:txBody>
-          <a:bodyPr anchorCtr="0" anchor="t" bIns="91425" lIns="91425" spcFirstLastPara="1" rIns="91425" wrap="square" tIns="91425"/>
+          <a:bodyPr spcFirstLastPara="1" wrap="square" lIns="91425" tIns="91425" rIns="91425" bIns="91425" anchor="t" anchorCtr="0"/>
           <a:lstStyle>
             <a:lvl1pPr lvl="0">
               <a:spcBef>
@@ -5008,15 +5008,19 @@
               <a:defRPr sz="2400"/>
             </a:lvl9pPr>
           </a:lstStyle>
-          <a:p/>
+          <a:p>
+            <a:endParaRPr/>
+          </a:p>
         </p:txBody>
       </p:sp>
       <p:sp>
         <p:nvSpPr>
           <p:cNvPr id="53" name="Google Shape;53;p5"/>
-          <p:cNvSpPr txBox="1"/>
+          <p:cNvSpPr txBox="1">
+            <a:spLocks noGrp="1"/>
+          </p:cNvSpPr>
           <p:nvPr>
-            <p:ph idx="1" type="body"/>
+            <p:ph type="body" idx="1"/>
           </p:nvPr>
         </p:nvSpPr>
         <p:spPr>
@@ -5029,9 +5033,9 @@
           </a:prstGeom>
         </p:spPr>
         <p:txBody>
-          <a:bodyPr anchorCtr="0" anchor="t" bIns="91425" lIns="91425" spcFirstLastPara="1" rIns="91425" wrap="square" tIns="91425"/>
+          <a:bodyPr spcFirstLastPara="1" wrap="square" lIns="91425" tIns="91425" rIns="91425" bIns="91425" anchor="t" anchorCtr="0"/>
           <a:lstStyle>
-            <a:lvl1pPr indent="-311150" lvl="0" marL="457200">
+            <a:lvl1pPr marL="457200" lvl="0" indent="-311150">
               <a:spcBef>
                 <a:spcPts val="0"/>
               </a:spcBef>
@@ -5042,7 +5046,7 @@
               <a:buChar char="●"/>
               <a:defRPr/>
             </a:lvl1pPr>
-            <a:lvl2pPr indent="-298450" lvl="1" marL="914400">
+            <a:lvl2pPr marL="914400" lvl="1" indent="-298450">
               <a:spcBef>
                 <a:spcPts val="1600"/>
               </a:spcBef>
@@ -5053,7 +5057,7 @@
               <a:buChar char="○"/>
               <a:defRPr/>
             </a:lvl2pPr>
-            <a:lvl3pPr indent="-298450" lvl="2" marL="1371600">
+            <a:lvl3pPr marL="1371600" lvl="2" indent="-298450">
               <a:spcBef>
                 <a:spcPts val="1600"/>
               </a:spcBef>
@@ -5064,7 +5068,7 @@
               <a:buChar char="■"/>
               <a:defRPr/>
             </a:lvl3pPr>
-            <a:lvl4pPr indent="-298450" lvl="3" marL="1828800">
+            <a:lvl4pPr marL="1828800" lvl="3" indent="-298450">
               <a:spcBef>
                 <a:spcPts val="1600"/>
               </a:spcBef>
@@ -5075,7 +5079,7 @@
               <a:buChar char="●"/>
               <a:defRPr/>
             </a:lvl4pPr>
-            <a:lvl5pPr indent="-298450" lvl="4" marL="2286000">
+            <a:lvl5pPr marL="2286000" lvl="4" indent="-298450">
               <a:spcBef>
                 <a:spcPts val="1600"/>
               </a:spcBef>
@@ -5086,7 +5090,7 @@
               <a:buChar char="○"/>
               <a:defRPr/>
             </a:lvl5pPr>
-            <a:lvl6pPr indent="-298450" lvl="5" marL="2743200">
+            <a:lvl6pPr marL="2743200" lvl="5" indent="-298450">
               <a:spcBef>
                 <a:spcPts val="1600"/>
               </a:spcBef>
@@ -5097,7 +5101,7 @@
               <a:buChar char="■"/>
               <a:defRPr/>
             </a:lvl6pPr>
-            <a:lvl7pPr indent="-298450" lvl="6" marL="3200400">
+            <a:lvl7pPr marL="3200400" lvl="6" indent="-298450">
               <a:spcBef>
                 <a:spcPts val="1600"/>
               </a:spcBef>
@@ -5108,7 +5112,7 @@
               <a:buChar char="●"/>
               <a:defRPr/>
             </a:lvl7pPr>
-            <a:lvl8pPr indent="-298450" lvl="7" marL="3657600">
+            <a:lvl8pPr marL="3657600" lvl="7" indent="-298450">
               <a:spcBef>
                 <a:spcPts val="1600"/>
               </a:spcBef>
@@ -5119,7 +5123,7 @@
               <a:buChar char="○"/>
               <a:defRPr/>
             </a:lvl8pPr>
-            <a:lvl9pPr indent="-298450" lvl="8" marL="4114800">
+            <a:lvl9pPr marL="4114800" lvl="8" indent="-298450">
               <a:spcBef>
                 <a:spcPts val="1600"/>
               </a:spcBef>
@@ -5131,15 +5135,19 @@
               <a:defRPr/>
             </a:lvl9pPr>
           </a:lstStyle>
-          <a:p/>
+          <a:p>
+            <a:endParaRPr/>
+          </a:p>
         </p:txBody>
       </p:sp>
       <p:sp>
         <p:nvSpPr>
           <p:cNvPr id="54" name="Google Shape;54;p5"/>
-          <p:cNvSpPr txBox="1"/>
+          <p:cNvSpPr txBox="1">
+            <a:spLocks noGrp="1"/>
+          </p:cNvSpPr>
           <p:nvPr>
-            <p:ph idx="2" type="body"/>
+            <p:ph type="body" idx="2"/>
           </p:nvPr>
         </p:nvSpPr>
         <p:spPr>
@@ -5152,9 +5160,9 @@
           </a:prstGeom>
         </p:spPr>
         <p:txBody>
-          <a:bodyPr anchorCtr="0" anchor="t" bIns="91425" lIns="91425" spcFirstLastPara="1" rIns="91425" wrap="square" tIns="91425"/>
+          <a:bodyPr spcFirstLastPara="1" wrap="square" lIns="91425" tIns="91425" rIns="91425" bIns="91425" anchor="t" anchorCtr="0"/>
           <a:lstStyle>
-            <a:lvl1pPr indent="-311150" lvl="0" marL="457200">
+            <a:lvl1pPr marL="457200" lvl="0" indent="-311150">
               <a:spcBef>
                 <a:spcPts val="0"/>
               </a:spcBef>
@@ -5165,7 +5173,7 @@
               <a:buChar char="●"/>
               <a:defRPr/>
             </a:lvl1pPr>
-            <a:lvl2pPr indent="-298450" lvl="1" marL="914400">
+            <a:lvl2pPr marL="914400" lvl="1" indent="-298450">
               <a:spcBef>
                 <a:spcPts val="1600"/>
               </a:spcBef>
@@ -5176,7 +5184,7 @@
               <a:buChar char="○"/>
               <a:defRPr/>
             </a:lvl2pPr>
-            <a:lvl3pPr indent="-298450" lvl="2" marL="1371600">
+            <a:lvl3pPr marL="1371600" lvl="2" indent="-298450">
               <a:spcBef>
                 <a:spcPts val="1600"/>
               </a:spcBef>
@@ -5187,7 +5195,7 @@
               <a:buChar char="■"/>
               <a:defRPr/>
             </a:lvl3pPr>
-            <a:lvl4pPr indent="-298450" lvl="3" marL="1828800">
+            <a:lvl4pPr marL="1828800" lvl="3" indent="-298450">
               <a:spcBef>
                 <a:spcPts val="1600"/>
               </a:spcBef>
@@ -5198,7 +5206,7 @@
               <a:buChar char="●"/>
               <a:defRPr/>
             </a:lvl4pPr>
-            <a:lvl5pPr indent="-298450" lvl="4" marL="2286000">
+            <a:lvl5pPr marL="2286000" lvl="4" indent="-298450">
               <a:spcBef>
                 <a:spcPts val="1600"/>
               </a:spcBef>
@@ -5209,7 +5217,7 @@
               <a:buChar char="○"/>
               <a:defRPr/>
             </a:lvl5pPr>
-            <a:lvl6pPr indent="-298450" lvl="5" marL="2743200">
+            <a:lvl6pPr marL="2743200" lvl="5" indent="-298450">
               <a:spcBef>
                 <a:spcPts val="1600"/>
               </a:spcBef>
@@ -5220,7 +5228,7 @@
               <a:buChar char="■"/>
               <a:defRPr/>
             </a:lvl6pPr>
-            <a:lvl7pPr indent="-298450" lvl="6" marL="3200400">
+            <a:lvl7pPr marL="3200400" lvl="6" indent="-298450">
               <a:spcBef>
                 <a:spcPts val="1600"/>
               </a:spcBef>
@@ -5231,7 +5239,7 @@
               <a:buChar char="●"/>
               <a:defRPr/>
             </a:lvl7pPr>
-            <a:lvl8pPr indent="-298450" lvl="7" marL="3657600">
+            <a:lvl8pPr marL="3657600" lvl="7" indent="-298450">
               <a:spcBef>
                 <a:spcPts val="1600"/>
               </a:spcBef>
@@ -5242,7 +5250,7 @@
               <a:buChar char="○"/>
               <a:defRPr/>
             </a:lvl8pPr>
-            <a:lvl9pPr indent="-298450" lvl="8" marL="4114800">
+            <a:lvl9pPr marL="4114800" lvl="8" indent="-298450">
               <a:spcBef>
                 <a:spcPts val="1600"/>
               </a:spcBef>
@@ -5254,15 +5262,19 @@
               <a:defRPr/>
             </a:lvl9pPr>
           </a:lstStyle>
-          <a:p/>
+          <a:p>
+            <a:endParaRPr/>
+          </a:p>
         </p:txBody>
       </p:sp>
       <p:sp>
         <p:nvSpPr>
           <p:cNvPr id="55" name="Google Shape;55;p5"/>
-          <p:cNvSpPr txBox="1"/>
+          <p:cNvSpPr txBox="1">
+            <a:spLocks noGrp="1"/>
+          </p:cNvSpPr>
           <p:nvPr>
-            <p:ph idx="12" type="sldNum"/>
+            <p:ph type="sldNum" idx="12"/>
           </p:nvPr>
         </p:nvSpPr>
         <p:spPr>
@@ -5275,7 +5287,7 @@
           </a:prstGeom>
         </p:spPr>
         <p:txBody>
-          <a:bodyPr anchorCtr="0" anchor="ctr" bIns="91425" lIns="91425" spcFirstLastPara="1" rIns="91425" wrap="square" tIns="91425">
+          <a:bodyPr spcFirstLastPara="1" wrap="square" lIns="91425" tIns="91425" rIns="91425" bIns="91425" anchor="ctr" anchorCtr="0">
             <a:noAutofit/>
           </a:bodyPr>
           <a:lstStyle>
@@ -5317,7 +5329,7 @@
             </a:lvl9pPr>
           </a:lstStyle>
           <a:p>
-            <a:pPr indent="0" lvl="0" marL="0" rtl="0" algn="r">
+            <a:pPr marL="0" lvl="0" indent="0" algn="r" rtl="0">
               <a:spcBef>
                 <a:spcPts val="0"/>
               </a:spcBef>
@@ -5343,11 +5355,11 @@
 </file>
 
 <file path=ppt/slideLayouts/slideLayout5.xml><?xml version="1.0" encoding="utf-8"?>
-<p:sldLayout xmlns:a="http://schemas.openxmlformats.org/drawingml/2006/main" xmlns:r="http://schemas.openxmlformats.org/officeDocument/2006/relationships" xmlns:mc="http://schemas.openxmlformats.org/markup-compatibility/2006" xmlns:mv="urn:schemas-microsoft-com:mac:vml" xmlns:p="http://schemas.openxmlformats.org/presentationml/2006/main" xmlns:c="http://schemas.openxmlformats.org/drawingml/2006/chart" xmlns:dgm="http://schemas.openxmlformats.org/drawingml/2006/diagram" xmlns:o="urn:schemas-microsoft-com:office:office" xmlns:v="urn:schemas-microsoft-com:vml" xmlns:pvml="urn:schemas-microsoft-com:office:powerpoint" xmlns:com="http://schemas.openxmlformats.org/drawingml/2006/compatibility" xmlns:p14="http://schemas.microsoft.com/office/powerpoint/2010/main" xmlns:p15="http://schemas.microsoft.com/office/powerpoint/2012/main" matchingName="Title only" type="titleOnly">
+<p:sldLayout xmlns:a="http://schemas.openxmlformats.org/drawingml/2006/main" xmlns:r="http://schemas.openxmlformats.org/officeDocument/2006/relationships" xmlns:p="http://schemas.openxmlformats.org/presentationml/2006/main" matchingName="Title only" type="titleOnly">
   <p:cSld name="TITLE_ONLY">
     <p:spTree>
       <p:nvGrpSpPr>
-        <p:cNvPr id="56" name="Shape 56"/>
+        <p:cNvPr id="1" name="Shape 56"/>
         <p:cNvGrpSpPr/>
         <p:nvPr/>
       </p:nvGrpSpPr>
@@ -5386,7 +5398,7 @@
             </a:xfrm>
             <a:prstGeom prst="diagStripe">
               <a:avLst>
-                <a:gd fmla="val 50000" name="adj"/>
+                <a:gd name="adj" fmla="val 50000"/>
               </a:avLst>
             </a:prstGeom>
             <a:solidFill>
@@ -5397,12 +5409,12 @@
             </a:ln>
           </p:spPr>
           <p:txBody>
-            <a:bodyPr anchorCtr="0" anchor="ctr" bIns="91425" lIns="91425" spcFirstLastPara="1" rIns="91425" wrap="square" tIns="91425">
+            <a:bodyPr spcFirstLastPara="1" wrap="square" lIns="91425" tIns="91425" rIns="91425" bIns="91425" anchor="ctr" anchorCtr="0">
               <a:noAutofit/>
             </a:bodyPr>
             <a:lstStyle/>
             <a:p>
-              <a:pPr indent="0" lvl="0" marL="0" rtl="0" algn="l">
+              <a:pPr marL="0" lvl="0" indent="0" algn="l" rtl="0">
                 <a:spcBef>
                   <a:spcPts val="0"/>
                 </a:spcBef>
@@ -5411,9 +5423,6 @@
                 </a:spcAft>
                 <a:buNone/>
               </a:pPr>
-              <a:r>
-                <a:t/>
-              </a:r>
               <a:endParaRPr/>
             </a:p>
           </p:txBody>
@@ -5431,7 +5440,7 @@
             </a:xfrm>
             <a:prstGeom prst="diagStripe">
               <a:avLst>
-                <a:gd fmla="val 50000" name="adj"/>
+                <a:gd name="adj" fmla="val 50000"/>
               </a:avLst>
             </a:prstGeom>
             <a:solidFill>
@@ -5442,12 +5451,12 @@
             </a:ln>
           </p:spPr>
           <p:txBody>
-            <a:bodyPr anchorCtr="0" anchor="ctr" bIns="91425" lIns="91425" spcFirstLastPara="1" rIns="91425" wrap="square" tIns="91425">
+            <a:bodyPr spcFirstLastPara="1" wrap="square" lIns="91425" tIns="91425" rIns="91425" bIns="91425" anchor="ctr" anchorCtr="0">
               <a:noAutofit/>
             </a:bodyPr>
             <a:lstStyle/>
             <a:p>
-              <a:pPr indent="0" lvl="0" marL="0" rtl="0" algn="l">
+              <a:pPr marL="0" lvl="0" indent="0" algn="l" rtl="0">
                 <a:spcBef>
                   <a:spcPts val="0"/>
                 </a:spcBef>
@@ -5456,9 +5465,6 @@
                 </a:spcAft>
                 <a:buNone/>
               </a:pPr>
-              <a:r>
-                <a:t/>
-              </a:r>
               <a:endParaRPr/>
             </a:p>
           </p:txBody>
@@ -5467,7 +5473,9 @@
       <p:sp>
         <p:nvSpPr>
           <p:cNvPr id="60" name="Google Shape;60;p6"/>
-          <p:cNvSpPr txBox="1"/>
+          <p:cNvSpPr txBox="1">
+            <a:spLocks noGrp="1"/>
+          </p:cNvSpPr>
           <p:nvPr>
             <p:ph type="title"/>
           </p:nvPr>
@@ -5482,7 +5490,7 @@
           </a:prstGeom>
         </p:spPr>
         <p:txBody>
-          <a:bodyPr anchorCtr="0" anchor="t" bIns="91425" lIns="91425" spcFirstLastPara="1" rIns="91425" wrap="square" tIns="91425"/>
+          <a:bodyPr spcFirstLastPara="1" wrap="square" lIns="91425" tIns="91425" rIns="91425" bIns="91425" anchor="t" anchorCtr="0"/>
           <a:lstStyle>
             <a:lvl1pPr lvl="0">
               <a:spcBef>
@@ -5584,15 +5592,19 @@
               <a:defRPr sz="2400"/>
             </a:lvl9pPr>
           </a:lstStyle>
-          <a:p/>
+          <a:p>
+            <a:endParaRPr/>
+          </a:p>
         </p:txBody>
       </p:sp>
       <p:sp>
         <p:nvSpPr>
           <p:cNvPr id="61" name="Google Shape;61;p6"/>
-          <p:cNvSpPr txBox="1"/>
+          <p:cNvSpPr txBox="1">
+            <a:spLocks noGrp="1"/>
+          </p:cNvSpPr>
           <p:nvPr>
-            <p:ph idx="12" type="sldNum"/>
+            <p:ph type="sldNum" idx="12"/>
           </p:nvPr>
         </p:nvSpPr>
         <p:spPr>
@@ -5605,7 +5617,7 @@
           </a:prstGeom>
         </p:spPr>
         <p:txBody>
-          <a:bodyPr anchorCtr="0" anchor="ctr" bIns="91425" lIns="91425" spcFirstLastPara="1" rIns="91425" wrap="square" tIns="91425">
+          <a:bodyPr spcFirstLastPara="1" wrap="square" lIns="91425" tIns="91425" rIns="91425" bIns="91425" anchor="ctr" anchorCtr="0">
             <a:noAutofit/>
           </a:bodyPr>
           <a:lstStyle>
@@ -5647,7 +5659,7 @@
             </a:lvl9pPr>
           </a:lstStyle>
           <a:p>
-            <a:pPr indent="0" lvl="0" marL="0" rtl="0" algn="r">
+            <a:pPr marL="0" lvl="0" indent="0" algn="r" rtl="0">
               <a:spcBef>
                 <a:spcPts val="0"/>
               </a:spcBef>
@@ -5673,11 +5685,11 @@
 </file>
 
 <file path=ppt/slideLayouts/slideLayout6.xml><?xml version="1.0" encoding="utf-8"?>
-<p:sldLayout xmlns:a="http://schemas.openxmlformats.org/drawingml/2006/main" xmlns:r="http://schemas.openxmlformats.org/officeDocument/2006/relationships" xmlns:mc="http://schemas.openxmlformats.org/markup-compatibility/2006" xmlns:mv="urn:schemas-microsoft-com:mac:vml" xmlns:p="http://schemas.openxmlformats.org/presentationml/2006/main" xmlns:c="http://schemas.openxmlformats.org/drawingml/2006/chart" xmlns:dgm="http://schemas.openxmlformats.org/drawingml/2006/diagram" xmlns:o="urn:schemas-microsoft-com:office:office" xmlns:v="urn:schemas-microsoft-com:vml" xmlns:pvml="urn:schemas-microsoft-com:office:powerpoint" xmlns:com="http://schemas.openxmlformats.org/drawingml/2006/compatibility" xmlns:p14="http://schemas.microsoft.com/office/powerpoint/2010/main" xmlns:p15="http://schemas.microsoft.com/office/powerpoint/2012/main" matchingName="One column text">
+<p:sldLayout xmlns:a="http://schemas.openxmlformats.org/drawingml/2006/main" xmlns:r="http://schemas.openxmlformats.org/officeDocument/2006/relationships" xmlns:p="http://schemas.openxmlformats.org/presentationml/2006/main" matchingName="One column text">
   <p:cSld name="ONE_COLUMN_TEXT">
     <p:spTree>
       <p:nvGrpSpPr>
-        <p:cNvPr id="62" name="Shape 62"/>
+        <p:cNvPr id="1" name="Shape 62"/>
         <p:cNvGrpSpPr/>
         <p:nvPr/>
       </p:nvGrpSpPr>
@@ -5716,7 +5728,7 @@
             </a:xfrm>
             <a:prstGeom prst="diagStripe">
               <a:avLst>
-                <a:gd fmla="val 50000" name="adj"/>
+                <a:gd name="adj" fmla="val 50000"/>
               </a:avLst>
             </a:prstGeom>
             <a:solidFill>
@@ -5727,12 +5739,12 @@
             </a:ln>
           </p:spPr>
           <p:txBody>
-            <a:bodyPr anchorCtr="0" anchor="ctr" bIns="91425" lIns="91425" spcFirstLastPara="1" rIns="91425" wrap="square" tIns="91425">
+            <a:bodyPr spcFirstLastPara="1" wrap="square" lIns="91425" tIns="91425" rIns="91425" bIns="91425" anchor="ctr" anchorCtr="0">
               <a:noAutofit/>
             </a:bodyPr>
             <a:lstStyle/>
             <a:p>
-              <a:pPr indent="0" lvl="0" marL="0" rtl="0" algn="l">
+              <a:pPr marL="0" lvl="0" indent="0" algn="l" rtl="0">
                 <a:spcBef>
                   <a:spcPts val="0"/>
                 </a:spcBef>
@@ -5741,9 +5753,6 @@
                 </a:spcAft>
                 <a:buNone/>
               </a:pPr>
-              <a:r>
-                <a:t/>
-              </a:r>
               <a:endParaRPr/>
             </a:p>
           </p:txBody>
@@ -5761,7 +5770,7 @@
             </a:xfrm>
             <a:prstGeom prst="diagStripe">
               <a:avLst>
-                <a:gd fmla="val 50000" name="adj"/>
+                <a:gd name="adj" fmla="val 50000"/>
               </a:avLst>
             </a:prstGeom>
             <a:solidFill>
@@ -5772,12 +5781,12 @@
             </a:ln>
           </p:spPr>
           <p:txBody>
-            <a:bodyPr anchorCtr="0" anchor="ctr" bIns="91425" lIns="91425" spcFirstLastPara="1" rIns="91425" wrap="square" tIns="91425">
+            <a:bodyPr spcFirstLastPara="1" wrap="square" lIns="91425" tIns="91425" rIns="91425" bIns="91425" anchor="ctr" anchorCtr="0">
               <a:noAutofit/>
             </a:bodyPr>
             <a:lstStyle/>
             <a:p>
-              <a:pPr indent="0" lvl="0" marL="0" rtl="0" algn="l">
+              <a:pPr marL="0" lvl="0" indent="0" algn="l" rtl="0">
                 <a:spcBef>
                   <a:spcPts val="0"/>
                 </a:spcBef>
@@ -5786,9 +5795,6 @@
                 </a:spcAft>
                 <a:buNone/>
               </a:pPr>
-              <a:r>
-                <a:t/>
-              </a:r>
               <a:endParaRPr/>
             </a:p>
           </p:txBody>
@@ -5797,7 +5803,9 @@
       <p:sp>
         <p:nvSpPr>
           <p:cNvPr id="66" name="Google Shape;66;p7"/>
-          <p:cNvSpPr txBox="1"/>
+          <p:cNvSpPr txBox="1">
+            <a:spLocks noGrp="1"/>
+          </p:cNvSpPr>
           <p:nvPr>
             <p:ph type="title"/>
           </p:nvPr>
@@ -5812,7 +5820,7 @@
           </a:prstGeom>
         </p:spPr>
         <p:txBody>
-          <a:bodyPr anchorCtr="0" anchor="t" bIns="91425" lIns="91425" spcFirstLastPara="1" rIns="91425" wrap="square" tIns="91425"/>
+          <a:bodyPr spcFirstLastPara="1" wrap="square" lIns="91425" tIns="91425" rIns="91425" bIns="91425" anchor="t" anchorCtr="0"/>
           <a:lstStyle>
             <a:lvl1pPr lvl="0">
               <a:spcBef>
@@ -5914,15 +5922,19 @@
               <a:defRPr sz="2400"/>
             </a:lvl9pPr>
           </a:lstStyle>
-          <a:p/>
+          <a:p>
+            <a:endParaRPr/>
+          </a:p>
         </p:txBody>
       </p:sp>
       <p:sp>
         <p:nvSpPr>
           <p:cNvPr id="67" name="Google Shape;67;p7"/>
-          <p:cNvSpPr txBox="1"/>
+          <p:cNvSpPr txBox="1">
+            <a:spLocks noGrp="1"/>
+          </p:cNvSpPr>
           <p:nvPr>
-            <p:ph idx="1" type="body"/>
+            <p:ph type="body" idx="1"/>
           </p:nvPr>
         </p:nvSpPr>
         <p:spPr>
@@ -5935,9 +5947,9 @@
           </a:prstGeom>
         </p:spPr>
         <p:txBody>
-          <a:bodyPr anchorCtr="0" anchor="t" bIns="91425" lIns="91425" spcFirstLastPara="1" rIns="91425" wrap="square" tIns="91425"/>
+          <a:bodyPr spcFirstLastPara="1" wrap="square" lIns="91425" tIns="91425" rIns="91425" bIns="91425" anchor="t" anchorCtr="0"/>
           <a:lstStyle>
-            <a:lvl1pPr indent="-311150" lvl="0" marL="457200">
+            <a:lvl1pPr marL="457200" lvl="0" indent="-311150">
               <a:spcBef>
                 <a:spcPts val="0"/>
               </a:spcBef>
@@ -5948,7 +5960,7 @@
               <a:buChar char="●"/>
               <a:defRPr/>
             </a:lvl1pPr>
-            <a:lvl2pPr indent="-298450" lvl="1" marL="914400">
+            <a:lvl2pPr marL="914400" lvl="1" indent="-298450">
               <a:spcBef>
                 <a:spcPts val="1600"/>
               </a:spcBef>
@@ -5959,7 +5971,7 @@
               <a:buChar char="○"/>
               <a:defRPr/>
             </a:lvl2pPr>
-            <a:lvl3pPr indent="-298450" lvl="2" marL="1371600">
+            <a:lvl3pPr marL="1371600" lvl="2" indent="-298450">
               <a:spcBef>
                 <a:spcPts val="1600"/>
               </a:spcBef>
@@ -5970,7 +5982,7 @@
               <a:buChar char="■"/>
               <a:defRPr/>
             </a:lvl3pPr>
-            <a:lvl4pPr indent="-298450" lvl="3" marL="1828800">
+            <a:lvl4pPr marL="1828800" lvl="3" indent="-298450">
               <a:spcBef>
                 <a:spcPts val="1600"/>
               </a:spcBef>
@@ -5981,7 +5993,7 @@
               <a:buChar char="●"/>
               <a:defRPr/>
             </a:lvl4pPr>
-            <a:lvl5pPr indent="-298450" lvl="4" marL="2286000">
+            <a:lvl5pPr marL="2286000" lvl="4" indent="-298450">
               <a:spcBef>
                 <a:spcPts val="1600"/>
               </a:spcBef>
@@ -5992,7 +6004,7 @@
               <a:buChar char="○"/>
               <a:defRPr/>
             </a:lvl5pPr>
-            <a:lvl6pPr indent="-298450" lvl="5" marL="2743200">
+            <a:lvl6pPr marL="2743200" lvl="5" indent="-298450">
               <a:spcBef>
                 <a:spcPts val="1600"/>
               </a:spcBef>
@@ -6003,7 +6015,7 @@
               <a:buChar char="■"/>
               <a:defRPr/>
             </a:lvl6pPr>
-            <a:lvl7pPr indent="-298450" lvl="6" marL="3200400">
+            <a:lvl7pPr marL="3200400" lvl="6" indent="-298450">
               <a:spcBef>
                 <a:spcPts val="1600"/>
               </a:spcBef>
@@ -6014,7 +6026,7 @@
               <a:buChar char="●"/>
               <a:defRPr/>
             </a:lvl7pPr>
-            <a:lvl8pPr indent="-298450" lvl="7" marL="3657600">
+            <a:lvl8pPr marL="3657600" lvl="7" indent="-298450">
               <a:spcBef>
                 <a:spcPts val="1600"/>
               </a:spcBef>
@@ -6025,7 +6037,7 @@
               <a:buChar char="○"/>
               <a:defRPr/>
             </a:lvl8pPr>
-            <a:lvl9pPr indent="-298450" lvl="8" marL="4114800">
+            <a:lvl9pPr marL="4114800" lvl="8" indent="-298450">
               <a:spcBef>
                 <a:spcPts val="1600"/>
               </a:spcBef>
@@ -6037,15 +6049,19 @@
               <a:defRPr/>
             </a:lvl9pPr>
           </a:lstStyle>
-          <a:p/>
+          <a:p>
+            <a:endParaRPr/>
+          </a:p>
         </p:txBody>
       </p:sp>
       <p:sp>
         <p:nvSpPr>
           <p:cNvPr id="68" name="Google Shape;68;p7"/>
-          <p:cNvSpPr txBox="1"/>
+          <p:cNvSpPr txBox="1">
+            <a:spLocks noGrp="1"/>
+          </p:cNvSpPr>
           <p:nvPr>
-            <p:ph idx="12" type="sldNum"/>
+            <p:ph type="sldNum" idx="12"/>
           </p:nvPr>
         </p:nvSpPr>
         <p:spPr>
@@ -6058,7 +6074,7 @@
           </a:prstGeom>
         </p:spPr>
         <p:txBody>
-          <a:bodyPr anchorCtr="0" anchor="ctr" bIns="91425" lIns="91425" spcFirstLastPara="1" rIns="91425" wrap="square" tIns="91425">
+          <a:bodyPr spcFirstLastPara="1" wrap="square" lIns="91425" tIns="91425" rIns="91425" bIns="91425" anchor="ctr" anchorCtr="0">
             <a:noAutofit/>
           </a:bodyPr>
           <a:lstStyle>
@@ -6100,7 +6116,7 @@
             </a:lvl9pPr>
           </a:lstStyle>
           <a:p>
-            <a:pPr indent="0" lvl="0" marL="0" rtl="0" algn="r">
+            <a:pPr marL="0" lvl="0" indent="0" algn="r" rtl="0">
               <a:spcBef>
                 <a:spcPts val="0"/>
               </a:spcBef>
@@ -6126,11 +6142,11 @@
 </file>
 
 <file path=ppt/slideLayouts/slideLayout7.xml><?xml version="1.0" encoding="utf-8"?>
-<p:sldLayout xmlns:a="http://schemas.openxmlformats.org/drawingml/2006/main" xmlns:r="http://schemas.openxmlformats.org/officeDocument/2006/relationships" xmlns:mc="http://schemas.openxmlformats.org/markup-compatibility/2006" xmlns:mv="urn:schemas-microsoft-com:mac:vml" xmlns:p="http://schemas.openxmlformats.org/presentationml/2006/main" xmlns:c="http://schemas.openxmlformats.org/drawingml/2006/chart" xmlns:dgm="http://schemas.openxmlformats.org/drawingml/2006/diagram" xmlns:o="urn:schemas-microsoft-com:office:office" xmlns:v="urn:schemas-microsoft-com:vml" xmlns:pvml="urn:schemas-microsoft-com:office:powerpoint" xmlns:com="http://schemas.openxmlformats.org/drawingml/2006/compatibility" xmlns:p14="http://schemas.microsoft.com/office/powerpoint/2010/main" xmlns:p15="http://schemas.microsoft.com/office/powerpoint/2012/main" matchingName="Main point">
+<p:sldLayout xmlns:a="http://schemas.openxmlformats.org/drawingml/2006/main" xmlns:r="http://schemas.openxmlformats.org/officeDocument/2006/relationships" xmlns:p="http://schemas.openxmlformats.org/presentationml/2006/main" matchingName="Main point">
   <p:cSld name="MAIN_POINT">
     <p:spTree>
       <p:nvGrpSpPr>
-        <p:cNvPr id="69" name="Shape 69"/>
+        <p:cNvPr id="1" name="Shape 69"/>
         <p:cNvGrpSpPr/>
         <p:nvPr/>
       </p:nvGrpSpPr>
@@ -6169,7 +6185,7 @@
             </a:xfrm>
             <a:prstGeom prst="diagStripe">
               <a:avLst>
-                <a:gd fmla="val 49469" name="adj"/>
+                <a:gd name="adj" fmla="val 49469"/>
               </a:avLst>
             </a:prstGeom>
             <a:solidFill>
@@ -6182,12 +6198,12 @@
             </a:ln>
           </p:spPr>
           <p:txBody>
-            <a:bodyPr anchorCtr="0" anchor="ctr" bIns="91425" lIns="91425" spcFirstLastPara="1" rIns="91425" wrap="square" tIns="91425">
+            <a:bodyPr spcFirstLastPara="1" wrap="square" lIns="91425" tIns="91425" rIns="91425" bIns="91425" anchor="ctr" anchorCtr="0">
               <a:noAutofit/>
             </a:bodyPr>
             <a:lstStyle/>
             <a:p>
-              <a:pPr indent="0" lvl="0" marL="0" rtl="0" algn="l">
+              <a:pPr marL="0" lvl="0" indent="0" algn="l" rtl="0">
                 <a:spcBef>
                   <a:spcPts val="0"/>
                 </a:spcBef>
@@ -6196,9 +6212,6 @@
                 </a:spcAft>
                 <a:buNone/>
               </a:pPr>
-              <a:r>
-                <a:t/>
-              </a:r>
               <a:endParaRPr/>
             </a:p>
           </p:txBody>
@@ -6216,7 +6229,7 @@
             </a:xfrm>
             <a:prstGeom prst="diagStripe">
               <a:avLst>
-                <a:gd fmla="val 0" name="adj"/>
+                <a:gd name="adj" fmla="val 0"/>
               </a:avLst>
             </a:prstGeom>
             <a:solidFill>
@@ -6229,12 +6242,12 @@
             </a:ln>
           </p:spPr>
           <p:txBody>
-            <a:bodyPr anchorCtr="0" anchor="ctr" bIns="91425" lIns="91425" spcFirstLastPara="1" rIns="91425" wrap="square" tIns="91425">
+            <a:bodyPr spcFirstLastPara="1" wrap="square" lIns="91425" tIns="91425" rIns="91425" bIns="91425" anchor="ctr" anchorCtr="0">
               <a:noAutofit/>
             </a:bodyPr>
             <a:lstStyle/>
             <a:p>
-              <a:pPr indent="0" lvl="0" marL="0" rtl="0" algn="l">
+              <a:pPr marL="0" lvl="0" indent="0" algn="l" rtl="0">
                 <a:spcBef>
                   <a:spcPts val="0"/>
                 </a:spcBef>
@@ -6243,9 +6256,6 @@
                 </a:spcAft>
                 <a:buNone/>
               </a:pPr>
-              <a:r>
-                <a:t/>
-              </a:r>
               <a:endParaRPr/>
             </a:p>
           </p:txBody>
@@ -6263,7 +6273,7 @@
             </a:xfrm>
             <a:prstGeom prst="diagStripe">
               <a:avLst>
-                <a:gd fmla="val 50000" name="adj"/>
+                <a:gd name="adj" fmla="val 50000"/>
               </a:avLst>
             </a:prstGeom>
             <a:solidFill>
@@ -6276,12 +6286,12 @@
             </a:ln>
           </p:spPr>
           <p:txBody>
-            <a:bodyPr anchorCtr="0" anchor="ctr" bIns="91425" lIns="91425" spcFirstLastPara="1" rIns="91425" wrap="square" tIns="91425">
+            <a:bodyPr spcFirstLastPara="1" wrap="square" lIns="91425" tIns="91425" rIns="91425" bIns="91425" anchor="ctr" anchorCtr="0">
               <a:noAutofit/>
             </a:bodyPr>
             <a:lstStyle/>
             <a:p>
-              <a:pPr indent="0" lvl="0" marL="0" rtl="0" algn="l">
+              <a:pPr marL="0" lvl="0" indent="0" algn="l" rtl="0">
                 <a:spcBef>
                   <a:spcPts val="0"/>
                 </a:spcBef>
@@ -6290,9 +6300,6 @@
                 </a:spcAft>
                 <a:buNone/>
               </a:pPr>
-              <a:r>
-                <a:t/>
-              </a:r>
               <a:endParaRPr/>
             </a:p>
           </p:txBody>
@@ -6310,7 +6317,7 @@
             </a:xfrm>
             <a:prstGeom prst="diagStripe">
               <a:avLst>
-                <a:gd fmla="val 50000" name="adj"/>
+                <a:gd name="adj" fmla="val 50000"/>
               </a:avLst>
             </a:prstGeom>
             <a:solidFill>
@@ -6323,12 +6330,12 @@
             </a:ln>
           </p:spPr>
           <p:txBody>
-            <a:bodyPr anchorCtr="0" anchor="ctr" bIns="91425" lIns="91425" spcFirstLastPara="1" rIns="91425" wrap="square" tIns="91425">
+            <a:bodyPr spcFirstLastPara="1" wrap="square" lIns="91425" tIns="91425" rIns="91425" bIns="91425" anchor="ctr" anchorCtr="0">
               <a:noAutofit/>
             </a:bodyPr>
             <a:lstStyle/>
             <a:p>
-              <a:pPr indent="0" lvl="0" marL="0" rtl="0" algn="l">
+              <a:pPr marL="0" lvl="0" indent="0" algn="l" rtl="0">
                 <a:spcBef>
                   <a:spcPts val="0"/>
                 </a:spcBef>
@@ -6337,9 +6344,6 @@
                 </a:spcAft>
                 <a:buNone/>
               </a:pPr>
-              <a:r>
-                <a:t/>
-              </a:r>
               <a:endParaRPr/>
             </a:p>
           </p:txBody>
@@ -6357,7 +6361,7 @@
             </a:xfrm>
             <a:prstGeom prst="diagStripe">
               <a:avLst>
-                <a:gd fmla="val 50000" name="adj"/>
+                <a:gd name="adj" fmla="val 50000"/>
               </a:avLst>
             </a:prstGeom>
             <a:solidFill>
@@ -6370,12 +6374,12 @@
             </a:ln>
           </p:spPr>
           <p:txBody>
-            <a:bodyPr anchorCtr="0" anchor="ctr" bIns="91425" lIns="91425" spcFirstLastPara="1" rIns="91425" wrap="square" tIns="91425">
+            <a:bodyPr spcFirstLastPara="1" wrap="square" lIns="91425" tIns="91425" rIns="91425" bIns="91425" anchor="ctr" anchorCtr="0">
               <a:noAutofit/>
             </a:bodyPr>
             <a:lstStyle/>
             <a:p>
-              <a:pPr indent="0" lvl="0" marL="0" rtl="0" algn="l">
+              <a:pPr marL="0" lvl="0" indent="0" algn="l" rtl="0">
                 <a:spcBef>
                   <a:spcPts val="0"/>
                 </a:spcBef>
@@ -6384,9 +6388,6 @@
                 </a:spcAft>
                 <a:buNone/>
               </a:pPr>
-              <a:r>
-                <a:t/>
-              </a:r>
               <a:endParaRPr/>
             </a:p>
           </p:txBody>
@@ -6404,7 +6405,7 @@
             </a:xfrm>
             <a:prstGeom prst="diagStripe">
               <a:avLst>
-                <a:gd fmla="val 50000" name="adj"/>
+                <a:gd name="adj" fmla="val 50000"/>
               </a:avLst>
             </a:prstGeom>
             <a:solidFill>
@@ -6417,12 +6418,12 @@
             </a:ln>
           </p:spPr>
           <p:txBody>
-            <a:bodyPr anchorCtr="0" anchor="ctr" bIns="91425" lIns="91425" spcFirstLastPara="1" rIns="91425" wrap="square" tIns="91425">
+            <a:bodyPr spcFirstLastPara="1" wrap="square" lIns="91425" tIns="91425" rIns="91425" bIns="91425" anchor="ctr" anchorCtr="0">
               <a:noAutofit/>
             </a:bodyPr>
             <a:lstStyle/>
             <a:p>
-              <a:pPr indent="0" lvl="0" marL="0" rtl="0" algn="l">
+              <a:pPr marL="0" lvl="0" indent="0" algn="l" rtl="0">
                 <a:spcBef>
                   <a:spcPts val="0"/>
                 </a:spcBef>
@@ -6431,9 +6432,6 @@
                 </a:spcAft>
                 <a:buNone/>
               </a:pPr>
-              <a:r>
-                <a:t/>
-              </a:r>
               <a:endParaRPr/>
             </a:p>
           </p:txBody>
@@ -6451,7 +6449,7 @@
             </a:xfrm>
             <a:prstGeom prst="diagStripe">
               <a:avLst>
-                <a:gd fmla="val 50000" name="adj"/>
+                <a:gd name="adj" fmla="val 50000"/>
               </a:avLst>
             </a:prstGeom>
             <a:solidFill>
@@ -6464,12 +6462,12 @@
             </a:ln>
           </p:spPr>
           <p:txBody>
-            <a:bodyPr anchorCtr="0" anchor="ctr" bIns="91425" lIns="91425" spcFirstLastPara="1" rIns="91425" wrap="square" tIns="91425">
+            <a:bodyPr spcFirstLastPara="1" wrap="square" lIns="91425" tIns="91425" rIns="91425" bIns="91425" anchor="ctr" anchorCtr="0">
               <a:noAutofit/>
             </a:bodyPr>
             <a:lstStyle/>
             <a:p>
-              <a:pPr indent="0" lvl="0" marL="0" rtl="0" algn="l">
+              <a:pPr marL="0" lvl="0" indent="0" algn="l" rtl="0">
                 <a:spcBef>
                   <a:spcPts val="0"/>
                 </a:spcBef>
@@ -6478,9 +6476,6 @@
                 </a:spcAft>
                 <a:buNone/>
               </a:pPr>
-              <a:r>
-                <a:t/>
-              </a:r>
               <a:endParaRPr/>
             </a:p>
           </p:txBody>
@@ -6498,7 +6493,7 @@
             </a:xfrm>
             <a:prstGeom prst="diagStripe">
               <a:avLst>
-                <a:gd fmla="val 50000" name="adj"/>
+                <a:gd name="adj" fmla="val 50000"/>
               </a:avLst>
             </a:prstGeom>
             <a:solidFill>
@@ -6509,12 +6504,12 @@
             </a:ln>
           </p:spPr>
           <p:txBody>
-            <a:bodyPr anchorCtr="0" anchor="ctr" bIns="91425" lIns="91425" spcFirstLastPara="1" rIns="91425" wrap="square" tIns="91425">
+            <a:bodyPr spcFirstLastPara="1" wrap="square" lIns="91425" tIns="91425" rIns="91425" bIns="91425" anchor="ctr" anchorCtr="0">
               <a:noAutofit/>
             </a:bodyPr>
             <a:lstStyle/>
             <a:p>
-              <a:pPr indent="0" lvl="0" marL="0" rtl="0" algn="l">
+              <a:pPr marL="0" lvl="0" indent="0" algn="l" rtl="0">
                 <a:spcBef>
                   <a:spcPts val="0"/>
                 </a:spcBef>
@@ -6523,9 +6518,6 @@
                 </a:spcAft>
                 <a:buNone/>
               </a:pPr>
-              <a:r>
-                <a:t/>
-              </a:r>
               <a:endParaRPr/>
             </a:p>
           </p:txBody>
@@ -6543,7 +6535,7 @@
             </a:xfrm>
             <a:prstGeom prst="diagStripe">
               <a:avLst>
-                <a:gd fmla="val 50000" name="adj"/>
+                <a:gd name="adj" fmla="val 50000"/>
               </a:avLst>
             </a:prstGeom>
             <a:solidFill>
@@ -6556,12 +6548,12 @@
             </a:ln>
           </p:spPr>
           <p:txBody>
-            <a:bodyPr anchorCtr="0" anchor="ctr" bIns="91425" lIns="91425" spcFirstLastPara="1" rIns="91425" wrap="square" tIns="91425">
+            <a:bodyPr spcFirstLastPara="1" wrap="square" lIns="91425" tIns="91425" rIns="91425" bIns="91425" anchor="ctr" anchorCtr="0">
               <a:noAutofit/>
             </a:bodyPr>
             <a:lstStyle/>
             <a:p>
-              <a:pPr indent="0" lvl="0" marL="0" rtl="0" algn="l">
+              <a:pPr marL="0" lvl="0" indent="0" algn="l" rtl="0">
                 <a:spcBef>
                   <a:spcPts val="0"/>
                 </a:spcBef>
@@ -6570,9 +6562,6 @@
                 </a:spcAft>
                 <a:buNone/>
               </a:pPr>
-              <a:r>
-                <a:t/>
-              </a:r>
               <a:endParaRPr/>
             </a:p>
           </p:txBody>
@@ -6590,7 +6579,7 @@
             </a:xfrm>
             <a:prstGeom prst="diagStripe">
               <a:avLst>
-                <a:gd fmla="val 50000" name="adj"/>
+                <a:gd name="adj" fmla="val 50000"/>
               </a:avLst>
             </a:prstGeom>
             <a:solidFill>
@@ -6603,12 +6592,12 @@
             </a:ln>
           </p:spPr>
           <p:txBody>
-            <a:bodyPr anchorCtr="0" anchor="ctr" bIns="91425" lIns="91425" spcFirstLastPara="1" rIns="91425" wrap="square" tIns="91425">
+            <a:bodyPr spcFirstLastPara="1" wrap="square" lIns="91425" tIns="91425" rIns="91425" bIns="91425" anchor="ctr" anchorCtr="0">
               <a:noAutofit/>
             </a:bodyPr>
             <a:lstStyle/>
             <a:p>
-              <a:pPr indent="0" lvl="0" marL="0" rtl="0" algn="l">
+              <a:pPr marL="0" lvl="0" indent="0" algn="l" rtl="0">
                 <a:spcBef>
                   <a:spcPts val="0"/>
                 </a:spcBef>
@@ -6617,9 +6606,6 @@
                 </a:spcAft>
                 <a:buNone/>
               </a:pPr>
-              <a:r>
-                <a:t/>
-              </a:r>
               <a:endParaRPr/>
             </a:p>
           </p:txBody>
@@ -6637,7 +6623,7 @@
             </a:xfrm>
             <a:prstGeom prst="diagStripe">
               <a:avLst>
-                <a:gd fmla="val 50000" name="adj"/>
+                <a:gd name="adj" fmla="val 50000"/>
               </a:avLst>
             </a:prstGeom>
             <a:solidFill>
@@ -6650,12 +6636,12 @@
             </a:ln>
           </p:spPr>
           <p:txBody>
-            <a:bodyPr anchorCtr="0" anchor="ctr" bIns="91425" lIns="91425" spcFirstLastPara="1" rIns="91425" wrap="square" tIns="91425">
+            <a:bodyPr spcFirstLastPara="1" wrap="square" lIns="91425" tIns="91425" rIns="91425" bIns="91425" anchor="ctr" anchorCtr="0">
               <a:noAutofit/>
             </a:bodyPr>
             <a:lstStyle/>
             <a:p>
-              <a:pPr indent="0" lvl="0" marL="0" rtl="0" algn="l">
+              <a:pPr marL="0" lvl="0" indent="0" algn="l" rtl="0">
                 <a:spcBef>
                   <a:spcPts val="0"/>
                 </a:spcBef>
@@ -6664,9 +6650,6 @@
                 </a:spcAft>
                 <a:buNone/>
               </a:pPr>
-              <a:r>
-                <a:t/>
-              </a:r>
               <a:endParaRPr/>
             </a:p>
           </p:txBody>
@@ -6684,7 +6667,7 @@
             </a:xfrm>
             <a:prstGeom prst="diagStripe">
               <a:avLst>
-                <a:gd fmla="val 50000" name="adj"/>
+                <a:gd name="adj" fmla="val 50000"/>
               </a:avLst>
             </a:prstGeom>
             <a:solidFill>
@@ -6697,12 +6680,12 @@
             </a:ln>
           </p:spPr>
           <p:txBody>
-            <a:bodyPr anchorCtr="0" anchor="ctr" bIns="91425" lIns="91425" spcFirstLastPara="1" rIns="91425" wrap="square" tIns="91425">
+            <a:bodyPr spcFirstLastPara="1" wrap="square" lIns="91425" tIns="91425" rIns="91425" bIns="91425" anchor="ctr" anchorCtr="0">
               <a:noAutofit/>
             </a:bodyPr>
             <a:lstStyle/>
             <a:p>
-              <a:pPr indent="0" lvl="0" marL="0" rtl="0" algn="l">
+              <a:pPr marL="0" lvl="0" indent="0" algn="l" rtl="0">
                 <a:spcBef>
                   <a:spcPts val="0"/>
                 </a:spcBef>
@@ -6711,9 +6694,6 @@
                 </a:spcAft>
                 <a:buNone/>
               </a:pPr>
-              <a:r>
-                <a:t/>
-              </a:r>
               <a:endParaRPr/>
             </a:p>
           </p:txBody>
@@ -6731,7 +6711,7 @@
             </a:xfrm>
             <a:prstGeom prst="diagStripe">
               <a:avLst>
-                <a:gd fmla="val 50000" name="adj"/>
+                <a:gd name="adj" fmla="val 50000"/>
               </a:avLst>
             </a:prstGeom>
             <a:solidFill>
@@ -6744,12 +6724,12 @@
             </a:ln>
           </p:spPr>
           <p:txBody>
-            <a:bodyPr anchorCtr="0" anchor="ctr" bIns="91425" lIns="91425" spcFirstLastPara="1" rIns="91425" wrap="square" tIns="91425">
+            <a:bodyPr spcFirstLastPara="1" wrap="square" lIns="91425" tIns="91425" rIns="91425" bIns="91425" anchor="ctr" anchorCtr="0">
               <a:noAutofit/>
             </a:bodyPr>
             <a:lstStyle/>
             <a:p>
-              <a:pPr indent="0" lvl="0" marL="0" rtl="0" algn="l">
+              <a:pPr marL="0" lvl="0" indent="0" algn="l" rtl="0">
                 <a:spcBef>
                   <a:spcPts val="0"/>
                 </a:spcBef>
@@ -6758,9 +6738,6 @@
                 </a:spcAft>
                 <a:buNone/>
               </a:pPr>
-              <a:r>
-                <a:t/>
-              </a:r>
               <a:endParaRPr/>
             </a:p>
           </p:txBody>
@@ -6778,7 +6755,7 @@
             </a:xfrm>
             <a:prstGeom prst="diagStripe">
               <a:avLst>
-                <a:gd fmla="val 50000" name="adj"/>
+                <a:gd name="adj" fmla="val 50000"/>
               </a:avLst>
             </a:prstGeom>
             <a:solidFill>
@@ -6789,12 +6766,12 @@
             </a:ln>
           </p:spPr>
           <p:txBody>
-            <a:bodyPr anchorCtr="0" anchor="ctr" bIns="91425" lIns="91425" spcFirstLastPara="1" rIns="91425" wrap="square" tIns="91425">
+            <a:bodyPr spcFirstLastPara="1" wrap="square" lIns="91425" tIns="91425" rIns="91425" bIns="91425" anchor="ctr" anchorCtr="0">
               <a:noAutofit/>
             </a:bodyPr>
             <a:lstStyle/>
             <a:p>
-              <a:pPr indent="0" lvl="0" marL="0" rtl="0" algn="l">
+              <a:pPr marL="0" lvl="0" indent="0" algn="l" rtl="0">
                 <a:spcBef>
                   <a:spcPts val="0"/>
                 </a:spcBef>
@@ -6803,9 +6780,6 @@
                 </a:spcAft>
                 <a:buNone/>
               </a:pPr>
-              <a:r>
-                <a:t/>
-              </a:r>
               <a:endParaRPr/>
             </a:p>
           </p:txBody>
@@ -6823,7 +6797,7 @@
             </a:xfrm>
             <a:prstGeom prst="diagStripe">
               <a:avLst>
-                <a:gd fmla="val 50000" name="adj"/>
+                <a:gd name="adj" fmla="val 50000"/>
               </a:avLst>
             </a:prstGeom>
             <a:solidFill>
@@ -6836,12 +6810,12 @@
             </a:ln>
           </p:spPr>
           <p:txBody>
-            <a:bodyPr anchorCtr="0" anchor="ctr" bIns="91425" lIns="91425" spcFirstLastPara="1" rIns="91425" wrap="square" tIns="91425">
+            <a:bodyPr spcFirstLastPara="1" wrap="square" lIns="91425" tIns="91425" rIns="91425" bIns="91425" anchor="ctr" anchorCtr="0">
               <a:noAutofit/>
             </a:bodyPr>
             <a:lstStyle/>
             <a:p>
-              <a:pPr indent="0" lvl="0" marL="0" rtl="0" algn="l">
+              <a:pPr marL="0" lvl="0" indent="0" algn="l" rtl="0">
                 <a:spcBef>
                   <a:spcPts val="0"/>
                 </a:spcBef>
@@ -6850,9 +6824,6 @@
                 </a:spcAft>
                 <a:buNone/>
               </a:pPr>
-              <a:r>
-                <a:t/>
-              </a:r>
               <a:endParaRPr/>
             </a:p>
           </p:txBody>
@@ -6870,7 +6841,7 @@
             </a:xfrm>
             <a:prstGeom prst="diagStripe">
               <a:avLst>
-                <a:gd fmla="val 50000" name="adj"/>
+                <a:gd name="adj" fmla="val 50000"/>
               </a:avLst>
             </a:prstGeom>
             <a:solidFill>
@@ -6883,12 +6854,12 @@
             </a:ln>
           </p:spPr>
           <p:txBody>
-            <a:bodyPr anchorCtr="0" anchor="ctr" bIns="91425" lIns="91425" spcFirstLastPara="1" rIns="91425" wrap="square" tIns="91425">
+            <a:bodyPr spcFirstLastPara="1" wrap="square" lIns="91425" tIns="91425" rIns="91425" bIns="91425" anchor="ctr" anchorCtr="0">
               <a:noAutofit/>
             </a:bodyPr>
             <a:lstStyle/>
             <a:p>
-              <a:pPr indent="0" lvl="0" marL="0" rtl="0" algn="l">
+              <a:pPr marL="0" lvl="0" indent="0" algn="l" rtl="0">
                 <a:spcBef>
                   <a:spcPts val="0"/>
                 </a:spcBef>
@@ -6897,9 +6868,6 @@
                 </a:spcAft>
                 <a:buNone/>
               </a:pPr>
-              <a:r>
-                <a:t/>
-              </a:r>
               <a:endParaRPr/>
             </a:p>
           </p:txBody>
@@ -6917,7 +6885,7 @@
             </a:xfrm>
             <a:prstGeom prst="diagStripe">
               <a:avLst>
-                <a:gd fmla="val 50000" name="adj"/>
+                <a:gd name="adj" fmla="val 50000"/>
               </a:avLst>
             </a:prstGeom>
             <a:solidFill>
@@ -6930,12 +6898,12 @@
             </a:ln>
           </p:spPr>
           <p:txBody>
-            <a:bodyPr anchorCtr="0" anchor="ctr" bIns="91425" lIns="91425" spcFirstLastPara="1" rIns="91425" wrap="square" tIns="91425">
+            <a:bodyPr spcFirstLastPara="1" wrap="square" lIns="91425" tIns="91425" rIns="91425" bIns="91425" anchor="ctr" anchorCtr="0">
               <a:noAutofit/>
             </a:bodyPr>
             <a:lstStyle/>
             <a:p>
-              <a:pPr indent="0" lvl="0" marL="0" rtl="0" algn="l">
+              <a:pPr marL="0" lvl="0" indent="0" algn="l" rtl="0">
                 <a:spcBef>
                   <a:spcPts val="0"/>
                 </a:spcBef>
@@ -6944,9 +6912,6 @@
                 </a:spcAft>
                 <a:buNone/>
               </a:pPr>
-              <a:r>
-                <a:t/>
-              </a:r>
               <a:endParaRPr/>
             </a:p>
           </p:txBody>
@@ -6964,7 +6929,7 @@
             </a:xfrm>
             <a:prstGeom prst="diagStripe">
               <a:avLst>
-                <a:gd fmla="val 50000" name="adj"/>
+                <a:gd name="adj" fmla="val 50000"/>
               </a:avLst>
             </a:prstGeom>
             <a:solidFill>
@@ -6977,12 +6942,12 @@
             </a:ln>
           </p:spPr>
           <p:txBody>
-            <a:bodyPr anchorCtr="0" anchor="ctr" bIns="91425" lIns="91425" spcFirstLastPara="1" rIns="91425" wrap="square" tIns="91425">
+            <a:bodyPr spcFirstLastPara="1" wrap="square" lIns="91425" tIns="91425" rIns="91425" bIns="91425" anchor="ctr" anchorCtr="0">
               <a:noAutofit/>
             </a:bodyPr>
             <a:lstStyle/>
             <a:p>
-              <a:pPr indent="0" lvl="0" marL="0" rtl="0" algn="l">
+              <a:pPr marL="0" lvl="0" indent="0" algn="l" rtl="0">
                 <a:spcBef>
                   <a:spcPts val="0"/>
                 </a:spcBef>
@@ -6991,9 +6956,6 @@
                 </a:spcAft>
                 <a:buNone/>
               </a:pPr>
-              <a:r>
-                <a:t/>
-              </a:r>
               <a:endParaRPr/>
             </a:p>
           </p:txBody>
@@ -7002,7 +6964,9 @@
       <p:sp>
         <p:nvSpPr>
           <p:cNvPr id="89" name="Google Shape;89;p8"/>
-          <p:cNvSpPr txBox="1"/>
+          <p:cNvSpPr txBox="1">
+            <a:spLocks noGrp="1"/>
+          </p:cNvSpPr>
           <p:nvPr>
             <p:ph type="title"/>
           </p:nvPr>
@@ -7017,7 +6981,7 @@
           </a:prstGeom>
         </p:spPr>
         <p:txBody>
-          <a:bodyPr anchorCtr="0" anchor="ctr" bIns="91425" lIns="91425" spcFirstLastPara="1" rIns="91425" wrap="square" tIns="91425"/>
+          <a:bodyPr spcFirstLastPara="1" wrap="square" lIns="91425" tIns="91425" rIns="91425" bIns="91425" anchor="ctr" anchorCtr="0"/>
           <a:lstStyle>
             <a:lvl1pPr lvl="0">
               <a:spcBef>
@@ -7119,15 +7083,19 @@
               <a:defRPr/>
             </a:lvl9pPr>
           </a:lstStyle>
-          <a:p/>
+          <a:p>
+            <a:endParaRPr/>
+          </a:p>
         </p:txBody>
       </p:sp>
       <p:sp>
         <p:nvSpPr>
           <p:cNvPr id="90" name="Google Shape;90;p8"/>
-          <p:cNvSpPr txBox="1"/>
+          <p:cNvSpPr txBox="1">
+            <a:spLocks noGrp="1"/>
+          </p:cNvSpPr>
           <p:nvPr>
-            <p:ph idx="12" type="sldNum"/>
+            <p:ph type="sldNum" idx="12"/>
           </p:nvPr>
         </p:nvSpPr>
         <p:spPr>
@@ -7140,7 +7108,7 @@
           </a:prstGeom>
         </p:spPr>
         <p:txBody>
-          <a:bodyPr anchorCtr="0" anchor="ctr" bIns="91425" lIns="91425" spcFirstLastPara="1" rIns="91425" wrap="square" tIns="91425">
+          <a:bodyPr spcFirstLastPara="1" wrap="square" lIns="91425" tIns="91425" rIns="91425" bIns="91425" anchor="ctr" anchorCtr="0">
             <a:noAutofit/>
           </a:bodyPr>
           <a:lstStyle>
@@ -7182,7 +7150,7 @@
             </a:lvl9pPr>
           </a:lstStyle>
           <a:p>
-            <a:pPr indent="0" lvl="0" marL="0" rtl="0" algn="r">
+            <a:pPr marL="0" lvl="0" indent="0" algn="r" rtl="0">
               <a:spcBef>
                 <a:spcPts val="0"/>
               </a:spcBef>
@@ -7208,11 +7176,11 @@
 </file>
 
 <file path=ppt/slideLayouts/slideLayout8.xml><?xml version="1.0" encoding="utf-8"?>
-<p:sldLayout xmlns:a="http://schemas.openxmlformats.org/drawingml/2006/main" xmlns:r="http://schemas.openxmlformats.org/officeDocument/2006/relationships" xmlns:mc="http://schemas.openxmlformats.org/markup-compatibility/2006" xmlns:mv="urn:schemas-microsoft-com:mac:vml" xmlns:p="http://schemas.openxmlformats.org/presentationml/2006/main" xmlns:c="http://schemas.openxmlformats.org/drawingml/2006/chart" xmlns:dgm="http://schemas.openxmlformats.org/drawingml/2006/diagram" xmlns:o="urn:schemas-microsoft-com:office:office" xmlns:v="urn:schemas-microsoft-com:vml" xmlns:pvml="urn:schemas-microsoft-com:office:powerpoint" xmlns:com="http://schemas.openxmlformats.org/drawingml/2006/compatibility" xmlns:p14="http://schemas.microsoft.com/office/powerpoint/2010/main" xmlns:p15="http://schemas.microsoft.com/office/powerpoint/2012/main" matchingName="Section title and description">
+<p:sldLayout xmlns:a="http://schemas.openxmlformats.org/drawingml/2006/main" xmlns:r="http://schemas.openxmlformats.org/officeDocument/2006/relationships" xmlns:p="http://schemas.openxmlformats.org/presentationml/2006/main" matchingName="Section title and description">
   <p:cSld name="SECTION_TITLE_AND_DESCRIPTION">
     <p:spTree>
       <p:nvGrpSpPr>
-        <p:cNvPr id="91" name="Shape 91"/>
+        <p:cNvPr id="1" name="Shape 91"/>
         <p:cNvGrpSpPr/>
         <p:nvPr/>
       </p:nvGrpSpPr>
@@ -7251,7 +7219,7 @@
             </a:xfrm>
             <a:prstGeom prst="diagStripe">
               <a:avLst>
-                <a:gd fmla="val 50000" name="adj"/>
+                <a:gd name="adj" fmla="val 50000"/>
               </a:avLst>
             </a:prstGeom>
             <a:solidFill>
@@ -7262,12 +7230,12 @@
             </a:ln>
           </p:spPr>
           <p:txBody>
-            <a:bodyPr anchorCtr="0" anchor="ctr" bIns="91425" lIns="91425" spcFirstLastPara="1" rIns="91425" wrap="square" tIns="91425">
+            <a:bodyPr spcFirstLastPara="1" wrap="square" lIns="91425" tIns="91425" rIns="91425" bIns="91425" anchor="ctr" anchorCtr="0">
               <a:noAutofit/>
             </a:bodyPr>
             <a:lstStyle/>
             <a:p>
-              <a:pPr indent="0" lvl="0" marL="0" rtl="0" algn="l">
+              <a:pPr marL="0" lvl="0" indent="0" algn="l" rtl="0">
                 <a:spcBef>
                   <a:spcPts val="0"/>
                 </a:spcBef>
@@ -7276,9 +7244,6 @@
                 </a:spcAft>
                 <a:buNone/>
               </a:pPr>
-              <a:r>
-                <a:t/>
-              </a:r>
               <a:endParaRPr/>
             </a:p>
           </p:txBody>
@@ -7296,7 +7261,7 @@
             </a:xfrm>
             <a:prstGeom prst="diagStripe">
               <a:avLst>
-                <a:gd fmla="val 50000" name="adj"/>
+                <a:gd name="adj" fmla="val 50000"/>
               </a:avLst>
             </a:prstGeom>
             <a:solidFill>
@@ -7307,12 +7272,12 @@
             </a:ln>
           </p:spPr>
           <p:txBody>
-            <a:bodyPr anchorCtr="0" anchor="ctr" bIns="91425" lIns="91425" spcFirstLastPara="1" rIns="91425" wrap="square" tIns="91425">
+            <a:bodyPr spcFirstLastPara="1" wrap="square" lIns="91425" tIns="91425" rIns="91425" bIns="91425" anchor="ctr" anchorCtr="0">
               <a:noAutofit/>
             </a:bodyPr>
             <a:lstStyle/>
             <a:p>
-              <a:pPr indent="0" lvl="0" marL="0" rtl="0" algn="l">
+              <a:pPr marL="0" lvl="0" indent="0" algn="l" rtl="0">
                 <a:spcBef>
                   <a:spcPts val="0"/>
                 </a:spcBef>
@@ -7321,9 +7286,6 @@
                 </a:spcAft>
                 <a:buNone/>
               </a:pPr>
-              <a:r>
-                <a:t/>
-              </a:r>
               <a:endParaRPr/>
             </a:p>
           </p:txBody>
@@ -7332,7 +7294,9 @@
       <p:sp>
         <p:nvSpPr>
           <p:cNvPr id="95" name="Google Shape;95;p9"/>
-          <p:cNvSpPr txBox="1"/>
+          <p:cNvSpPr txBox="1">
+            <a:spLocks noGrp="1"/>
+          </p:cNvSpPr>
           <p:nvPr>
             <p:ph type="title"/>
           </p:nvPr>
@@ -7347,7 +7311,7 @@
           </a:prstGeom>
         </p:spPr>
         <p:txBody>
-          <a:bodyPr anchorCtr="0" anchor="t" bIns="91425" lIns="91425" spcFirstLastPara="1" rIns="91425" wrap="square" tIns="91425"/>
+          <a:bodyPr spcFirstLastPara="1" wrap="square" lIns="91425" tIns="91425" rIns="91425" bIns="91425" anchor="t" anchorCtr="0"/>
           <a:lstStyle>
             <a:lvl1pPr lvl="0">
               <a:spcBef>
@@ -7449,15 +7413,19 @@
               <a:defRPr sz="2400"/>
             </a:lvl9pPr>
           </a:lstStyle>
-          <a:p/>
+          <a:p>
+            <a:endParaRPr/>
+          </a:p>
         </p:txBody>
       </p:sp>
       <p:sp>
         <p:nvSpPr>
           <p:cNvPr id="96" name="Google Shape;96;p9"/>
-          <p:cNvSpPr txBox="1"/>
+          <p:cNvSpPr txBox="1">
+            <a:spLocks noGrp="1"/>
+          </p:cNvSpPr>
           <p:nvPr>
-            <p:ph idx="1" type="subTitle"/>
+            <p:ph type="subTitle" idx="1"/>
           </p:nvPr>
         </p:nvSpPr>
         <p:spPr>
@@ -7470,7 +7438,7 @@
           </a:prstGeom>
         </p:spPr>
         <p:txBody>
-          <a:bodyPr anchorCtr="0" anchor="t" bIns="91425" lIns="91425" spcFirstLastPara="1" rIns="91425" wrap="square" tIns="91425"/>
+          <a:bodyPr spcFirstLastPara="1" wrap="square" lIns="91425" tIns="91425" rIns="91425" bIns="91425" anchor="t" anchorCtr="0"/>
           <a:lstStyle>
             <a:lvl1pPr lvl="0">
               <a:lnSpc>
@@ -7599,15 +7567,19 @@
               <a:defRPr sz="1300"/>
             </a:lvl9pPr>
           </a:lstStyle>
-          <a:p/>
+          <a:p>
+            <a:endParaRPr/>
+          </a:p>
         </p:txBody>
       </p:sp>
       <p:sp>
         <p:nvSpPr>
           <p:cNvPr id="97" name="Google Shape;97;p9"/>
-          <p:cNvSpPr txBox="1"/>
+          <p:cNvSpPr txBox="1">
+            <a:spLocks noGrp="1"/>
+          </p:cNvSpPr>
           <p:nvPr>
-            <p:ph idx="2" type="body"/>
+            <p:ph type="body" idx="2"/>
           </p:nvPr>
         </p:nvSpPr>
         <p:spPr>
@@ -7620,9 +7592,9 @@
           </a:prstGeom>
         </p:spPr>
         <p:txBody>
-          <a:bodyPr anchorCtr="0" anchor="t" bIns="91425" lIns="91425" spcFirstLastPara="1" rIns="91425" wrap="square" tIns="91425"/>
+          <a:bodyPr spcFirstLastPara="1" wrap="square" lIns="91425" tIns="91425" rIns="91425" bIns="91425" anchor="t" anchorCtr="0"/>
           <a:lstStyle>
-            <a:lvl1pPr indent="-311150" lvl="0" marL="457200">
+            <a:lvl1pPr marL="457200" lvl="0" indent="-311150">
               <a:spcBef>
                 <a:spcPts val="0"/>
               </a:spcBef>
@@ -7633,7 +7605,7 @@
               <a:buChar char="●"/>
               <a:defRPr/>
             </a:lvl1pPr>
-            <a:lvl2pPr indent="-298450" lvl="1" marL="914400">
+            <a:lvl2pPr marL="914400" lvl="1" indent="-298450">
               <a:spcBef>
                 <a:spcPts val="1600"/>
               </a:spcBef>
@@ -7644,7 +7616,7 @@
               <a:buChar char="○"/>
               <a:defRPr/>
             </a:lvl2pPr>
-            <a:lvl3pPr indent="-298450" lvl="2" marL="1371600">
+            <a:lvl3pPr marL="1371600" lvl="2" indent="-298450">
               <a:spcBef>
                 <a:spcPts val="1600"/>
               </a:spcBef>
@@ -7655,7 +7627,7 @@
               <a:buChar char="■"/>
               <a:defRPr/>
             </a:lvl3pPr>
-            <a:lvl4pPr indent="-298450" lvl="3" marL="1828800">
+            <a:lvl4pPr marL="1828800" lvl="3" indent="-298450">
               <a:spcBef>
                 <a:spcPts val="1600"/>
               </a:spcBef>
@@ -7666,7 +7638,7 @@
               <a:buChar char="●"/>
               <a:defRPr/>
             </a:lvl4pPr>
-            <a:lvl5pPr indent="-298450" lvl="4" marL="2286000">
+            <a:lvl5pPr marL="2286000" lvl="4" indent="-298450">
               <a:spcBef>
                 <a:spcPts val="1600"/>
               </a:spcBef>
@@ -7677,7 +7649,7 @@
               <a:buChar char="○"/>
               <a:defRPr/>
             </a:lvl5pPr>
-            <a:lvl6pPr indent="-298450" lvl="5" marL="2743200">
+            <a:lvl6pPr marL="2743200" lvl="5" indent="-298450">
               <a:spcBef>
                 <a:spcPts val="1600"/>
               </a:spcBef>
@@ -7688,7 +7660,7 @@
               <a:buChar char="■"/>
               <a:defRPr/>
             </a:lvl6pPr>
-            <a:lvl7pPr indent="-298450" lvl="6" marL="3200400">
+            <a:lvl7pPr marL="3200400" lvl="6" indent="-298450">
               <a:spcBef>
                 <a:spcPts val="1600"/>
               </a:spcBef>
@@ -7699,7 +7671,7 @@
               <a:buChar char="●"/>
               <a:defRPr/>
             </a:lvl7pPr>
-            <a:lvl8pPr indent="-298450" lvl="7" marL="3657600">
+            <a:lvl8pPr marL="3657600" lvl="7" indent="-298450">
               <a:spcBef>
                 <a:spcPts val="1600"/>
               </a:spcBef>
@@ -7710,7 +7682,7 @@
               <a:buChar char="○"/>
               <a:defRPr/>
             </a:lvl8pPr>
-            <a:lvl9pPr indent="-298450" lvl="8" marL="4114800">
+            <a:lvl9pPr marL="4114800" lvl="8" indent="-298450">
               <a:spcBef>
                 <a:spcPts val="1600"/>
               </a:spcBef>
@@ -7722,15 +7694,19 @@
               <a:defRPr/>
             </a:lvl9pPr>
           </a:lstStyle>
-          <a:p/>
+          <a:p>
+            <a:endParaRPr/>
+          </a:p>
         </p:txBody>
       </p:sp>
       <p:sp>
         <p:nvSpPr>
           <p:cNvPr id="98" name="Google Shape;98;p9"/>
-          <p:cNvSpPr txBox="1"/>
+          <p:cNvSpPr txBox="1">
+            <a:spLocks noGrp="1"/>
+          </p:cNvSpPr>
           <p:nvPr>
-            <p:ph idx="12" type="sldNum"/>
+            <p:ph type="sldNum" idx="12"/>
           </p:nvPr>
         </p:nvSpPr>
         <p:spPr>
@@ -7743,7 +7719,7 @@
           </a:prstGeom>
         </p:spPr>
         <p:txBody>
-          <a:bodyPr anchorCtr="0" anchor="ctr" bIns="91425" lIns="91425" spcFirstLastPara="1" rIns="91425" wrap="square" tIns="91425">
+          <a:bodyPr spcFirstLastPara="1" wrap="square" lIns="91425" tIns="91425" rIns="91425" bIns="91425" anchor="ctr" anchorCtr="0">
             <a:noAutofit/>
           </a:bodyPr>
           <a:lstStyle>
@@ -7785,7 +7761,7 @@
             </a:lvl9pPr>
           </a:lstStyle>
           <a:p>
-            <a:pPr indent="0" lvl="0" marL="0" rtl="0" algn="r">
+            <a:pPr marL="0" lvl="0" indent="0" algn="r" rtl="0">
               <a:spcBef>
                 <a:spcPts val="0"/>
               </a:spcBef>
@@ -7811,11 +7787,11 @@
 </file>
 
 <file path=ppt/slideLayouts/slideLayout9.xml><?xml version="1.0" encoding="utf-8"?>
-<p:sldLayout xmlns:a="http://schemas.openxmlformats.org/drawingml/2006/main" xmlns:r="http://schemas.openxmlformats.org/officeDocument/2006/relationships" xmlns:mc="http://schemas.openxmlformats.org/markup-compatibility/2006" xmlns:mv="urn:schemas-microsoft-com:mac:vml" xmlns:p="http://schemas.openxmlformats.org/presentationml/2006/main" xmlns:c="http://schemas.openxmlformats.org/drawingml/2006/chart" xmlns:dgm="http://schemas.openxmlformats.org/drawingml/2006/diagram" xmlns:o="urn:schemas-microsoft-com:office:office" xmlns:v="urn:schemas-microsoft-com:vml" xmlns:pvml="urn:schemas-microsoft-com:office:powerpoint" xmlns:com="http://schemas.openxmlformats.org/drawingml/2006/compatibility" xmlns:p14="http://schemas.microsoft.com/office/powerpoint/2010/main" xmlns:p15="http://schemas.microsoft.com/office/powerpoint/2012/main" matchingName="Caption">
+<p:sldLayout xmlns:a="http://schemas.openxmlformats.org/drawingml/2006/main" xmlns:r="http://schemas.openxmlformats.org/officeDocument/2006/relationships" xmlns:p="http://schemas.openxmlformats.org/presentationml/2006/main" matchingName="Caption">
   <p:cSld name="CAPTION_ONLY">
     <p:spTree>
       <p:nvGrpSpPr>
-        <p:cNvPr id="99" name="Shape 99"/>
+        <p:cNvPr id="1" name="Shape 99"/>
         <p:cNvGrpSpPr/>
         <p:nvPr/>
       </p:nvGrpSpPr>
@@ -7854,7 +7830,7 @@
             </a:xfrm>
             <a:prstGeom prst="diagStripe">
               <a:avLst>
-                <a:gd fmla="val 50000" name="adj"/>
+                <a:gd name="adj" fmla="val 50000"/>
               </a:avLst>
             </a:prstGeom>
             <a:solidFill>
@@ -7867,12 +7843,12 @@
             </a:ln>
           </p:spPr>
           <p:txBody>
-            <a:bodyPr anchorCtr="0" anchor="ctr" bIns="91425" lIns="91425" spcFirstLastPara="1" rIns="91425" wrap="square" tIns="91425">
+            <a:bodyPr spcFirstLastPara="1" wrap="square" lIns="91425" tIns="91425" rIns="91425" bIns="91425" anchor="ctr" anchorCtr="0">
               <a:noAutofit/>
             </a:bodyPr>
             <a:lstStyle/>
             <a:p>
-              <a:pPr indent="0" lvl="0" marL="0" rtl="0" algn="l">
+              <a:pPr marL="0" lvl="0" indent="0" algn="l" rtl="0">
                 <a:spcBef>
                   <a:spcPts val="0"/>
                 </a:spcBef>
@@ -7881,9 +7857,6 @@
                 </a:spcAft>
                 <a:buNone/>
               </a:pPr>
-              <a:r>
-                <a:t/>
-              </a:r>
               <a:endParaRPr/>
             </a:p>
           </p:txBody>
@@ -7901,7 +7874,7 @@
             </a:xfrm>
             <a:prstGeom prst="diagStripe">
               <a:avLst>
-                <a:gd fmla="val 50000" name="adj"/>
+                <a:gd name="adj" fmla="val 50000"/>
               </a:avLst>
             </a:prstGeom>
             <a:solidFill>
@@ -7914,12 +7887,12 @@
             </a:ln>
           </p:spPr>
           <p:txBody>
-            <a:bodyPr anchorCtr="0" anchor="ctr" bIns="91425" lIns="91425" spcFirstLastPara="1" rIns="91425" wrap="square" tIns="91425">
+            <a:bodyPr spcFirstLastPara="1" wrap="square" lIns="91425" tIns="91425" rIns="91425" bIns="91425" anchor="ctr" anchorCtr="0">
               <a:noAutofit/>
             </a:bodyPr>
             <a:lstStyle/>
             <a:p>
-              <a:pPr indent="0" lvl="0" marL="0" rtl="0" algn="l">
+              <a:pPr marL="0" lvl="0" indent="0" algn="l" rtl="0">
                 <a:spcBef>
                   <a:spcPts val="0"/>
                 </a:spcBef>
@@ -7928,9 +7901,6 @@
                 </a:spcAft>
                 <a:buNone/>
               </a:pPr>
-              <a:r>
-                <a:t/>
-              </a:r>
               <a:endParaRPr/>
             </a:p>
           </p:txBody>
@@ -7939,9 +7909,11 @@
       <p:sp>
         <p:nvSpPr>
           <p:cNvPr id="103" name="Google Shape;103;p10"/>
-          <p:cNvSpPr txBox="1"/>
+          <p:cNvSpPr txBox="1">
+            <a:spLocks noGrp="1"/>
+          </p:cNvSpPr>
           <p:nvPr>
-            <p:ph idx="1" type="body"/>
+            <p:ph type="body" idx="1"/>
           </p:nvPr>
         </p:nvSpPr>
         <p:spPr>
@@ -7954,9 +7926,9 @@
           </a:prstGeom>
         </p:spPr>
         <p:txBody>
-          <a:bodyPr anchorCtr="0" anchor="ctr" bIns="91425" lIns="91425" spcFirstLastPara="1" rIns="91425" wrap="square" tIns="91425"/>
+          <a:bodyPr spcFirstLastPara="1" wrap="square" lIns="91425" tIns="91425" rIns="91425" bIns="91425" anchor="ctr" anchorCtr="0"/>
           <a:lstStyle>
-            <a:lvl1pPr indent="-228600" lvl="0" marL="457200">
+            <a:lvl1pPr marL="457200" lvl="0" indent="-228600">
               <a:lnSpc>
                 <a:spcPct val="100000"/>
               </a:lnSpc>
@@ -7971,15 +7943,19 @@
               <a:defRPr/>
             </a:lvl1pPr>
           </a:lstStyle>
-          <a:p/>
+          <a:p>
+            <a:endParaRPr/>
+          </a:p>
         </p:txBody>
       </p:sp>
       <p:sp>
         <p:nvSpPr>
           <p:cNvPr id="104" name="Google Shape;104;p10"/>
-          <p:cNvSpPr txBox="1"/>
+          <p:cNvSpPr txBox="1">
+            <a:spLocks noGrp="1"/>
+          </p:cNvSpPr>
           <p:nvPr>
-            <p:ph idx="12" type="sldNum"/>
+            <p:ph type="sldNum" idx="12"/>
           </p:nvPr>
         </p:nvSpPr>
         <p:spPr>
@@ -7992,7 +7968,7 @@
           </a:prstGeom>
         </p:spPr>
         <p:txBody>
-          <a:bodyPr anchorCtr="0" anchor="ctr" bIns="91425" lIns="91425" spcFirstLastPara="1" rIns="91425" wrap="square" tIns="91425">
+          <a:bodyPr spcFirstLastPara="1" wrap="square" lIns="91425" tIns="91425" rIns="91425" bIns="91425" anchor="ctr" anchorCtr="0">
             <a:noAutofit/>
           </a:bodyPr>
           <a:lstStyle>
@@ -8034,7 +8010,7 @@
             </a:lvl9pPr>
           </a:lstStyle>
           <a:p>
-            <a:pPr indent="0" lvl="0" marL="0" rtl="0" algn="r">
+            <a:pPr marL="0" lvl="0" indent="0" algn="r" rtl="0">
               <a:spcBef>
                 <a:spcPts val="0"/>
               </a:spcBef>
@@ -8060,18 +8036,19 @@
 </file>
 
 <file path=ppt/slideMasters/slideMaster1.xml><?xml version="1.0" encoding="utf-8"?>
-<p:sldMaster xmlns:a="http://schemas.openxmlformats.org/drawingml/2006/main" xmlns:r="http://schemas.openxmlformats.org/officeDocument/2006/relationships" xmlns:mc="http://schemas.openxmlformats.org/markup-compatibility/2006" xmlns:mv="urn:schemas-microsoft-com:mac:vml" xmlns:p="http://schemas.openxmlformats.org/presentationml/2006/main" xmlns:c="http://schemas.openxmlformats.org/drawingml/2006/chart" xmlns:dgm="http://schemas.openxmlformats.org/drawingml/2006/diagram" xmlns:o="urn:schemas-microsoft-com:office:office" xmlns:v="urn:schemas-microsoft-com:vml" xmlns:pvml="urn:schemas-microsoft-com:office:powerpoint" xmlns:com="http://schemas.openxmlformats.org/drawingml/2006/compatibility" xmlns:p14="http://schemas.microsoft.com/office/powerpoint/2010/main" xmlns:p15="http://schemas.microsoft.com/office/powerpoint/2012/main">
+<p:sldMaster xmlns:a="http://schemas.openxmlformats.org/drawingml/2006/main" xmlns:r="http://schemas.openxmlformats.org/officeDocument/2006/relationships" xmlns:p="http://schemas.openxmlformats.org/presentationml/2006/main">
   <p:cSld name="focus">
     <p:bg>
       <p:bgPr>
         <a:solidFill>
           <a:schemeClr val="dk1"/>
         </a:solidFill>
+        <a:effectLst/>
       </p:bgPr>
     </p:bg>
     <p:spTree>
       <p:nvGrpSpPr>
-        <p:cNvPr id="5" name="Shape 5"/>
+        <p:cNvPr id="1" name="Shape 5"/>
         <p:cNvGrpSpPr/>
         <p:nvPr/>
       </p:nvGrpSpPr>
@@ -8086,7 +8063,9 @@
       <p:sp>
         <p:nvSpPr>
           <p:cNvPr id="6" name="Google Shape;6;p1"/>
-          <p:cNvSpPr txBox="1"/>
+          <p:cNvSpPr txBox="1">
+            <a:spLocks noGrp="1"/>
+          </p:cNvSpPr>
           <p:nvPr>
             <p:ph type="title"/>
           </p:nvPr>
@@ -8105,7 +8084,7 @@
           </a:ln>
         </p:spPr>
         <p:txBody>
-          <a:bodyPr anchorCtr="0" anchor="t" bIns="91425" lIns="91425" spcFirstLastPara="1" rIns="91425" wrap="square" tIns="91425"/>
+          <a:bodyPr spcFirstLastPara="1" wrap="square" lIns="91425" tIns="91425" rIns="91425" bIns="91425" anchor="t" anchorCtr="0"/>
           <a:lstStyle>
             <a:lvl1pPr lvl="0">
               <a:spcBef>
@@ -8315,15 +8294,19 @@
               </a:defRPr>
             </a:lvl9pPr>
           </a:lstStyle>
-          <a:p/>
+          <a:p>
+            <a:endParaRPr/>
+          </a:p>
         </p:txBody>
       </p:sp>
       <p:sp>
         <p:nvSpPr>
           <p:cNvPr id="7" name="Google Shape;7;p1"/>
-          <p:cNvSpPr txBox="1"/>
+          <p:cNvSpPr txBox="1">
+            <a:spLocks noGrp="1"/>
+          </p:cNvSpPr>
           <p:nvPr>
-            <p:ph idx="1" type="body"/>
+            <p:ph type="body" idx="1"/>
           </p:nvPr>
         </p:nvSpPr>
         <p:spPr>
@@ -8340,9 +8323,9 @@
           </a:ln>
         </p:spPr>
         <p:txBody>
-          <a:bodyPr anchorCtr="0" anchor="t" bIns="91425" lIns="91425" spcFirstLastPara="1" rIns="91425" wrap="square" tIns="91425"/>
+          <a:bodyPr spcFirstLastPara="1" wrap="square" lIns="91425" tIns="91425" rIns="91425" bIns="91425" anchor="t" anchorCtr="0"/>
           <a:lstStyle>
-            <a:lvl1pPr indent="-311150" lvl="0" marL="457200">
+            <a:lvl1pPr marL="457200" lvl="0" indent="-311150">
               <a:lnSpc>
                 <a:spcPct val="115000"/>
               </a:lnSpc>
@@ -8368,7 +8351,7 @@
                 <a:sym typeface="Lato"/>
               </a:defRPr>
             </a:lvl1pPr>
-            <a:lvl2pPr indent="-298450" lvl="1" marL="914400">
+            <a:lvl2pPr marL="914400" lvl="1" indent="-298450">
               <a:lnSpc>
                 <a:spcPct val="115000"/>
               </a:lnSpc>
@@ -8394,7 +8377,7 @@
                 <a:sym typeface="Lato"/>
               </a:defRPr>
             </a:lvl2pPr>
-            <a:lvl3pPr indent="-298450" lvl="2" marL="1371600">
+            <a:lvl3pPr marL="1371600" lvl="2" indent="-298450">
               <a:lnSpc>
                 <a:spcPct val="115000"/>
               </a:lnSpc>
@@ -8420,7 +8403,7 @@
                 <a:sym typeface="Lato"/>
               </a:defRPr>
             </a:lvl3pPr>
-            <a:lvl4pPr indent="-298450" lvl="3" marL="1828800">
+            <a:lvl4pPr marL="1828800" lvl="3" indent="-298450">
               <a:lnSpc>
                 <a:spcPct val="115000"/>
               </a:lnSpc>
@@ -8446,7 +8429,7 @@
                 <a:sym typeface="Lato"/>
               </a:defRPr>
             </a:lvl4pPr>
-            <a:lvl5pPr indent="-298450" lvl="4" marL="2286000">
+            <a:lvl5pPr marL="2286000" lvl="4" indent="-298450">
               <a:lnSpc>
                 <a:spcPct val="115000"/>
               </a:lnSpc>
@@ -8472,7 +8455,7 @@
                 <a:sym typeface="Lato"/>
               </a:defRPr>
             </a:lvl5pPr>
-            <a:lvl6pPr indent="-298450" lvl="5" marL="2743200">
+            <a:lvl6pPr marL="2743200" lvl="5" indent="-298450">
               <a:lnSpc>
                 <a:spcPct val="115000"/>
               </a:lnSpc>
@@ -8498,7 +8481,7 @@
                 <a:sym typeface="Lato"/>
               </a:defRPr>
             </a:lvl6pPr>
-            <a:lvl7pPr indent="-298450" lvl="6" marL="3200400">
+            <a:lvl7pPr marL="3200400" lvl="6" indent="-298450">
               <a:lnSpc>
                 <a:spcPct val="115000"/>
               </a:lnSpc>
@@ -8524,7 +8507,7 @@
                 <a:sym typeface="Lato"/>
               </a:defRPr>
             </a:lvl7pPr>
-            <a:lvl8pPr indent="-298450" lvl="7" marL="3657600">
+            <a:lvl8pPr marL="3657600" lvl="7" indent="-298450">
               <a:lnSpc>
                 <a:spcPct val="115000"/>
               </a:lnSpc>
@@ -8550,7 +8533,7 @@
                 <a:sym typeface="Lato"/>
               </a:defRPr>
             </a:lvl8pPr>
-            <a:lvl9pPr indent="-298450" lvl="8" marL="4114800">
+            <a:lvl9pPr marL="4114800" lvl="8" indent="-298450">
               <a:lnSpc>
                 <a:spcPct val="115000"/>
               </a:lnSpc>
@@ -8577,15 +8560,19 @@
               </a:defRPr>
             </a:lvl9pPr>
           </a:lstStyle>
-          <a:p/>
+          <a:p>
+            <a:endParaRPr/>
+          </a:p>
         </p:txBody>
       </p:sp>
       <p:sp>
         <p:nvSpPr>
           <p:cNvPr id="8" name="Google Shape;8;p1"/>
-          <p:cNvSpPr txBox="1"/>
+          <p:cNvSpPr txBox="1">
+            <a:spLocks noGrp="1"/>
+          </p:cNvSpPr>
           <p:nvPr>
-            <p:ph idx="12" type="sldNum"/>
+            <p:ph type="sldNum" idx="12"/>
           </p:nvPr>
         </p:nvSpPr>
         <p:spPr>
@@ -8602,7 +8589,7 @@
           </a:ln>
         </p:spPr>
         <p:txBody>
-          <a:bodyPr anchorCtr="0" anchor="ctr" bIns="91425" lIns="91425" spcFirstLastPara="1" rIns="91425" wrap="square" tIns="91425">
+          <a:bodyPr spcFirstLastPara="1" wrap="square" lIns="91425" tIns="91425" rIns="91425" bIns="91425" anchor="ctr" anchorCtr="0">
             <a:noAutofit/>
           </a:bodyPr>
           <a:lstStyle>
@@ -8716,7 +8703,7 @@
             </a:lvl9pPr>
           </a:lstStyle>
           <a:p>
-            <a:pPr indent="0" lvl="0" marL="0" rtl="0" algn="r">
+            <a:pPr marL="0" lvl="0" indent="0" algn="r" rtl="0">
               <a:spcBef>
                 <a:spcPts val="0"/>
               </a:spcBef>
@@ -8735,7 +8722,7 @@
       </p:sp>
     </p:spTree>
   </p:cSld>
-  <p:clrMap accent1="accent1" accent2="accent2" accent3="accent3" accent4="accent4" accent5="accent5" accent6="accent6" bg1="lt1" bg2="dk2" tx1="dk1" tx2="lt2" folHlink="folHlink" hlink="hlink"/>
+  <p:clrMap bg1="lt1" tx1="dk1" bg2="dk2" tx2="lt2" accent1="accent1" accent2="accent2" accent3="accent3" accent4="accent4" accent5="accent5" accent6="accent6" hlink="hlink" folHlink="folHlink"/>
   <p:sldLayoutIdLst>
     <p:sldLayoutId id="2147483648" r:id="rId1"/>
     <p:sldLayoutId id="2147483649" r:id="rId2"/>
@@ -8749,10 +8736,10 @@
     <p:sldLayoutId id="2147483657" r:id="rId10"/>
     <p:sldLayoutId id="2147483658" r:id="rId11"/>
   </p:sldLayoutIdLst>
-  <p:hf dt="0" ftr="0" hdr="0" sldNum="0"/>
+  <p:hf hdr="0" ftr="0" dt="0"/>
   <p:txStyles>
     <p:titleStyle>
-      <a:defPPr lvl="0" marR="0" rtl="0" algn="l">
+      <a:defPPr marR="0" lvl="0" algn="l" rtl="0">
         <a:lnSpc>
           <a:spcPct val="100000"/>
         </a:lnSpc>
@@ -8763,7 +8750,7 @@
           <a:spcPts val="0"/>
         </a:spcAft>
       </a:defPPr>
-      <a:lvl1pPr lvl="0" marR="0" rtl="0" algn="l">
+      <a:lvl1pPr marR="0" lvl="0" algn="l" rtl="0">
         <a:lnSpc>
           <a:spcPct val="100000"/>
         </a:lnSpc>
@@ -8777,7 +8764,7 @@
           <a:srgbClr val="000000"/>
         </a:buClr>
         <a:buFont typeface="Arial"/>
-        <a:defRPr b="0" i="0" sz="1400" u="none" cap="none" strike="noStrike">
+        <a:defRPr sz="1400" b="0" i="0" u="none" strike="noStrike" cap="none">
           <a:solidFill>
             <a:srgbClr val="000000"/>
           </a:solidFill>
@@ -8787,7 +8774,7 @@
           <a:sym typeface="Arial"/>
         </a:defRPr>
       </a:lvl1pPr>
-      <a:lvl2pPr lvl="1" marR="0" rtl="0" algn="l">
+      <a:lvl2pPr marR="0" lvl="1" algn="l" rtl="0">
         <a:lnSpc>
           <a:spcPct val="100000"/>
         </a:lnSpc>
@@ -8801,7 +8788,7 @@
           <a:srgbClr val="000000"/>
         </a:buClr>
         <a:buFont typeface="Arial"/>
-        <a:defRPr b="0" i="0" sz="1400" u="none" cap="none" strike="noStrike">
+        <a:defRPr sz="1400" b="0" i="0" u="none" strike="noStrike" cap="none">
           <a:solidFill>
             <a:srgbClr val="000000"/>
           </a:solidFill>
@@ -8811,7 +8798,7 @@
           <a:sym typeface="Arial"/>
         </a:defRPr>
       </a:lvl2pPr>
-      <a:lvl3pPr lvl="2" marR="0" rtl="0" algn="l">
+      <a:lvl3pPr marR="0" lvl="2" algn="l" rtl="0">
         <a:lnSpc>
           <a:spcPct val="100000"/>
         </a:lnSpc>
@@ -8825,7 +8812,7 @@
           <a:srgbClr val="000000"/>
         </a:buClr>
         <a:buFont typeface="Arial"/>
-        <a:defRPr b="0" i="0" sz="1400" u="none" cap="none" strike="noStrike">
+        <a:defRPr sz="1400" b="0" i="0" u="none" strike="noStrike" cap="none">
           <a:solidFill>
             <a:srgbClr val="000000"/>
           </a:solidFill>
@@ -8835,7 +8822,7 @@
           <a:sym typeface="Arial"/>
         </a:defRPr>
       </a:lvl3pPr>
-      <a:lvl4pPr lvl="3" marR="0" rtl="0" algn="l">
+      <a:lvl4pPr marR="0" lvl="3" algn="l" rtl="0">
         <a:lnSpc>
           <a:spcPct val="100000"/>
         </a:lnSpc>
@@ -8849,7 +8836,7 @@
           <a:srgbClr val="000000"/>
         </a:buClr>
         <a:buFont typeface="Arial"/>
-        <a:defRPr b="0" i="0" sz="1400" u="none" cap="none" strike="noStrike">
+        <a:defRPr sz="1400" b="0" i="0" u="none" strike="noStrike" cap="none">
           <a:solidFill>
             <a:srgbClr val="000000"/>
           </a:solidFill>
@@ -8859,7 +8846,7 @@
           <a:sym typeface="Arial"/>
         </a:defRPr>
       </a:lvl4pPr>
-      <a:lvl5pPr lvl="4" marR="0" rtl="0" algn="l">
+      <a:lvl5pPr marR="0" lvl="4" algn="l" rtl="0">
         <a:lnSpc>
           <a:spcPct val="100000"/>
         </a:lnSpc>
@@ -8873,7 +8860,7 @@
           <a:srgbClr val="000000"/>
         </a:buClr>
         <a:buFont typeface="Arial"/>
-        <a:defRPr b="0" i="0" sz="1400" u="none" cap="none" strike="noStrike">
+        <a:defRPr sz="1400" b="0" i="0" u="none" strike="noStrike" cap="none">
           <a:solidFill>
             <a:srgbClr val="000000"/>
           </a:solidFill>
@@ -8883,7 +8870,7 @@
           <a:sym typeface="Arial"/>
         </a:defRPr>
       </a:lvl5pPr>
-      <a:lvl6pPr lvl="5" marR="0" rtl="0" algn="l">
+      <a:lvl6pPr marR="0" lvl="5" algn="l" rtl="0">
         <a:lnSpc>
           <a:spcPct val="100000"/>
         </a:lnSpc>
@@ -8897,7 +8884,7 @@
           <a:srgbClr val="000000"/>
         </a:buClr>
         <a:buFont typeface="Arial"/>
-        <a:defRPr b="0" i="0" sz="1400" u="none" cap="none" strike="noStrike">
+        <a:defRPr sz="1400" b="0" i="0" u="none" strike="noStrike" cap="none">
           <a:solidFill>
             <a:srgbClr val="000000"/>
           </a:solidFill>
@@ -8907,7 +8894,7 @@
           <a:sym typeface="Arial"/>
         </a:defRPr>
       </a:lvl6pPr>
-      <a:lvl7pPr lvl="6" marR="0" rtl="0" algn="l">
+      <a:lvl7pPr marR="0" lvl="6" algn="l" rtl="0">
         <a:lnSpc>
           <a:spcPct val="100000"/>
         </a:lnSpc>
@@ -8921,7 +8908,7 @@
           <a:srgbClr val="000000"/>
         </a:buClr>
         <a:buFont typeface="Arial"/>
-        <a:defRPr b="0" i="0" sz="1400" u="none" cap="none" strike="noStrike">
+        <a:defRPr sz="1400" b="0" i="0" u="none" strike="noStrike" cap="none">
           <a:solidFill>
             <a:srgbClr val="000000"/>
           </a:solidFill>
@@ -8931,7 +8918,7 @@
           <a:sym typeface="Arial"/>
         </a:defRPr>
       </a:lvl7pPr>
-      <a:lvl8pPr lvl="7" marR="0" rtl="0" algn="l">
+      <a:lvl8pPr marR="0" lvl="7" algn="l" rtl="0">
         <a:lnSpc>
           <a:spcPct val="100000"/>
         </a:lnSpc>
@@ -8945,7 +8932,7 @@
           <a:srgbClr val="000000"/>
         </a:buClr>
         <a:buFont typeface="Arial"/>
-        <a:defRPr b="0" i="0" sz="1400" u="none" cap="none" strike="noStrike">
+        <a:defRPr sz="1400" b="0" i="0" u="none" strike="noStrike" cap="none">
           <a:solidFill>
             <a:srgbClr val="000000"/>
           </a:solidFill>
@@ -8955,7 +8942,7 @@
           <a:sym typeface="Arial"/>
         </a:defRPr>
       </a:lvl8pPr>
-      <a:lvl9pPr lvl="8" marR="0" rtl="0" algn="l">
+      <a:lvl9pPr marR="0" lvl="8" algn="l" rtl="0">
         <a:lnSpc>
           <a:spcPct val="100000"/>
         </a:lnSpc>
@@ -8969,7 +8956,7 @@
           <a:srgbClr val="000000"/>
         </a:buClr>
         <a:buFont typeface="Arial"/>
-        <a:defRPr b="0" i="0" sz="1400" u="none" cap="none" strike="noStrike">
+        <a:defRPr sz="1400" b="0" i="0" u="none" strike="noStrike" cap="none">
           <a:solidFill>
             <a:srgbClr val="000000"/>
           </a:solidFill>
@@ -8981,7 +8968,7 @@
       </a:lvl9pPr>
     </p:titleStyle>
     <p:bodyStyle>
-      <a:defPPr lvl="0" marR="0" rtl="0" algn="l">
+      <a:defPPr marR="0" lvl="0" algn="l" rtl="0">
         <a:lnSpc>
           <a:spcPct val="100000"/>
         </a:lnSpc>
@@ -8992,7 +8979,7 @@
           <a:spcPts val="0"/>
         </a:spcAft>
       </a:defPPr>
-      <a:lvl1pPr lvl="0" marR="0" rtl="0" algn="l">
+      <a:lvl1pPr marR="0" lvl="0" algn="l" rtl="0">
         <a:lnSpc>
           <a:spcPct val="100000"/>
         </a:lnSpc>
@@ -9006,7 +8993,7 @@
           <a:srgbClr val="000000"/>
         </a:buClr>
         <a:buFont typeface="Arial"/>
-        <a:defRPr b="0" i="0" sz="1400" u="none" cap="none" strike="noStrike">
+        <a:defRPr sz="1400" b="0" i="0" u="none" strike="noStrike" cap="none">
           <a:solidFill>
             <a:srgbClr val="000000"/>
           </a:solidFill>
@@ -9016,7 +9003,7 @@
           <a:sym typeface="Arial"/>
         </a:defRPr>
       </a:lvl1pPr>
-      <a:lvl2pPr lvl="1" marR="0" rtl="0" algn="l">
+      <a:lvl2pPr marR="0" lvl="1" algn="l" rtl="0">
         <a:lnSpc>
           <a:spcPct val="100000"/>
         </a:lnSpc>
@@ -9030,7 +9017,7 @@
           <a:srgbClr val="000000"/>
         </a:buClr>
         <a:buFont typeface="Arial"/>
-        <a:defRPr b="0" i="0" sz="1400" u="none" cap="none" strike="noStrike">
+        <a:defRPr sz="1400" b="0" i="0" u="none" strike="noStrike" cap="none">
           <a:solidFill>
             <a:srgbClr val="000000"/>
           </a:solidFill>
@@ -9040,7 +9027,7 @@
           <a:sym typeface="Arial"/>
         </a:defRPr>
       </a:lvl2pPr>
-      <a:lvl3pPr lvl="2" marR="0" rtl="0" algn="l">
+      <a:lvl3pPr marR="0" lvl="2" algn="l" rtl="0">
         <a:lnSpc>
           <a:spcPct val="100000"/>
         </a:lnSpc>
@@ -9054,7 +9041,7 @@
           <a:srgbClr val="000000"/>
         </a:buClr>
         <a:buFont typeface="Arial"/>
-        <a:defRPr b="0" i="0" sz="1400" u="none" cap="none" strike="noStrike">
+        <a:defRPr sz="1400" b="0" i="0" u="none" strike="noStrike" cap="none">
           <a:solidFill>
             <a:srgbClr val="000000"/>
           </a:solidFill>
@@ -9064,7 +9051,7 @@
           <a:sym typeface="Arial"/>
         </a:defRPr>
       </a:lvl3pPr>
-      <a:lvl4pPr lvl="3" marR="0" rtl="0" algn="l">
+      <a:lvl4pPr marR="0" lvl="3" algn="l" rtl="0">
         <a:lnSpc>
           <a:spcPct val="100000"/>
         </a:lnSpc>
@@ -9078,7 +9065,7 @@
           <a:srgbClr val="000000"/>
         </a:buClr>
         <a:buFont typeface="Arial"/>
-        <a:defRPr b="0" i="0" sz="1400" u="none" cap="none" strike="noStrike">
+        <a:defRPr sz="1400" b="0" i="0" u="none" strike="noStrike" cap="none">
           <a:solidFill>
             <a:srgbClr val="000000"/>
           </a:solidFill>
@@ -9088,7 +9075,7 @@
           <a:sym typeface="Arial"/>
         </a:defRPr>
       </a:lvl4pPr>
-      <a:lvl5pPr lvl="4" marR="0" rtl="0" algn="l">
+      <a:lvl5pPr marR="0" lvl="4" algn="l" rtl="0">
         <a:lnSpc>
           <a:spcPct val="100000"/>
         </a:lnSpc>
@@ -9102,7 +9089,7 @@
           <a:srgbClr val="000000"/>
         </a:buClr>
         <a:buFont typeface="Arial"/>
-        <a:defRPr b="0" i="0" sz="1400" u="none" cap="none" strike="noStrike">
+        <a:defRPr sz="1400" b="0" i="0" u="none" strike="noStrike" cap="none">
           <a:solidFill>
             <a:srgbClr val="000000"/>
           </a:solidFill>
@@ -9112,7 +9099,7 @@
           <a:sym typeface="Arial"/>
         </a:defRPr>
       </a:lvl5pPr>
-      <a:lvl6pPr lvl="5" marR="0" rtl="0" algn="l">
+      <a:lvl6pPr marR="0" lvl="5" algn="l" rtl="0">
         <a:lnSpc>
           <a:spcPct val="100000"/>
         </a:lnSpc>
@@ -9126,7 +9113,7 @@
           <a:srgbClr val="000000"/>
         </a:buClr>
         <a:buFont typeface="Arial"/>
-        <a:defRPr b="0" i="0" sz="1400" u="none" cap="none" strike="noStrike">
+        <a:defRPr sz="1400" b="0" i="0" u="none" strike="noStrike" cap="none">
           <a:solidFill>
             <a:srgbClr val="000000"/>
           </a:solidFill>
@@ -9136,7 +9123,7 @@
           <a:sym typeface="Arial"/>
         </a:defRPr>
       </a:lvl6pPr>
-      <a:lvl7pPr lvl="6" marR="0" rtl="0" algn="l">
+      <a:lvl7pPr marR="0" lvl="6" algn="l" rtl="0">
         <a:lnSpc>
           <a:spcPct val="100000"/>
         </a:lnSpc>
@@ -9150,7 +9137,7 @@
           <a:srgbClr val="000000"/>
         </a:buClr>
         <a:buFont typeface="Arial"/>
-        <a:defRPr b="0" i="0" sz="1400" u="none" cap="none" strike="noStrike">
+        <a:defRPr sz="1400" b="0" i="0" u="none" strike="noStrike" cap="none">
           <a:solidFill>
             <a:srgbClr val="000000"/>
           </a:solidFill>
@@ -9160,7 +9147,7 @@
           <a:sym typeface="Arial"/>
         </a:defRPr>
       </a:lvl7pPr>
-      <a:lvl8pPr lvl="7" marR="0" rtl="0" algn="l">
+      <a:lvl8pPr marR="0" lvl="7" algn="l" rtl="0">
         <a:lnSpc>
           <a:spcPct val="100000"/>
         </a:lnSpc>
@@ -9174,7 +9161,7 @@
           <a:srgbClr val="000000"/>
         </a:buClr>
         <a:buFont typeface="Arial"/>
-        <a:defRPr b="0" i="0" sz="1400" u="none" cap="none" strike="noStrike">
+        <a:defRPr sz="1400" b="0" i="0" u="none" strike="noStrike" cap="none">
           <a:solidFill>
             <a:srgbClr val="000000"/>
           </a:solidFill>
@@ -9184,7 +9171,7 @@
           <a:sym typeface="Arial"/>
         </a:defRPr>
       </a:lvl8pPr>
-      <a:lvl9pPr lvl="8" marR="0" rtl="0" algn="l">
+      <a:lvl9pPr marR="0" lvl="8" algn="l" rtl="0">
         <a:lnSpc>
           <a:spcPct val="100000"/>
         </a:lnSpc>
@@ -9198,7 +9185,7 @@
           <a:srgbClr val="000000"/>
         </a:buClr>
         <a:buFont typeface="Arial"/>
-        <a:defRPr b="0" i="0" sz="1400" u="none" cap="none" strike="noStrike">
+        <a:defRPr sz="1400" b="0" i="0" u="none" strike="noStrike" cap="none">
           <a:solidFill>
             <a:srgbClr val="000000"/>
           </a:solidFill>
@@ -9210,7 +9197,7 @@
       </a:lvl9pPr>
     </p:bodyStyle>
     <p:otherStyle>
-      <a:defPPr lvl="0" marR="0" rtl="0" algn="l">
+      <a:defPPr marR="0" lvl="0" algn="l" rtl="0">
         <a:lnSpc>
           <a:spcPct val="100000"/>
         </a:lnSpc>
@@ -9221,7 +9208,7 @@
           <a:spcPts val="0"/>
         </a:spcAft>
       </a:defPPr>
-      <a:lvl1pPr lvl="0" marR="0" rtl="0" algn="l">
+      <a:lvl1pPr marR="0" lvl="0" algn="l" rtl="0">
         <a:lnSpc>
           <a:spcPct val="100000"/>
         </a:lnSpc>
@@ -9235,7 +9222,7 @@
           <a:srgbClr val="000000"/>
         </a:buClr>
         <a:buFont typeface="Arial"/>
-        <a:defRPr b="0" i="0" sz="1400" u="none" cap="none" strike="noStrike">
+        <a:defRPr sz="1400" b="0" i="0" u="none" strike="noStrike" cap="none">
           <a:solidFill>
             <a:srgbClr val="000000"/>
           </a:solidFill>
@@ -9245,7 +9232,7 @@
           <a:sym typeface="Arial"/>
         </a:defRPr>
       </a:lvl1pPr>
-      <a:lvl2pPr lvl="1" marR="0" rtl="0" algn="l">
+      <a:lvl2pPr marR="0" lvl="1" algn="l" rtl="0">
         <a:lnSpc>
           <a:spcPct val="100000"/>
         </a:lnSpc>
@@ -9259,7 +9246,7 @@
           <a:srgbClr val="000000"/>
         </a:buClr>
         <a:buFont typeface="Arial"/>
-        <a:defRPr b="0" i="0" sz="1400" u="none" cap="none" strike="noStrike">
+        <a:defRPr sz="1400" b="0" i="0" u="none" strike="noStrike" cap="none">
           <a:solidFill>
             <a:srgbClr val="000000"/>
           </a:solidFill>
@@ -9269,7 +9256,7 @@
           <a:sym typeface="Arial"/>
         </a:defRPr>
       </a:lvl2pPr>
-      <a:lvl3pPr lvl="2" marR="0" rtl="0" algn="l">
+      <a:lvl3pPr marR="0" lvl="2" algn="l" rtl="0">
         <a:lnSpc>
           <a:spcPct val="100000"/>
         </a:lnSpc>
@@ -9283,7 +9270,7 @@
           <a:srgbClr val="000000"/>
         </a:buClr>
         <a:buFont typeface="Arial"/>
-        <a:defRPr b="0" i="0" sz="1400" u="none" cap="none" strike="noStrike">
+        <a:defRPr sz="1400" b="0" i="0" u="none" strike="noStrike" cap="none">
           <a:solidFill>
             <a:srgbClr val="000000"/>
           </a:solidFill>
@@ -9293,7 +9280,7 @@
           <a:sym typeface="Arial"/>
         </a:defRPr>
       </a:lvl3pPr>
-      <a:lvl4pPr lvl="3" marR="0" rtl="0" algn="l">
+      <a:lvl4pPr marR="0" lvl="3" algn="l" rtl="0">
         <a:lnSpc>
           <a:spcPct val="100000"/>
         </a:lnSpc>
@@ -9307,7 +9294,7 @@
           <a:srgbClr val="000000"/>
         </a:buClr>
         <a:buFont typeface="Arial"/>
-        <a:defRPr b="0" i="0" sz="1400" u="none" cap="none" strike="noStrike">
+        <a:defRPr sz="1400" b="0" i="0" u="none" strike="noStrike" cap="none">
           <a:solidFill>
             <a:srgbClr val="000000"/>
           </a:solidFill>
@@ -9317,7 +9304,7 @@
           <a:sym typeface="Arial"/>
         </a:defRPr>
       </a:lvl4pPr>
-      <a:lvl5pPr lvl="4" marR="0" rtl="0" algn="l">
+      <a:lvl5pPr marR="0" lvl="4" algn="l" rtl="0">
         <a:lnSpc>
           <a:spcPct val="100000"/>
         </a:lnSpc>
@@ -9331,7 +9318,7 @@
           <a:srgbClr val="000000"/>
         </a:buClr>
         <a:buFont typeface="Arial"/>
-        <a:defRPr b="0" i="0" sz="1400" u="none" cap="none" strike="noStrike">
+        <a:defRPr sz="1400" b="0" i="0" u="none" strike="noStrike" cap="none">
           <a:solidFill>
             <a:srgbClr val="000000"/>
           </a:solidFill>
@@ -9341,7 +9328,7 @@
           <a:sym typeface="Arial"/>
         </a:defRPr>
       </a:lvl5pPr>
-      <a:lvl6pPr lvl="5" marR="0" rtl="0" algn="l">
+      <a:lvl6pPr marR="0" lvl="5" algn="l" rtl="0">
         <a:lnSpc>
           <a:spcPct val="100000"/>
         </a:lnSpc>
@@ -9355,7 +9342,7 @@
           <a:srgbClr val="000000"/>
         </a:buClr>
         <a:buFont typeface="Arial"/>
-        <a:defRPr b="0" i="0" sz="1400" u="none" cap="none" strike="noStrike">
+        <a:defRPr sz="1400" b="0" i="0" u="none" strike="noStrike" cap="none">
           <a:solidFill>
             <a:srgbClr val="000000"/>
           </a:solidFill>
@@ -9365,7 +9352,7 @@
           <a:sym typeface="Arial"/>
         </a:defRPr>
       </a:lvl6pPr>
-      <a:lvl7pPr lvl="6" marR="0" rtl="0" algn="l">
+      <a:lvl7pPr marR="0" lvl="6" algn="l" rtl="0">
         <a:lnSpc>
           <a:spcPct val="100000"/>
         </a:lnSpc>
@@ -9379,7 +9366,7 @@
           <a:srgbClr val="000000"/>
         </a:buClr>
         <a:buFont typeface="Arial"/>
-        <a:defRPr b="0" i="0" sz="1400" u="none" cap="none" strike="noStrike">
+        <a:defRPr sz="1400" b="0" i="0" u="none" strike="noStrike" cap="none">
           <a:solidFill>
             <a:srgbClr val="000000"/>
           </a:solidFill>
@@ -9389,7 +9376,7 @@
           <a:sym typeface="Arial"/>
         </a:defRPr>
       </a:lvl7pPr>
-      <a:lvl8pPr lvl="7" marR="0" rtl="0" algn="l">
+      <a:lvl8pPr marR="0" lvl="7" algn="l" rtl="0">
         <a:lnSpc>
           <a:spcPct val="100000"/>
         </a:lnSpc>
@@ -9403,7 +9390,7 @@
           <a:srgbClr val="000000"/>
         </a:buClr>
         <a:buFont typeface="Arial"/>
-        <a:defRPr b="0" i="0" sz="1400" u="none" cap="none" strike="noStrike">
+        <a:defRPr sz="1400" b="0" i="0" u="none" strike="noStrike" cap="none">
           <a:solidFill>
             <a:srgbClr val="000000"/>
           </a:solidFill>
@@ -9413,7 +9400,7 @@
           <a:sym typeface="Arial"/>
         </a:defRPr>
       </a:lvl8pPr>
-      <a:lvl9pPr lvl="8" marR="0" rtl="0" algn="l">
+      <a:lvl9pPr marR="0" lvl="8" algn="l" rtl="0">
         <a:lnSpc>
           <a:spcPct val="100000"/>
         </a:lnSpc>
@@ -9427,7 +9414,7 @@
           <a:srgbClr val="000000"/>
         </a:buClr>
         <a:buFont typeface="Arial"/>
-        <a:defRPr b="0" i="0" sz="1400" u="none" cap="none" strike="noStrike">
+        <a:defRPr sz="1400" b="0" i="0" u="none" strike="noStrike" cap="none">
           <a:solidFill>
             <a:srgbClr val="000000"/>
           </a:solidFill>
@@ -9443,11 +9430,11 @@
 </file>
 
 <file path=ppt/slides/slide1.xml><?xml version="1.0" encoding="utf-8"?>
-<p:sld xmlns:a="http://schemas.openxmlformats.org/drawingml/2006/main" xmlns:r="http://schemas.openxmlformats.org/officeDocument/2006/relationships" xmlns:mc="http://schemas.openxmlformats.org/markup-compatibility/2006" xmlns:mv="urn:schemas-microsoft-com:mac:vml" xmlns:p="http://schemas.openxmlformats.org/presentationml/2006/main" xmlns:c="http://schemas.openxmlformats.org/drawingml/2006/chart" xmlns:dgm="http://schemas.openxmlformats.org/drawingml/2006/diagram" xmlns:o="urn:schemas-microsoft-com:office:office" xmlns:v="urn:schemas-microsoft-com:vml" xmlns:pvml="urn:schemas-microsoft-com:office:powerpoint" xmlns:com="http://schemas.openxmlformats.org/drawingml/2006/compatibility" xmlns:p14="http://schemas.microsoft.com/office/powerpoint/2010/main" xmlns:p15="http://schemas.microsoft.com/office/powerpoint/2012/main">
+<p:sld xmlns:a="http://schemas.openxmlformats.org/drawingml/2006/main" xmlns:r="http://schemas.openxmlformats.org/officeDocument/2006/relationships" xmlns:p="http://schemas.openxmlformats.org/presentationml/2006/main">
   <p:cSld>
     <p:spTree>
       <p:nvGrpSpPr>
-        <p:cNvPr id="133" name="Shape 133"/>
+        <p:cNvPr id="1" name="Shape 133"/>
         <p:cNvGrpSpPr/>
         <p:nvPr/>
       </p:nvGrpSpPr>
@@ -9462,7 +9449,9 @@
       <p:sp>
         <p:nvSpPr>
           <p:cNvPr id="134" name="Google Shape;134;p13"/>
-          <p:cNvSpPr txBox="1"/>
+          <p:cNvSpPr txBox="1">
+            <a:spLocks noGrp="1"/>
+          </p:cNvSpPr>
           <p:nvPr>
             <p:ph type="ctrTitle"/>
           </p:nvPr>
@@ -9477,12 +9466,12 @@
           </a:prstGeom>
         </p:spPr>
         <p:txBody>
-          <a:bodyPr anchorCtr="0" anchor="t" bIns="91425" lIns="91425" spcFirstLastPara="1" rIns="91425" wrap="square" tIns="91425">
+          <a:bodyPr spcFirstLastPara="1" wrap="square" lIns="91425" tIns="91425" rIns="91425" bIns="91425" anchor="t" anchorCtr="0">
             <a:noAutofit/>
           </a:bodyPr>
           <a:lstStyle/>
           <a:p>
-            <a:pPr indent="0" lvl="0" marL="0" rtl="0" algn="l">
+            <a:pPr marL="0" lvl="0" indent="0" algn="l" rtl="0">
               <a:spcBef>
                 <a:spcPts val="0"/>
               </a:spcBef>
@@ -9502,9 +9491,11 @@
       <p:sp>
         <p:nvSpPr>
           <p:cNvPr id="135" name="Google Shape;135;p13"/>
-          <p:cNvSpPr txBox="1"/>
+          <p:cNvSpPr txBox="1">
+            <a:spLocks noGrp="1"/>
+          </p:cNvSpPr>
           <p:nvPr>
-            <p:ph idx="1" type="subTitle"/>
+            <p:ph type="subTitle" idx="1"/>
           </p:nvPr>
         </p:nvSpPr>
         <p:spPr>
@@ -9517,12 +9508,12 @@
           </a:prstGeom>
         </p:spPr>
         <p:txBody>
-          <a:bodyPr anchorCtr="0" anchor="t" bIns="91425" lIns="91425" spcFirstLastPara="1" rIns="91425" wrap="square" tIns="91425">
+          <a:bodyPr spcFirstLastPara="1" wrap="square" lIns="91425" tIns="91425" rIns="91425" bIns="91425" anchor="t" anchorCtr="0">
             <a:noAutofit/>
           </a:bodyPr>
           <a:lstStyle/>
           <a:p>
-            <a:pPr indent="0" lvl="0" marL="0" rtl="0" algn="l">
+            <a:pPr marL="0" lvl="0" indent="0" algn="l" rtl="0">
               <a:spcBef>
                 <a:spcPts val="0"/>
               </a:spcBef>
@@ -9536,6 +9527,38 @@
               <a:t>Zachery Gentry, Tousar Mohammed, Giannina Pachas and Courtney Howland</a:t>
             </a:r>
             <a:endParaRPr/>
+          </a:p>
+        </p:txBody>
+      </p:sp>
+      <p:sp>
+        <p:nvSpPr>
+          <p:cNvPr id="2" name="Slide Number Placeholder 1"/>
+          <p:cNvSpPr>
+            <a:spLocks noGrp="1"/>
+          </p:cNvSpPr>
+          <p:nvPr>
+            <p:ph type="sldNum" idx="12"/>
+          </p:nvPr>
+        </p:nvSpPr>
+        <p:spPr/>
+        <p:txBody>
+          <a:bodyPr/>
+          <a:lstStyle/>
+          <a:p>
+            <a:pPr marL="0" lvl="0" indent="0" algn="r" rtl="0">
+              <a:spcBef>
+                <a:spcPts val="0"/>
+              </a:spcBef>
+              <a:spcAft>
+                <a:spcPts val="0"/>
+              </a:spcAft>
+              <a:buNone/>
+            </a:pPr>
+            <a:fld id="{00000000-1234-1234-1234-123412341234}" type="slidenum">
+              <a:rPr lang="uk-UA" smtClean="0"/>
+              <a:t>1</a:t>
+            </a:fld>
+            <a:endParaRPr lang="uk-UA"/>
           </a:p>
         </p:txBody>
       </p:sp>
@@ -9548,11 +9571,11 @@
 </file>
 
 <file path=ppt/slides/slide2.xml><?xml version="1.0" encoding="utf-8"?>
-<p:sld xmlns:a="http://schemas.openxmlformats.org/drawingml/2006/main" xmlns:r="http://schemas.openxmlformats.org/officeDocument/2006/relationships" xmlns:mc="http://schemas.openxmlformats.org/markup-compatibility/2006" xmlns:mv="urn:schemas-microsoft-com:mac:vml" xmlns:p="http://schemas.openxmlformats.org/presentationml/2006/main" xmlns:c="http://schemas.openxmlformats.org/drawingml/2006/chart" xmlns:dgm="http://schemas.openxmlformats.org/drawingml/2006/diagram" xmlns:o="urn:schemas-microsoft-com:office:office" xmlns:v="urn:schemas-microsoft-com:vml" xmlns:pvml="urn:schemas-microsoft-com:office:powerpoint" xmlns:com="http://schemas.openxmlformats.org/drawingml/2006/compatibility" xmlns:p14="http://schemas.microsoft.com/office/powerpoint/2010/main" xmlns:p15="http://schemas.microsoft.com/office/powerpoint/2012/main">
+<p:sld xmlns:a="http://schemas.openxmlformats.org/drawingml/2006/main" xmlns:r="http://schemas.openxmlformats.org/officeDocument/2006/relationships" xmlns:p="http://schemas.openxmlformats.org/presentationml/2006/main">
   <p:cSld>
     <p:spTree>
       <p:nvGrpSpPr>
-        <p:cNvPr id="139" name="Shape 139"/>
+        <p:cNvPr id="1" name="Shape 139"/>
         <p:cNvGrpSpPr/>
         <p:nvPr/>
       </p:nvGrpSpPr>
@@ -9567,7 +9590,9 @@
       <p:sp>
         <p:nvSpPr>
           <p:cNvPr id="140" name="Google Shape;140;p14"/>
-          <p:cNvSpPr txBox="1"/>
+          <p:cNvSpPr txBox="1">
+            <a:spLocks noGrp="1"/>
+          </p:cNvSpPr>
           <p:nvPr>
             <p:ph type="title"/>
           </p:nvPr>
@@ -9582,12 +9607,12 @@
           </a:prstGeom>
         </p:spPr>
         <p:txBody>
-          <a:bodyPr anchorCtr="0" anchor="t" bIns="91425" lIns="91425" spcFirstLastPara="1" rIns="91425" wrap="square" tIns="91425">
+          <a:bodyPr spcFirstLastPara="1" wrap="square" lIns="91425" tIns="91425" rIns="91425" bIns="91425" anchor="t" anchorCtr="0">
             <a:noAutofit/>
           </a:bodyPr>
           <a:lstStyle/>
           <a:p>
-            <a:pPr indent="0" lvl="0" marL="0" rtl="0" algn="l">
+            <a:pPr marL="0" lvl="0" indent="0" algn="l" rtl="0">
               <a:spcBef>
                 <a:spcPts val="0"/>
               </a:spcBef>
@@ -9607,9 +9632,11 @@
       <p:sp>
         <p:nvSpPr>
           <p:cNvPr id="141" name="Google Shape;141;p14"/>
-          <p:cNvSpPr txBox="1"/>
+          <p:cNvSpPr txBox="1">
+            <a:spLocks noGrp="1"/>
+          </p:cNvSpPr>
           <p:nvPr>
-            <p:ph idx="1" type="body"/>
+            <p:ph type="body" idx="1"/>
           </p:nvPr>
         </p:nvSpPr>
         <p:spPr>
@@ -9622,12 +9649,12 @@
           </a:prstGeom>
         </p:spPr>
         <p:txBody>
-          <a:bodyPr anchorCtr="0" anchor="t" bIns="91425" lIns="91425" spcFirstLastPara="1" rIns="91425" wrap="square" tIns="91425">
+          <a:bodyPr spcFirstLastPara="1" wrap="square" lIns="91425" tIns="91425" rIns="91425" bIns="91425" anchor="t" anchorCtr="0">
             <a:noAutofit/>
           </a:bodyPr>
           <a:lstStyle/>
           <a:p>
-            <a:pPr indent="-317500" lvl="0" marL="457200" rtl="0" algn="l">
+            <a:pPr marL="457200" lvl="0" indent="-317500" algn="l" rtl="0">
               <a:spcBef>
                 <a:spcPts val="0"/>
               </a:spcBef>
@@ -9638,13 +9665,17 @@
               <a:buChar char="●"/>
             </a:pPr>
             <a:r>
-              <a:rPr lang="en" sz="1400"/>
-              <a:t>Update Lesson List [After iteration 3]</a:t>
+              <a:rPr lang="en" sz="1400" dirty="0" smtClean="0"/>
+              <a:t>Drawing </a:t>
             </a:r>
-            <a:endParaRPr sz="1400"/>
+            <a:r>
+              <a:rPr lang="en" sz="1400" dirty="0"/>
+              <a:t>Pad [In iteration 1]</a:t>
+            </a:r>
+            <a:endParaRPr sz="1400" dirty="0"/>
           </a:p>
           <a:p>
-            <a:pPr indent="-317500" lvl="0" marL="457200" rtl="0" algn="l">
+            <a:pPr marL="457200" lvl="0" indent="-317500" algn="l" rtl="0">
               <a:spcBef>
                 <a:spcPts val="0"/>
               </a:spcBef>
@@ -9655,13 +9686,21 @@
               <a:buChar char="●"/>
             </a:pPr>
             <a:r>
-              <a:rPr lang="en" sz="1400"/>
-              <a:t>View Lesson History [In iteration 3]</a:t>
+              <a:rPr lang="en" sz="1400" dirty="0"/>
+              <a:t>Shape Recognition [In iteration </a:t>
             </a:r>
-            <a:endParaRPr sz="1400"/>
+            <a:r>
+              <a:rPr lang="en-US" sz="1400" dirty="0" smtClean="0"/>
+              <a:t>-2</a:t>
+            </a:r>
+            <a:r>
+              <a:rPr lang="en" sz="1400" dirty="0" smtClean="0"/>
+              <a:t>]</a:t>
+            </a:r>
+            <a:endParaRPr sz="1400" dirty="0"/>
           </a:p>
           <a:p>
-            <a:pPr indent="-317500" lvl="0" marL="457200" rtl="0" algn="l">
+            <a:pPr marL="457200" lvl="0" indent="-317500" algn="l" rtl="0">
               <a:spcBef>
                 <a:spcPts val="0"/>
               </a:spcBef>
@@ -9672,13 +9711,21 @@
               <a:buChar char="●"/>
             </a:pPr>
             <a:r>
-              <a:rPr lang="en" sz="1400"/>
-              <a:t>Audio [In iteration 1]</a:t>
+              <a:rPr lang="en" sz="1400" dirty="0"/>
+              <a:t>Letter Recognition [In iteration </a:t>
             </a:r>
-            <a:endParaRPr sz="1400"/>
+            <a:r>
+              <a:rPr lang="en-US" sz="1400" dirty="0" smtClean="0"/>
+              <a:t>2</a:t>
+            </a:r>
+            <a:r>
+              <a:rPr lang="en" sz="1400" dirty="0" smtClean="0"/>
+              <a:t>]</a:t>
+            </a:r>
+            <a:endParaRPr sz="1400" dirty="0"/>
           </a:p>
           <a:p>
-            <a:pPr indent="-317500" lvl="0" marL="457200" rtl="0" algn="l">
+            <a:pPr marL="457200" lvl="0" indent="-317500" algn="l" rtl="0">
               <a:spcBef>
                 <a:spcPts val="0"/>
               </a:spcBef>
@@ -9689,13 +9736,58 @@
               <a:buChar char="●"/>
             </a:pPr>
             <a:r>
-              <a:rPr lang="en" sz="1400"/>
-              <a:t>Drawing Pad [In iteration 1]</a:t>
+              <a:rPr lang="en" sz="1400" dirty="0"/>
+              <a:t>Number Recognition [In iteration </a:t>
             </a:r>
-            <a:endParaRPr sz="1400"/>
+            <a:r>
+              <a:rPr lang="en-US" sz="1400" dirty="0" smtClean="0"/>
+              <a:t>2</a:t>
+            </a:r>
+            <a:r>
+              <a:rPr lang="en" sz="1400" dirty="0" smtClean="0"/>
+              <a:t>]</a:t>
+            </a:r>
+            <a:endParaRPr lang="en-US" sz="1400" dirty="0" smtClean="0"/>
           </a:p>
           <a:p>
-            <a:pPr indent="-317500" lvl="0" marL="457200" rtl="0" algn="l">
+            <a:pPr indent="-317500">
+              <a:buSzPts val="1400"/>
+            </a:pPr>
+            <a:r>
+              <a:rPr lang="en-US" sz="1400" dirty="0"/>
+              <a:t>Audio [In iteration 2</a:t>
+            </a:r>
+            <a:r>
+              <a:rPr lang="en-US" sz="1400" dirty="0" smtClean="0"/>
+              <a:t>]</a:t>
+            </a:r>
+            <a:endParaRPr lang="en-US" sz="1400" dirty="0" smtClean="0"/>
+          </a:p>
+          <a:p>
+            <a:pPr lvl="0" indent="-317500">
+              <a:buSzPts val="1400"/>
+            </a:pPr>
+            <a:r>
+              <a:rPr lang="en-US" sz="1400" dirty="0"/>
+              <a:t>Update Lesson List [After iteration 3]</a:t>
+            </a:r>
+          </a:p>
+          <a:p>
+            <a:pPr lvl="0" indent="-317500">
+              <a:buSzPts val="1400"/>
+            </a:pPr>
+            <a:r>
+              <a:rPr lang="en-US" sz="1400" dirty="0"/>
+              <a:t>View Lesson History [In iteration 3</a:t>
+            </a:r>
+            <a:r>
+              <a:rPr lang="en-US" sz="1400" dirty="0" smtClean="0"/>
+              <a:t>]</a:t>
+            </a:r>
+            <a:endParaRPr sz="1400" dirty="0"/>
+          </a:p>
+          <a:p>
+            <a:pPr marL="457200" lvl="0" indent="-317500" algn="l" rtl="0">
               <a:spcBef>
                 <a:spcPts val="0"/>
               </a:spcBef>
@@ -9706,13 +9798,17 @@
               <a:buChar char="●"/>
             </a:pPr>
             <a:r>
-              <a:rPr lang="en" sz="1400"/>
-              <a:t>Shape Recognition [In iteration 2]</a:t>
+              <a:rPr lang="en" sz="1400" dirty="0"/>
+              <a:t>Difficulty Levels  [In iteration 3</a:t>
             </a:r>
-            <a:endParaRPr sz="1400"/>
+            <a:r>
+              <a:rPr lang="en" sz="1400" dirty="0" smtClean="0"/>
+              <a:t>]</a:t>
+            </a:r>
+            <a:endParaRPr lang="en-US" sz="1400" dirty="0" smtClean="0"/>
           </a:p>
           <a:p>
-            <a:pPr indent="-317500" lvl="0" marL="457200" rtl="0" algn="l">
+            <a:pPr marL="457200" lvl="0" indent="-317500" algn="l" rtl="0">
               <a:spcBef>
                 <a:spcPts val="0"/>
               </a:spcBef>
@@ -9722,45 +9818,7 @@
               <a:buSzPts val="1400"/>
               <a:buChar char="●"/>
             </a:pPr>
-            <a:r>
-              <a:rPr lang="en" sz="1400"/>
-              <a:t>Letter Recognition [In iteration ?]</a:t>
-            </a:r>
-            <a:endParaRPr sz="1400"/>
-          </a:p>
-          <a:p>
-            <a:pPr indent="-317500" lvl="0" marL="457200" rtl="0" algn="l">
-              <a:spcBef>
-                <a:spcPts val="0"/>
-              </a:spcBef>
-              <a:spcAft>
-                <a:spcPts val="0"/>
-              </a:spcAft>
-              <a:buSzPts val="1400"/>
-              <a:buChar char="●"/>
-            </a:pPr>
-            <a:r>
-              <a:rPr lang="en" sz="1400"/>
-              <a:t>Number Recognition [In iteration ?]</a:t>
-            </a:r>
-            <a:endParaRPr sz="1400"/>
-          </a:p>
-          <a:p>
-            <a:pPr indent="-317500" lvl="0" marL="457200" rtl="0" algn="l">
-              <a:spcBef>
-                <a:spcPts val="0"/>
-              </a:spcBef>
-              <a:spcAft>
-                <a:spcPts val="0"/>
-              </a:spcAft>
-              <a:buSzPts val="1400"/>
-              <a:buChar char="●"/>
-            </a:pPr>
-            <a:r>
-              <a:rPr lang="en" sz="1400"/>
-              <a:t>Difficulty Levels  [In iteration 3]</a:t>
-            </a:r>
-            <a:endParaRPr sz="1400"/>
+            <a:endParaRPr sz="1400" dirty="0"/>
           </a:p>
         </p:txBody>
       </p:sp>
@@ -9812,12 +9870,12 @@
           </a:ln>
         </p:spPr>
         <p:txBody>
-          <a:bodyPr anchorCtr="0" anchor="t" bIns="91425" lIns="91425" spcFirstLastPara="1" rIns="91425" wrap="square" tIns="91425">
+          <a:bodyPr spcFirstLastPara="1" wrap="square" lIns="91425" tIns="91425" rIns="91425" bIns="91425" anchor="t" anchorCtr="0">
             <a:noAutofit/>
           </a:bodyPr>
           <a:lstStyle/>
           <a:p>
-            <a:pPr indent="0" lvl="0" marL="0" rtl="0" algn="l">
+            <a:pPr marL="0" lvl="0" indent="0" algn="l" rtl="0">
               <a:spcBef>
                 <a:spcPts val="0"/>
               </a:spcBef>
@@ -9827,18 +9885,50 @@
               <a:buNone/>
             </a:pPr>
             <a:r>
-              <a:rPr lang="en" sz="1200">
+              <a:rPr lang="en" sz="1200" dirty="0">
                 <a:solidFill>
                   <a:schemeClr val="lt1"/>
                 </a:solidFill>
               </a:rPr>
               <a:t>(Picture 1)</a:t>
             </a:r>
-            <a:endParaRPr sz="1200">
+            <a:endParaRPr sz="1200" dirty="0">
               <a:solidFill>
                 <a:schemeClr val="lt1"/>
               </a:solidFill>
             </a:endParaRPr>
+          </a:p>
+        </p:txBody>
+      </p:sp>
+      <p:sp>
+        <p:nvSpPr>
+          <p:cNvPr id="2" name="Slide Number Placeholder 1"/>
+          <p:cNvSpPr>
+            <a:spLocks noGrp="1"/>
+          </p:cNvSpPr>
+          <p:nvPr>
+            <p:ph type="sldNum" idx="12"/>
+          </p:nvPr>
+        </p:nvSpPr>
+        <p:spPr/>
+        <p:txBody>
+          <a:bodyPr/>
+          <a:lstStyle/>
+          <a:p>
+            <a:pPr marL="0" lvl="0" indent="0" algn="r" rtl="0">
+              <a:spcBef>
+                <a:spcPts val="0"/>
+              </a:spcBef>
+              <a:spcAft>
+                <a:spcPts val="0"/>
+              </a:spcAft>
+              <a:buNone/>
+            </a:pPr>
+            <a:fld id="{00000000-1234-1234-1234-123412341234}" type="slidenum">
+              <a:rPr lang="uk-UA" smtClean="0"/>
+              <a:t>2</a:t>
+            </a:fld>
+            <a:endParaRPr lang="uk-UA"/>
           </a:p>
         </p:txBody>
       </p:sp>
@@ -9851,11 +9941,386 @@
 </file>
 
 <file path=ppt/slides/slide3.xml><?xml version="1.0" encoding="utf-8"?>
-<p:sld xmlns:a="http://schemas.openxmlformats.org/drawingml/2006/main" xmlns:r="http://schemas.openxmlformats.org/officeDocument/2006/relationships" xmlns:mc="http://schemas.openxmlformats.org/markup-compatibility/2006" xmlns:mv="urn:schemas-microsoft-com:mac:vml" xmlns:p="http://schemas.openxmlformats.org/presentationml/2006/main" xmlns:c="http://schemas.openxmlformats.org/drawingml/2006/chart" xmlns:dgm="http://schemas.openxmlformats.org/drawingml/2006/diagram" xmlns:o="urn:schemas-microsoft-com:office:office" xmlns:v="urn:schemas-microsoft-com:vml" xmlns:pvml="urn:schemas-microsoft-com:office:powerpoint" xmlns:com="http://schemas.openxmlformats.org/drawingml/2006/compatibility" xmlns:p14="http://schemas.microsoft.com/office/powerpoint/2010/main" xmlns:p15="http://schemas.microsoft.com/office/powerpoint/2012/main">
+<p:sld xmlns:a="http://schemas.openxmlformats.org/drawingml/2006/main" xmlns:r="http://schemas.openxmlformats.org/officeDocument/2006/relationships" xmlns:p="http://schemas.openxmlformats.org/presentationml/2006/main">
   <p:cSld>
     <p:spTree>
       <p:nvGrpSpPr>
-        <p:cNvPr id="147" name="Shape 147"/>
+        <p:cNvPr id="1" name=""/>
+        <p:cNvGrpSpPr/>
+        <p:nvPr/>
+      </p:nvGrpSpPr>
+      <p:grpSpPr>
+        <a:xfrm>
+          <a:off x="0" y="0"/>
+          <a:ext cx="0" cy="0"/>
+          <a:chOff x="0" y="0"/>
+          <a:chExt cx="0" cy="0"/>
+        </a:xfrm>
+      </p:grpSpPr>
+      <p:sp>
+        <p:nvSpPr>
+          <p:cNvPr id="2" name="Title 1"/>
+          <p:cNvSpPr>
+            <a:spLocks noGrp="1"/>
+          </p:cNvSpPr>
+          <p:nvPr>
+            <p:ph type="title"/>
+          </p:nvPr>
+        </p:nvSpPr>
+        <p:spPr/>
+        <p:txBody>
+          <a:bodyPr/>
+          <a:lstStyle/>
+          <a:p>
+            <a:r>
+              <a:rPr lang="en-US" dirty="0" smtClean="0"/>
+              <a:t>Changes to project</a:t>
+            </a:r>
+            <a:endParaRPr lang="en-US" dirty="0"/>
+          </a:p>
+        </p:txBody>
+      </p:sp>
+      <p:sp>
+        <p:nvSpPr>
+          <p:cNvPr id="3" name="Text Placeholder 2"/>
+          <p:cNvSpPr>
+            <a:spLocks noGrp="1"/>
+          </p:cNvSpPr>
+          <p:nvPr>
+            <p:ph type="body" idx="1"/>
+          </p:nvPr>
+        </p:nvSpPr>
+        <p:spPr>
+          <a:xfrm>
+            <a:off x="1052550" y="1047288"/>
+            <a:ext cx="7038900" cy="1031504"/>
+          </a:xfrm>
+        </p:spPr>
+        <p:txBody>
+          <a:bodyPr/>
+          <a:lstStyle/>
+          <a:p>
+            <a:r>
+              <a:rPr lang="en-US" sz="2000" dirty="0" smtClean="0"/>
+              <a:t>Amazon </a:t>
+            </a:r>
+            <a:r>
+              <a:rPr lang="en-US" sz="2000" dirty="0" err="1" smtClean="0"/>
+              <a:t>Rekognition</a:t>
+            </a:r>
+            <a:endParaRPr lang="en-US" sz="2000" dirty="0" smtClean="0"/>
+          </a:p>
+          <a:p>
+            <a:r>
+              <a:rPr lang="en-US" sz="2000" dirty="0" smtClean="0"/>
+              <a:t>React-native sound  </a:t>
+            </a:r>
+          </a:p>
+          <a:p>
+            <a:endParaRPr lang="en-US" dirty="0"/>
+          </a:p>
+        </p:txBody>
+      </p:sp>
+      <p:pic>
+        <p:nvPicPr>
+          <p:cNvPr id="4" name="Picture 3"/>
+          <p:cNvPicPr>
+            <a:picLocks noChangeAspect="1"/>
+          </p:cNvPicPr>
+          <p:nvPr/>
+        </p:nvPicPr>
+        <p:blipFill>
+          <a:blip r:embed="rId2">
+            <a:extLst>
+              <a:ext uri="{28A0092B-C50C-407E-A947-70E740481C1C}">
+                <a14:useLocalDpi xmlns:a14="http://schemas.microsoft.com/office/drawing/2010/main" val="0"/>
+              </a:ext>
+            </a:extLst>
+          </a:blip>
+          <a:stretch>
+            <a:fillRect/>
+          </a:stretch>
+        </p:blipFill>
+        <p:spPr>
+          <a:xfrm>
+            <a:off x="0" y="2078792"/>
+            <a:ext cx="9144000" cy="3064708"/>
+          </a:xfrm>
+          <a:prstGeom prst="rect">
+            <a:avLst/>
+          </a:prstGeom>
+        </p:spPr>
+      </p:pic>
+      <p:sp>
+        <p:nvSpPr>
+          <p:cNvPr id="5" name="Rectangle 4"/>
+          <p:cNvSpPr/>
+          <p:nvPr/>
+        </p:nvSpPr>
+        <p:spPr>
+          <a:xfrm>
+            <a:off x="7326187" y="4682215"/>
+            <a:ext cx="1010213" cy="307777"/>
+          </a:xfrm>
+          <a:prstGeom prst="rect">
+            <a:avLst/>
+          </a:prstGeom>
+        </p:spPr>
+        <p:txBody>
+          <a:bodyPr wrap="none">
+            <a:spAutoFit/>
+          </a:bodyPr>
+          <a:lstStyle/>
+          <a:p>
+            <a:pPr lvl="0"/>
+            <a:r>
+              <a:rPr lang="en" dirty="0">
+                <a:solidFill>
+                  <a:schemeClr val="tx1"/>
+                </a:solidFill>
+              </a:rPr>
+              <a:t>(Picture </a:t>
+            </a:r>
+            <a:r>
+              <a:rPr lang="en-US" dirty="0" smtClean="0">
+                <a:solidFill>
+                  <a:schemeClr val="tx1"/>
+                </a:solidFill>
+              </a:rPr>
+              <a:t>2</a:t>
+            </a:r>
+            <a:r>
+              <a:rPr lang="en" dirty="0" smtClean="0">
+                <a:solidFill>
+                  <a:schemeClr val="tx1"/>
+                </a:solidFill>
+              </a:rPr>
+              <a:t>)</a:t>
+            </a:r>
+            <a:endParaRPr lang="en" dirty="0">
+              <a:solidFill>
+                <a:schemeClr val="tx1"/>
+              </a:solidFill>
+            </a:endParaRPr>
+          </a:p>
+        </p:txBody>
+      </p:sp>
+      <p:sp>
+        <p:nvSpPr>
+          <p:cNvPr id="6" name="Slide Number Placeholder 5"/>
+          <p:cNvSpPr>
+            <a:spLocks noGrp="1"/>
+          </p:cNvSpPr>
+          <p:nvPr>
+            <p:ph type="sldNum" idx="12"/>
+          </p:nvPr>
+        </p:nvSpPr>
+        <p:spPr/>
+        <p:txBody>
+          <a:bodyPr/>
+          <a:lstStyle/>
+          <a:p>
+            <a:pPr marL="0" lvl="0" indent="0" algn="r" rtl="0">
+              <a:spcBef>
+                <a:spcPts val="0"/>
+              </a:spcBef>
+              <a:spcAft>
+                <a:spcPts val="0"/>
+              </a:spcAft>
+              <a:buNone/>
+            </a:pPr>
+            <a:fld id="{00000000-1234-1234-1234-123412341234}" type="slidenum">
+              <a:rPr lang="uk-UA" smtClean="0"/>
+              <a:t>3</a:t>
+            </a:fld>
+            <a:endParaRPr lang="uk-UA"/>
+          </a:p>
+        </p:txBody>
+      </p:sp>
+    </p:spTree>
+    <p:extLst>
+      <p:ext uri="{BB962C8B-B14F-4D97-AF65-F5344CB8AC3E}">
+        <p14:creationId xmlns:p14="http://schemas.microsoft.com/office/powerpoint/2010/main" val="524674501"/>
+      </p:ext>
+    </p:extLst>
+  </p:cSld>
+  <p:clrMapOvr>
+    <a:masterClrMapping/>
+  </p:clrMapOvr>
+</p:sld>
+</file>
+
+<file path=ppt/slides/slide4.xml><?xml version="1.0" encoding="utf-8"?>
+<p:sld xmlns:a="http://schemas.openxmlformats.org/drawingml/2006/main" xmlns:r="http://schemas.openxmlformats.org/officeDocument/2006/relationships" xmlns:p="http://schemas.openxmlformats.org/presentationml/2006/main">
+  <p:cSld>
+    <p:spTree>
+      <p:nvGrpSpPr>
+        <p:cNvPr id="1" name=""/>
+        <p:cNvGrpSpPr/>
+        <p:nvPr/>
+      </p:nvGrpSpPr>
+      <p:grpSpPr>
+        <a:xfrm>
+          <a:off x="0" y="0"/>
+          <a:ext cx="0" cy="0"/>
+          <a:chOff x="0" y="0"/>
+          <a:chExt cx="0" cy="0"/>
+        </a:xfrm>
+      </p:grpSpPr>
+      <p:sp>
+        <p:nvSpPr>
+          <p:cNvPr id="3" name="Text Placeholder 2"/>
+          <p:cNvSpPr>
+            <a:spLocks noGrp="1"/>
+          </p:cNvSpPr>
+          <p:nvPr>
+            <p:ph type="body" idx="1"/>
+          </p:nvPr>
+        </p:nvSpPr>
+        <p:spPr/>
+        <p:txBody>
+          <a:bodyPr/>
+          <a:lstStyle/>
+          <a:p>
+            <a:endParaRPr lang="en-US"/>
+          </a:p>
+        </p:txBody>
+      </p:sp>
+      <p:pic>
+        <p:nvPicPr>
+          <p:cNvPr id="4" name="Picture 3"/>
+          <p:cNvPicPr>
+            <a:picLocks noChangeAspect="1"/>
+          </p:cNvPicPr>
+          <p:nvPr/>
+        </p:nvPicPr>
+        <p:blipFill>
+          <a:blip r:embed="rId3">
+            <a:extLst>
+              <a:ext uri="{28A0092B-C50C-407E-A947-70E740481C1C}">
+                <a14:useLocalDpi xmlns:a14="http://schemas.microsoft.com/office/drawing/2010/main" val="0"/>
+              </a:ext>
+            </a:extLst>
+          </a:blip>
+          <a:stretch>
+            <a:fillRect/>
+          </a:stretch>
+        </p:blipFill>
+        <p:spPr>
+          <a:xfrm>
+            <a:off x="0" y="457200"/>
+            <a:ext cx="9144000" cy="4217437"/>
+          </a:xfrm>
+          <a:prstGeom prst="rect">
+            <a:avLst/>
+          </a:prstGeom>
+        </p:spPr>
+      </p:pic>
+      <p:sp>
+        <p:nvSpPr>
+          <p:cNvPr id="5" name="Rectangle 4"/>
+          <p:cNvSpPr/>
+          <p:nvPr/>
+        </p:nvSpPr>
+        <p:spPr>
+          <a:xfrm>
+            <a:off x="7598369" y="4743276"/>
+            <a:ext cx="1010213" cy="307777"/>
+          </a:xfrm>
+          <a:prstGeom prst="rect">
+            <a:avLst/>
+          </a:prstGeom>
+        </p:spPr>
+        <p:txBody>
+          <a:bodyPr wrap="none">
+            <a:spAutoFit/>
+          </a:bodyPr>
+          <a:lstStyle/>
+          <a:p>
+            <a:pPr lvl="0"/>
+            <a:r>
+              <a:rPr lang="en" dirty="0">
+                <a:solidFill>
+                  <a:schemeClr val="bg1"/>
+                </a:solidFill>
+              </a:rPr>
+              <a:t>(Picture </a:t>
+            </a:r>
+            <a:r>
+              <a:rPr lang="en-US" dirty="0" smtClean="0">
+                <a:solidFill>
+                  <a:schemeClr val="bg1"/>
+                </a:solidFill>
+              </a:rPr>
+              <a:t>3</a:t>
+            </a:r>
+            <a:r>
+              <a:rPr lang="en" dirty="0" smtClean="0">
+                <a:solidFill>
+                  <a:schemeClr val="bg1"/>
+                </a:solidFill>
+              </a:rPr>
+              <a:t>)</a:t>
+            </a:r>
+            <a:endParaRPr lang="en" dirty="0">
+              <a:solidFill>
+                <a:schemeClr val="bg1"/>
+              </a:solidFill>
+            </a:endParaRPr>
+          </a:p>
+        </p:txBody>
+      </p:sp>
+      <p:sp>
+        <p:nvSpPr>
+          <p:cNvPr id="6" name="Slide Number Placeholder 5"/>
+          <p:cNvSpPr>
+            <a:spLocks noGrp="1"/>
+          </p:cNvSpPr>
+          <p:nvPr>
+            <p:ph type="sldNum" idx="12"/>
+          </p:nvPr>
+        </p:nvSpPr>
+        <p:spPr/>
+        <p:txBody>
+          <a:bodyPr/>
+          <a:lstStyle/>
+          <a:p>
+            <a:pPr marL="0" lvl="0" indent="0" algn="r" rtl="0">
+              <a:spcBef>
+                <a:spcPts val="0"/>
+              </a:spcBef>
+              <a:spcAft>
+                <a:spcPts val="0"/>
+              </a:spcAft>
+              <a:buNone/>
+            </a:pPr>
+            <a:fld id="{00000000-1234-1234-1234-123412341234}" type="slidenum">
+              <a:rPr lang="uk-UA" smtClean="0"/>
+              <a:t>4</a:t>
+            </a:fld>
+            <a:endParaRPr lang="uk-UA"/>
+          </a:p>
+        </p:txBody>
+      </p:sp>
+    </p:spTree>
+    <p:extLst>
+      <p:ext uri="{BB962C8B-B14F-4D97-AF65-F5344CB8AC3E}">
+        <p14:creationId xmlns:p14="http://schemas.microsoft.com/office/powerpoint/2010/main" val="1874085804"/>
+      </p:ext>
+    </p:extLst>
+  </p:cSld>
+  <p:clrMapOvr>
+    <a:masterClrMapping/>
+  </p:clrMapOvr>
+</p:sld>
+</file>
+
+<file path=ppt/slides/slide5.xml><?xml version="1.0" encoding="utf-8"?>
+<p:sld xmlns:a="http://schemas.openxmlformats.org/drawingml/2006/main" xmlns:r="http://schemas.openxmlformats.org/officeDocument/2006/relationships" xmlns:p="http://schemas.openxmlformats.org/presentationml/2006/main">
+  <p:cSld>
+    <p:spTree>
+      <p:nvGrpSpPr>
+        <p:cNvPr id="1" name="Shape 147"/>
         <p:cNvGrpSpPr/>
         <p:nvPr/>
       </p:nvGrpSpPr>
@@ -9870,7 +10335,9 @@
       <p:sp>
         <p:nvSpPr>
           <p:cNvPr id="148" name="Google Shape;148;p15"/>
-          <p:cNvSpPr txBox="1"/>
+          <p:cNvSpPr txBox="1">
+            <a:spLocks noGrp="1"/>
+          </p:cNvSpPr>
           <p:nvPr>
             <p:ph type="title"/>
           </p:nvPr>
@@ -9885,12 +10352,12 @@
           </a:prstGeom>
         </p:spPr>
         <p:txBody>
-          <a:bodyPr anchorCtr="0" anchor="t" bIns="91425" lIns="91425" spcFirstLastPara="1" rIns="91425" wrap="square" tIns="91425">
+          <a:bodyPr spcFirstLastPara="1" wrap="square" lIns="91425" tIns="91425" rIns="91425" bIns="91425" anchor="t" anchorCtr="0">
             <a:noAutofit/>
           </a:bodyPr>
           <a:lstStyle/>
           <a:p>
-            <a:pPr indent="0" lvl="0" marL="0" rtl="0" algn="l">
+            <a:pPr marL="0" lvl="0" indent="0" algn="l" rtl="0">
               <a:spcBef>
                 <a:spcPts val="0"/>
               </a:spcBef>
@@ -9910,9 +10377,11 @@
       <p:sp>
         <p:nvSpPr>
           <p:cNvPr id="149" name="Google Shape;149;p15"/>
-          <p:cNvSpPr txBox="1"/>
+          <p:cNvSpPr txBox="1">
+            <a:spLocks noGrp="1"/>
+          </p:cNvSpPr>
           <p:nvPr>
-            <p:ph idx="1" type="body"/>
+            <p:ph type="body" idx="1"/>
           </p:nvPr>
         </p:nvSpPr>
         <p:spPr>
@@ -9925,12 +10394,12 @@
           </a:prstGeom>
         </p:spPr>
         <p:txBody>
-          <a:bodyPr anchorCtr="0" anchor="t" bIns="91425" lIns="91425" spcFirstLastPara="1" rIns="91425" wrap="square" tIns="91425">
+          <a:bodyPr spcFirstLastPara="1" wrap="square" lIns="91425" tIns="91425" rIns="91425" bIns="91425" anchor="t" anchorCtr="0">
             <a:noAutofit/>
           </a:bodyPr>
           <a:lstStyle/>
           <a:p>
-            <a:pPr indent="0" lvl="0" marL="0" rtl="0" algn="l">
+            <a:pPr marL="0" lvl="0" indent="0" algn="l" rtl="0">
               <a:spcBef>
                 <a:spcPts val="1200"/>
               </a:spcBef>
@@ -9962,7 +10431,7 @@
             </a:endParaRPr>
           </a:p>
           <a:p>
-            <a:pPr indent="-330200" lvl="0" marL="914400" rtl="0" algn="l">
+            <a:pPr marL="914400" lvl="0" indent="-330200" algn="l" rtl="0">
               <a:spcBef>
                 <a:spcPts val="1200"/>
               </a:spcBef>
@@ -9999,7 +10468,7 @@
             </a:endParaRPr>
           </a:p>
           <a:p>
-            <a:pPr indent="-330200" lvl="0" marL="914400" rtl="0" algn="l">
+            <a:pPr marL="914400" lvl="0" indent="-330200" algn="l" rtl="0">
               <a:spcBef>
                 <a:spcPts val="0"/>
               </a:spcBef>
@@ -10036,7 +10505,7 @@
             </a:endParaRPr>
           </a:p>
           <a:p>
-            <a:pPr indent="0" lvl="0" marL="457200" rtl="0" algn="l">
+            <a:pPr marL="457200" lvl="0" indent="0" algn="l" rtl="0">
               <a:spcBef>
                 <a:spcPts val="300"/>
               </a:spcBef>
@@ -10045,9 +10514,6 @@
               </a:spcAft>
               <a:buNone/>
             </a:pPr>
-            <a:r>
-              <a:t/>
-            </a:r>
             <a:endParaRPr sz="1600">
               <a:solidFill>
                 <a:srgbClr val="FFFFFF"/>
@@ -10059,7 +10525,7 @@
             </a:endParaRPr>
           </a:p>
           <a:p>
-            <a:pPr indent="0" lvl="0" marL="0" rtl="0" algn="l">
+            <a:pPr marL="0" lvl="0" indent="0" algn="l" rtl="0">
               <a:spcBef>
                 <a:spcPts val="300"/>
               </a:spcBef>
@@ -10091,7 +10557,7 @@
             </a:endParaRPr>
           </a:p>
           <a:p>
-            <a:pPr indent="-330200" lvl="0" marL="914400" rtl="0" algn="l">
+            <a:pPr marL="914400" lvl="0" indent="-330200" algn="l" rtl="0">
               <a:spcBef>
                 <a:spcPts val="0"/>
               </a:spcBef>
@@ -10128,7 +10594,7 @@
             </a:endParaRPr>
           </a:p>
           <a:p>
-            <a:pPr indent="-330200" lvl="0" marL="914400" rtl="0" algn="l">
+            <a:pPr marL="914400" lvl="0" indent="-330200" algn="l" rtl="0">
               <a:spcBef>
                 <a:spcPts val="0"/>
               </a:spcBef>
@@ -10162,6 +10628,38 @@
           </a:p>
         </p:txBody>
       </p:sp>
+      <p:sp>
+        <p:nvSpPr>
+          <p:cNvPr id="2" name="Slide Number Placeholder 1"/>
+          <p:cNvSpPr>
+            <a:spLocks noGrp="1"/>
+          </p:cNvSpPr>
+          <p:nvPr>
+            <p:ph type="sldNum" idx="12"/>
+          </p:nvPr>
+        </p:nvSpPr>
+        <p:spPr/>
+        <p:txBody>
+          <a:bodyPr/>
+          <a:lstStyle/>
+          <a:p>
+            <a:pPr marL="0" lvl="0" indent="0" algn="r" rtl="0">
+              <a:spcBef>
+                <a:spcPts val="0"/>
+              </a:spcBef>
+              <a:spcAft>
+                <a:spcPts val="0"/>
+              </a:spcAft>
+              <a:buNone/>
+            </a:pPr>
+            <a:fld id="{00000000-1234-1234-1234-123412341234}" type="slidenum">
+              <a:rPr lang="uk-UA" smtClean="0"/>
+              <a:t>5</a:t>
+            </a:fld>
+            <a:endParaRPr lang="uk-UA"/>
+          </a:p>
+        </p:txBody>
+      </p:sp>
     </p:spTree>
   </p:cSld>
   <p:clrMapOvr>
@@ -10170,12 +10668,12 @@
 </p:sld>
 </file>
 
-<file path=ppt/slides/slide4.xml><?xml version="1.0" encoding="utf-8"?>
-<p:sld xmlns:a="http://schemas.openxmlformats.org/drawingml/2006/main" xmlns:r="http://schemas.openxmlformats.org/officeDocument/2006/relationships" xmlns:mc="http://schemas.openxmlformats.org/markup-compatibility/2006" xmlns:mv="urn:schemas-microsoft-com:mac:vml" xmlns:p="http://schemas.openxmlformats.org/presentationml/2006/main" xmlns:c="http://schemas.openxmlformats.org/drawingml/2006/chart" xmlns:dgm="http://schemas.openxmlformats.org/drawingml/2006/diagram" xmlns:o="urn:schemas-microsoft-com:office:office" xmlns:v="urn:schemas-microsoft-com:vml" xmlns:pvml="urn:schemas-microsoft-com:office:powerpoint" xmlns:com="http://schemas.openxmlformats.org/drawingml/2006/compatibility" xmlns:p14="http://schemas.microsoft.com/office/powerpoint/2010/main" xmlns:p15="http://schemas.microsoft.com/office/powerpoint/2012/main">
+<file path=ppt/slides/slide6.xml><?xml version="1.0" encoding="utf-8"?>
+<p:sld xmlns:a="http://schemas.openxmlformats.org/drawingml/2006/main" xmlns:r="http://schemas.openxmlformats.org/officeDocument/2006/relationships" xmlns:p="http://schemas.openxmlformats.org/presentationml/2006/main">
   <p:cSld>
     <p:spTree>
       <p:nvGrpSpPr>
-        <p:cNvPr id="153" name="Shape 153"/>
+        <p:cNvPr id="1" name="Shape 153"/>
         <p:cNvGrpSpPr/>
         <p:nvPr/>
       </p:nvGrpSpPr>
@@ -10190,7 +10688,9 @@
       <p:sp>
         <p:nvSpPr>
           <p:cNvPr id="154" name="Google Shape;154;p16"/>
-          <p:cNvSpPr txBox="1"/>
+          <p:cNvSpPr txBox="1">
+            <a:spLocks noGrp="1"/>
+          </p:cNvSpPr>
           <p:nvPr>
             <p:ph type="title"/>
           </p:nvPr>
@@ -10205,12 +10705,12 @@
           </a:prstGeom>
         </p:spPr>
         <p:txBody>
-          <a:bodyPr anchorCtr="0" anchor="t" bIns="91425" lIns="91425" spcFirstLastPara="1" rIns="91425" wrap="square" tIns="91425">
+          <a:bodyPr spcFirstLastPara="1" wrap="square" lIns="91425" tIns="91425" rIns="91425" bIns="91425" anchor="t" anchorCtr="0">
             <a:noAutofit/>
           </a:bodyPr>
           <a:lstStyle/>
           <a:p>
-            <a:pPr indent="0" lvl="0" marL="0" rtl="0" algn="l">
+            <a:pPr marL="0" lvl="0" indent="0" algn="l" rtl="0">
               <a:spcBef>
                 <a:spcPts val="0"/>
               </a:spcBef>
@@ -10230,9 +10730,11 @@
       <p:sp>
         <p:nvSpPr>
           <p:cNvPr id="155" name="Google Shape;155;p16"/>
-          <p:cNvSpPr txBox="1"/>
+          <p:cNvSpPr txBox="1">
+            <a:spLocks noGrp="1"/>
+          </p:cNvSpPr>
           <p:nvPr>
-            <p:ph idx="1" type="body"/>
+            <p:ph type="body" idx="1"/>
           </p:nvPr>
         </p:nvSpPr>
         <p:spPr>
@@ -10245,12 +10747,12 @@
           </a:prstGeom>
         </p:spPr>
         <p:txBody>
-          <a:bodyPr anchorCtr="0" anchor="t" bIns="91425" lIns="91425" spcFirstLastPara="1" rIns="91425" wrap="square" tIns="91425">
+          <a:bodyPr spcFirstLastPara="1" wrap="square" lIns="91425" tIns="91425" rIns="91425" bIns="91425" anchor="t" anchorCtr="0">
             <a:noAutofit/>
           </a:bodyPr>
           <a:lstStyle/>
           <a:p>
-            <a:pPr indent="-317500" lvl="0" marL="457200" rtl="0" algn="l">
+            <a:pPr marL="457200" lvl="0" indent="-317500" algn="l" rtl="0">
               <a:spcBef>
                 <a:spcPts val="0"/>
               </a:spcBef>
@@ -10287,7 +10789,7 @@
             </a:endParaRPr>
           </a:p>
           <a:p>
-            <a:pPr indent="0" lvl="0" marL="457200" rtl="0" algn="l">
+            <a:pPr marL="457200" lvl="0" indent="0" algn="l" rtl="0">
               <a:spcBef>
                 <a:spcPts val="1200"/>
               </a:spcBef>
@@ -10296,9 +10798,6 @@
               </a:spcAft>
               <a:buNone/>
             </a:pPr>
-            <a:r>
-              <a:t/>
-            </a:r>
             <a:endParaRPr sz="1400">
               <a:solidFill>
                 <a:srgbClr val="FFFFFF"/>
@@ -10310,7 +10809,7 @@
             </a:endParaRPr>
           </a:p>
           <a:p>
-            <a:pPr indent="-317500" lvl="0" marL="457200" rtl="0" algn="l">
+            <a:pPr marL="457200" lvl="0" indent="-317500" algn="l" rtl="0">
               <a:spcBef>
                 <a:spcPts val="1200"/>
               </a:spcBef>
@@ -10347,7 +10846,7 @@
             </a:endParaRPr>
           </a:p>
           <a:p>
-            <a:pPr indent="0" lvl="0" marL="0" rtl="0" algn="l">
+            <a:pPr marL="0" lvl="0" indent="0" algn="l" rtl="0">
               <a:spcBef>
                 <a:spcPts val="1200"/>
               </a:spcBef>
@@ -10356,9 +10855,6 @@
               </a:spcAft>
               <a:buNone/>
             </a:pPr>
-            <a:r>
-              <a:t/>
-            </a:r>
             <a:endParaRPr sz="1400">
               <a:solidFill>
                 <a:srgbClr val="FFFFFF"/>
@@ -10370,7 +10866,7 @@
             </a:endParaRPr>
           </a:p>
           <a:p>
-            <a:pPr indent="0" lvl="0" marL="0" rtl="0" algn="l">
+            <a:pPr marL="0" lvl="0" indent="0" algn="l" rtl="0">
               <a:spcBef>
                 <a:spcPts val="1200"/>
               </a:spcBef>
@@ -10379,9 +10875,6 @@
               </a:spcAft>
               <a:buNone/>
             </a:pPr>
-            <a:r>
-              <a:t/>
-            </a:r>
             <a:endParaRPr sz="1400">
               <a:solidFill>
                 <a:srgbClr val="FFFFFF"/>
@@ -10393,7 +10886,7 @@
             </a:endParaRPr>
           </a:p>
           <a:p>
-            <a:pPr indent="0" lvl="0" marL="0" rtl="0" algn="l">
+            <a:pPr marL="0" lvl="0" indent="0" algn="l" rtl="0">
               <a:spcBef>
                 <a:spcPts val="1200"/>
               </a:spcBef>
@@ -10402,9 +10895,6 @@
               </a:spcAft>
               <a:buNone/>
             </a:pPr>
-            <a:r>
-              <a:t/>
-            </a:r>
             <a:endParaRPr sz="1400">
               <a:solidFill>
                 <a:srgbClr val="FFFFFF"/>
@@ -10416,7 +10906,7 @@
             </a:endParaRPr>
           </a:p>
           <a:p>
-            <a:pPr indent="0" lvl="0" marL="0" rtl="0" algn="l">
+            <a:pPr marL="0" lvl="0" indent="0" algn="l" rtl="0">
               <a:spcBef>
                 <a:spcPts val="1200"/>
               </a:spcBef>
@@ -10425,9 +10915,6 @@
               </a:spcAft>
               <a:buNone/>
             </a:pPr>
-            <a:r>
-              <a:t/>
-            </a:r>
             <a:endParaRPr/>
           </a:p>
         </p:txBody>
@@ -10480,12 +10967,12 @@
           </a:ln>
         </p:spPr>
         <p:txBody>
-          <a:bodyPr anchorCtr="0" anchor="t" bIns="91425" lIns="91425" spcFirstLastPara="1" rIns="91425" wrap="square" tIns="91425">
+          <a:bodyPr spcFirstLastPara="1" wrap="square" lIns="91425" tIns="91425" rIns="91425" bIns="91425" anchor="t" anchorCtr="0">
             <a:noAutofit/>
           </a:bodyPr>
           <a:lstStyle/>
           <a:p>
-            <a:pPr indent="0" lvl="0" marL="0" rtl="0" algn="l">
+            <a:pPr marL="0" lvl="0" indent="0" algn="l" rtl="0">
               <a:spcBef>
                 <a:spcPts val="0"/>
               </a:spcBef>
@@ -10495,18 +10982,66 @@
               <a:buNone/>
             </a:pPr>
             <a:r>
-              <a:rPr lang="en" sz="1200">
+              <a:rPr lang="en" sz="1200" dirty="0">
                 <a:solidFill>
                   <a:schemeClr val="lt1"/>
                 </a:solidFill>
               </a:rPr>
-              <a:t>(Picture 2)</a:t>
+              <a:t>(Picture </a:t>
             </a:r>
-            <a:endParaRPr sz="1200">
+            <a:r>
+              <a:rPr lang="en-US" sz="1200" dirty="0" smtClean="0">
+                <a:solidFill>
+                  <a:schemeClr val="lt1"/>
+                </a:solidFill>
+              </a:rPr>
+              <a:t>4</a:t>
+            </a:r>
+            <a:r>
+              <a:rPr lang="en" sz="1200" dirty="0" smtClean="0">
+                <a:solidFill>
+                  <a:schemeClr val="lt1"/>
+                </a:solidFill>
+              </a:rPr>
+              <a:t>)</a:t>
+            </a:r>
+            <a:endParaRPr sz="1200" dirty="0">
               <a:solidFill>
                 <a:schemeClr val="lt1"/>
               </a:solidFill>
             </a:endParaRPr>
+          </a:p>
+        </p:txBody>
+      </p:sp>
+      <p:sp>
+        <p:nvSpPr>
+          <p:cNvPr id="2" name="Slide Number Placeholder 1"/>
+          <p:cNvSpPr>
+            <a:spLocks noGrp="1"/>
+          </p:cNvSpPr>
+          <p:nvPr>
+            <p:ph type="sldNum" idx="12"/>
+          </p:nvPr>
+        </p:nvSpPr>
+        <p:spPr/>
+        <p:txBody>
+          <a:bodyPr/>
+          <a:lstStyle/>
+          <a:p>
+            <a:pPr marL="0" lvl="0" indent="0" algn="r" rtl="0">
+              <a:spcBef>
+                <a:spcPts val="0"/>
+              </a:spcBef>
+              <a:spcAft>
+                <a:spcPts val="0"/>
+              </a:spcAft>
+              <a:buNone/>
+            </a:pPr>
+            <a:fld id="{00000000-1234-1234-1234-123412341234}" type="slidenum">
+              <a:rPr lang="uk-UA" smtClean="0"/>
+              <a:t>6</a:t>
+            </a:fld>
+            <a:endParaRPr lang="uk-UA"/>
           </a:p>
         </p:txBody>
       </p:sp>
@@ -10518,12 +11053,12 @@
 </p:sld>
 </file>
 
-<file path=ppt/slides/slide5.xml><?xml version="1.0" encoding="utf-8"?>
-<p:sld xmlns:a="http://schemas.openxmlformats.org/drawingml/2006/main" xmlns:r="http://schemas.openxmlformats.org/officeDocument/2006/relationships" xmlns:mc="http://schemas.openxmlformats.org/markup-compatibility/2006" xmlns:mv="urn:schemas-microsoft-com:mac:vml" xmlns:p="http://schemas.openxmlformats.org/presentationml/2006/main" xmlns:c="http://schemas.openxmlformats.org/drawingml/2006/chart" xmlns:dgm="http://schemas.openxmlformats.org/drawingml/2006/diagram" xmlns:o="urn:schemas-microsoft-com:office:office" xmlns:v="urn:schemas-microsoft-com:vml" xmlns:pvml="urn:schemas-microsoft-com:office:powerpoint" xmlns:com="http://schemas.openxmlformats.org/drawingml/2006/compatibility" xmlns:p14="http://schemas.microsoft.com/office/powerpoint/2010/main" xmlns:p15="http://schemas.microsoft.com/office/powerpoint/2012/main">
+<file path=ppt/slides/slide7.xml><?xml version="1.0" encoding="utf-8"?>
+<p:sld xmlns:a="http://schemas.openxmlformats.org/drawingml/2006/main" xmlns:r="http://schemas.openxmlformats.org/officeDocument/2006/relationships" xmlns:p="http://schemas.openxmlformats.org/presentationml/2006/main">
   <p:cSld>
     <p:spTree>
       <p:nvGrpSpPr>
-        <p:cNvPr id="161" name="Shape 161"/>
+        <p:cNvPr id="1" name="Shape 161"/>
         <p:cNvGrpSpPr/>
         <p:nvPr/>
       </p:nvGrpSpPr>
@@ -10538,7 +11073,9 @@
       <p:sp>
         <p:nvSpPr>
           <p:cNvPr id="162" name="Google Shape;162;p17"/>
-          <p:cNvSpPr txBox="1"/>
+          <p:cNvSpPr txBox="1">
+            <a:spLocks noGrp="1"/>
+          </p:cNvSpPr>
           <p:nvPr>
             <p:ph type="title"/>
           </p:nvPr>
@@ -10553,12 +11090,12 @@
           </a:prstGeom>
         </p:spPr>
         <p:txBody>
-          <a:bodyPr anchorCtr="0" anchor="ctr" bIns="91425" lIns="91425" spcFirstLastPara="1" rIns="91425" wrap="square" tIns="91425">
+          <a:bodyPr spcFirstLastPara="1" wrap="square" lIns="91425" tIns="91425" rIns="91425" bIns="91425" anchor="ctr" anchorCtr="0">
             <a:noAutofit/>
           </a:bodyPr>
           <a:lstStyle/>
           <a:p>
-            <a:pPr indent="0" lvl="0" marL="0" rtl="0" algn="l">
+            <a:pPr marL="0" lvl="0" indent="0" algn="l" rtl="0">
               <a:spcBef>
                 <a:spcPts val="0"/>
               </a:spcBef>
@@ -10572,6 +11109,38 @@
               <a:t>Demo</a:t>
             </a:r>
             <a:endParaRPr/>
+          </a:p>
+        </p:txBody>
+      </p:sp>
+      <p:sp>
+        <p:nvSpPr>
+          <p:cNvPr id="2" name="Slide Number Placeholder 1"/>
+          <p:cNvSpPr>
+            <a:spLocks noGrp="1"/>
+          </p:cNvSpPr>
+          <p:nvPr>
+            <p:ph type="sldNum" idx="12"/>
+          </p:nvPr>
+        </p:nvSpPr>
+        <p:spPr/>
+        <p:txBody>
+          <a:bodyPr/>
+          <a:lstStyle/>
+          <a:p>
+            <a:pPr marL="0" lvl="0" indent="0" algn="r" rtl="0">
+              <a:spcBef>
+                <a:spcPts val="0"/>
+              </a:spcBef>
+              <a:spcAft>
+                <a:spcPts val="0"/>
+              </a:spcAft>
+              <a:buNone/>
+            </a:pPr>
+            <a:fld id="{00000000-1234-1234-1234-123412341234}" type="slidenum">
+              <a:rPr lang="uk-UA" smtClean="0"/>
+              <a:t>7</a:t>
+            </a:fld>
+            <a:endParaRPr lang="uk-UA"/>
           </a:p>
         </p:txBody>
       </p:sp>
@@ -10583,12 +11152,12 @@
 </p:sld>
 </file>
 
-<file path=ppt/slides/slide6.xml><?xml version="1.0" encoding="utf-8"?>
-<p:sld xmlns:a="http://schemas.openxmlformats.org/drawingml/2006/main" xmlns:r="http://schemas.openxmlformats.org/officeDocument/2006/relationships" xmlns:mc="http://schemas.openxmlformats.org/markup-compatibility/2006" xmlns:mv="urn:schemas-microsoft-com:mac:vml" xmlns:p="http://schemas.openxmlformats.org/presentationml/2006/main" xmlns:c="http://schemas.openxmlformats.org/drawingml/2006/chart" xmlns:dgm="http://schemas.openxmlformats.org/drawingml/2006/diagram" xmlns:o="urn:schemas-microsoft-com:office:office" xmlns:v="urn:schemas-microsoft-com:vml" xmlns:pvml="urn:schemas-microsoft-com:office:powerpoint" xmlns:com="http://schemas.openxmlformats.org/drawingml/2006/compatibility" xmlns:p14="http://schemas.microsoft.com/office/powerpoint/2010/main" xmlns:p15="http://schemas.microsoft.com/office/powerpoint/2012/main">
+<file path=ppt/slides/slide8.xml><?xml version="1.0" encoding="utf-8"?>
+<p:sld xmlns:a="http://schemas.openxmlformats.org/drawingml/2006/main" xmlns:r="http://schemas.openxmlformats.org/officeDocument/2006/relationships" xmlns:p="http://schemas.openxmlformats.org/presentationml/2006/main">
   <p:cSld>
     <p:spTree>
       <p:nvGrpSpPr>
-        <p:cNvPr id="166" name="Shape 166"/>
+        <p:cNvPr id="1" name="Shape 166"/>
         <p:cNvGrpSpPr/>
         <p:nvPr/>
       </p:nvGrpSpPr>
@@ -10603,7 +11172,9 @@
       <p:sp>
         <p:nvSpPr>
           <p:cNvPr id="167" name="Google Shape;167;p18"/>
-          <p:cNvSpPr txBox="1"/>
+          <p:cNvSpPr txBox="1">
+            <a:spLocks noGrp="1"/>
+          </p:cNvSpPr>
           <p:nvPr>
             <p:ph type="title"/>
           </p:nvPr>
@@ -10618,12 +11189,12 @@
           </a:prstGeom>
         </p:spPr>
         <p:txBody>
-          <a:bodyPr anchorCtr="0" anchor="t" bIns="91425" lIns="91425" spcFirstLastPara="1" rIns="91425" wrap="square" tIns="91425">
+          <a:bodyPr spcFirstLastPara="1" wrap="square" lIns="91425" tIns="91425" rIns="91425" bIns="91425" anchor="t" anchorCtr="0">
             <a:noAutofit/>
           </a:bodyPr>
           <a:lstStyle/>
           <a:p>
-            <a:pPr indent="0" lvl="0" marL="0" rtl="0" algn="l">
+            <a:pPr marL="0" lvl="0" indent="0" algn="l" rtl="0">
               <a:spcBef>
                 <a:spcPts val="0"/>
               </a:spcBef>
@@ -10643,9 +11214,11 @@
       <p:sp>
         <p:nvSpPr>
           <p:cNvPr id="168" name="Google Shape;168;p18"/>
-          <p:cNvSpPr txBox="1"/>
+          <p:cNvSpPr txBox="1">
+            <a:spLocks noGrp="1"/>
+          </p:cNvSpPr>
           <p:nvPr>
-            <p:ph idx="1" type="body"/>
+            <p:ph type="body" idx="1"/>
           </p:nvPr>
         </p:nvSpPr>
         <p:spPr>
@@ -10658,12 +11231,12 @@
           </a:prstGeom>
         </p:spPr>
         <p:txBody>
-          <a:bodyPr anchorCtr="0" anchor="t" bIns="91425" lIns="91425" spcFirstLastPara="1" rIns="91425" wrap="square" tIns="91425">
+          <a:bodyPr spcFirstLastPara="1" wrap="square" lIns="91425" tIns="91425" rIns="91425" bIns="91425" anchor="t" anchorCtr="0">
             <a:noAutofit/>
           </a:bodyPr>
           <a:lstStyle/>
           <a:p>
-            <a:pPr indent="-311150" lvl="0" marL="457200" rtl="0" algn="l">
+            <a:pPr marL="457200" lvl="0" indent="-311150" algn="l" rtl="0">
               <a:spcBef>
                 <a:spcPts val="0"/>
               </a:spcBef>
@@ -10674,7 +11247,7 @@
               <a:buChar char="●"/>
             </a:pPr>
             <a:r>
-              <a:rPr lang="en" u="sng">
+              <a:rPr lang="en" u="sng" dirty="0">
                 <a:solidFill>
                   <a:schemeClr val="hlink"/>
                 </a:solidFill>
@@ -10683,13 +11256,37 @@
               <a:t>https://blog.membee.com/2015/01/sneak-peak-at-2015.html</a:t>
             </a:r>
             <a:r>
-              <a:rPr lang="en"/>
-              <a:t> (Picture 1)</a:t>
+              <a:rPr lang="en" dirty="0"/>
+              <a:t> (Picture 1</a:t>
             </a:r>
-            <a:endParaRPr/>
+            <a:r>
+              <a:rPr lang="en" dirty="0" smtClean="0"/>
+              <a:t>)</a:t>
+            </a:r>
+            <a:endParaRPr lang="en-US" dirty="0" smtClean="0"/>
           </a:p>
           <a:p>
-            <a:pPr indent="-311150" lvl="0" marL="457200" rtl="0" algn="l">
+            <a:pPr lvl="0"/>
+            <a:r>
+              <a:rPr lang="en-US" dirty="0">
+                <a:hlinkClick r:id="rId4"/>
+              </a:rPr>
+              <a:t>https://aws.amazon.com/rekognition</a:t>
+            </a:r>
+            <a:r>
+              <a:rPr lang="en-US" dirty="0" smtClean="0">
+                <a:hlinkClick r:id="rId4"/>
+              </a:rPr>
+              <a:t>/</a:t>
+            </a:r>
+            <a:r>
+              <a:rPr lang="en-US" dirty="0" smtClean="0"/>
+              <a:t> (Picture 2-3)</a:t>
+            </a:r>
+            <a:endParaRPr dirty="0"/>
+          </a:p>
+          <a:p>
+            <a:pPr marL="457200" lvl="0" indent="-311150" algn="l" rtl="0">
               <a:spcBef>
                 <a:spcPts val="0"/>
               </a:spcBef>
@@ -10700,19 +11297,59 @@
               <a:buChar char="●"/>
             </a:pPr>
             <a:r>
-              <a:rPr lang="en" u="sng">
+              <a:rPr lang="en" u="sng" dirty="0">
                 <a:solidFill>
                   <a:schemeClr val="hlink"/>
                 </a:solidFill>
-                <a:hlinkClick r:id="rId4"/>
+                <a:hlinkClick r:id="rId5"/>
               </a:rPr>
               <a:t>http://www.pcyc.org.au/Clubs/Redlands/Basketball/Juniors.aspx</a:t>
             </a:r>
             <a:r>
-              <a:rPr lang="en"/>
-              <a:t> (Picture 2)</a:t>
+              <a:rPr lang="en" dirty="0"/>
+              <a:t> (Picture </a:t>
             </a:r>
-            <a:endParaRPr/>
+            <a:r>
+              <a:rPr lang="en-US" dirty="0" smtClean="0"/>
+              <a:t>4</a:t>
+            </a:r>
+            <a:r>
+              <a:rPr lang="en" dirty="0" smtClean="0"/>
+              <a:t>)</a:t>
+            </a:r>
+            <a:endParaRPr dirty="0"/>
+          </a:p>
+        </p:txBody>
+      </p:sp>
+      <p:sp>
+        <p:nvSpPr>
+          <p:cNvPr id="2" name="Slide Number Placeholder 1"/>
+          <p:cNvSpPr>
+            <a:spLocks noGrp="1"/>
+          </p:cNvSpPr>
+          <p:nvPr>
+            <p:ph type="sldNum" idx="12"/>
+          </p:nvPr>
+        </p:nvSpPr>
+        <p:spPr/>
+        <p:txBody>
+          <a:bodyPr/>
+          <a:lstStyle/>
+          <a:p>
+            <a:pPr marL="0" lvl="0" indent="0" algn="r" rtl="0">
+              <a:spcBef>
+                <a:spcPts val="0"/>
+              </a:spcBef>
+              <a:spcAft>
+                <a:spcPts val="0"/>
+              </a:spcAft>
+              <a:buNone/>
+            </a:pPr>
+            <a:fld id="{00000000-1234-1234-1234-123412341234}" type="slidenum">
+              <a:rPr lang="uk-UA" smtClean="0"/>
+              <a:t>8</a:t>
+            </a:fld>
+            <a:endParaRPr lang="uk-UA"/>
           </a:p>
         </p:txBody>
       </p:sp>
@@ -10725,7 +11362,288 @@
 </file>
 
 <file path=ppt/theme/theme1.xml><?xml version="1.0" encoding="utf-8"?>
-<a:theme xmlns:a="http://schemas.openxmlformats.org/drawingml/2006/main" xmlns:r="http://schemas.openxmlformats.org/officeDocument/2006/relationships">
+<a:theme xmlns:a="http://schemas.openxmlformats.org/drawingml/2006/main" name="Focus">
+  <a:themeElements>
+    <a:clrScheme name="Focus">
+      <a:dk1>
+        <a:srgbClr val="1B212C"/>
+      </a:dk1>
+      <a:lt1>
+        <a:srgbClr val="FFFFFF"/>
+      </a:lt1>
+      <a:dk2>
+        <a:srgbClr val="D9D9D9"/>
+      </a:dk2>
+      <a:lt2>
+        <a:srgbClr val="82C7A5"/>
+      </a:lt2>
+      <a:accent1>
+        <a:srgbClr val="0145AC"/>
+      </a:accent1>
+      <a:accent2>
+        <a:srgbClr val="EECE1A"/>
+      </a:accent2>
+      <a:accent3>
+        <a:srgbClr val="4E5567"/>
+      </a:accent3>
+      <a:accent4>
+        <a:srgbClr val="F4D6AD"/>
+      </a:accent4>
+      <a:accent5>
+        <a:srgbClr val="7890CD"/>
+      </a:accent5>
+      <a:accent6>
+        <a:srgbClr val="F15E22"/>
+      </a:accent6>
+      <a:hlink>
+        <a:srgbClr val="7890CD"/>
+      </a:hlink>
+      <a:folHlink>
+        <a:srgbClr val="7890CD"/>
+      </a:folHlink>
+    </a:clrScheme>
+    <a:fontScheme name="Office">
+      <a:majorFont>
+        <a:latin typeface="Arial"/>
+        <a:ea typeface=""/>
+        <a:cs typeface=""/>
+        <a:font script="Jpan" typeface="ＭＳ Ｐゴシック"/>
+        <a:font script="Hang" typeface="맑은 고딕"/>
+        <a:font script="Hans" typeface="宋体"/>
+        <a:font script="Hant" typeface="新細明體"/>
+        <a:font script="Arab" typeface="Times New Roman"/>
+        <a:font script="Hebr" typeface="Times New Roman"/>
+        <a:font script="Thai" typeface="Angsana New"/>
+        <a:font script="Ethi" typeface="Nyala"/>
+        <a:font script="Beng" typeface="Vrinda"/>
+        <a:font script="Gujr" typeface="Shruti"/>
+        <a:font script="Khmr" typeface="MoolBoran"/>
+        <a:font script="Knda" typeface="Tunga"/>
+        <a:font script="Guru" typeface="Raavi"/>
+        <a:font script="Cans" typeface="Euphemia"/>
+        <a:font script="Cher" typeface="Plantagenet Cherokee"/>
+        <a:font script="Yiii" typeface="Microsoft Yi Baiti"/>
+        <a:font script="Tibt" typeface="Microsoft Himalaya"/>
+        <a:font script="Thaa" typeface="MV Boli"/>
+        <a:font script="Deva" typeface="Mangal"/>
+        <a:font script="Telu" typeface="Gautami"/>
+        <a:font script="Taml" typeface="Latha"/>
+        <a:font script="Syrc" typeface="Estrangelo Edessa"/>
+        <a:font script="Orya" typeface="Kalinga"/>
+        <a:font script="Mlym" typeface="Kartika"/>
+        <a:font script="Laoo" typeface="DokChampa"/>
+        <a:font script="Sinh" typeface="Iskoola Pota"/>
+        <a:font script="Mong" typeface="Mongolian Baiti"/>
+        <a:font script="Viet" typeface="Times New Roman"/>
+        <a:font script="Uigh" typeface="Microsoft Uighur"/>
+        <a:font script="Geor" typeface="Sylfaen"/>
+      </a:majorFont>
+      <a:minorFont>
+        <a:latin typeface="Arial"/>
+        <a:ea typeface=""/>
+        <a:cs typeface=""/>
+        <a:font script="Jpan" typeface="ＭＳ Ｐゴシック"/>
+        <a:font script="Hang" typeface="맑은 고딕"/>
+        <a:font script="Hans" typeface="宋体"/>
+        <a:font script="Hant" typeface="新細明體"/>
+        <a:font script="Arab" typeface="Arial"/>
+        <a:font script="Hebr" typeface="Arial"/>
+        <a:font script="Thai" typeface="Cordia New"/>
+        <a:font script="Ethi" typeface="Nyala"/>
+        <a:font script="Beng" typeface="Vrinda"/>
+        <a:font script="Gujr" typeface="Shruti"/>
+        <a:font script="Khmr" typeface="DaunPenh"/>
+        <a:font script="Knda" typeface="Tunga"/>
+        <a:font script="Guru" typeface="Raavi"/>
+        <a:font script="Cans" typeface="Euphemia"/>
+        <a:font script="Cher" typeface="Plantagenet Cherokee"/>
+        <a:font script="Yiii" typeface="Microsoft Yi Baiti"/>
+        <a:font script="Tibt" typeface="Microsoft Himalaya"/>
+        <a:font script="Thaa" typeface="MV Boli"/>
+        <a:font script="Deva" typeface="Mangal"/>
+        <a:font script="Telu" typeface="Gautami"/>
+        <a:font script="Taml" typeface="Latha"/>
+        <a:font script="Syrc" typeface="Estrangelo Edessa"/>
+        <a:font script="Orya" typeface="Kalinga"/>
+        <a:font script="Mlym" typeface="Kartika"/>
+        <a:font script="Laoo" typeface="DokChampa"/>
+        <a:font script="Sinh" typeface="Iskoola Pota"/>
+        <a:font script="Mong" typeface="Mongolian Baiti"/>
+        <a:font script="Viet" typeface="Arial"/>
+        <a:font script="Uigh" typeface="Microsoft Uighur"/>
+        <a:font script="Geor" typeface="Sylfaen"/>
+      </a:minorFont>
+    </a:fontScheme>
+    <a:fmtScheme name="Office">
+      <a:fillStyleLst>
+        <a:solidFill>
+          <a:schemeClr val="phClr"/>
+        </a:solidFill>
+        <a:gradFill rotWithShape="1">
+          <a:gsLst>
+            <a:gs pos="0">
+              <a:schemeClr val="phClr">
+                <a:tint val="50000"/>
+                <a:satMod val="300000"/>
+              </a:schemeClr>
+            </a:gs>
+            <a:gs pos="35000">
+              <a:schemeClr val="phClr">
+                <a:tint val="37000"/>
+                <a:satMod val="300000"/>
+              </a:schemeClr>
+            </a:gs>
+            <a:gs pos="100000">
+              <a:schemeClr val="phClr">
+                <a:tint val="15000"/>
+                <a:satMod val="350000"/>
+              </a:schemeClr>
+            </a:gs>
+          </a:gsLst>
+          <a:lin ang="16200000" scaled="1"/>
+        </a:gradFill>
+        <a:gradFill rotWithShape="1">
+          <a:gsLst>
+            <a:gs pos="0">
+              <a:schemeClr val="phClr">
+                <a:tint val="100000"/>
+                <a:shade val="100000"/>
+                <a:satMod val="130000"/>
+              </a:schemeClr>
+            </a:gs>
+            <a:gs pos="100000">
+              <a:schemeClr val="phClr">
+                <a:tint val="50000"/>
+                <a:shade val="100000"/>
+                <a:satMod val="350000"/>
+              </a:schemeClr>
+            </a:gs>
+          </a:gsLst>
+          <a:lin ang="16200000" scaled="0"/>
+        </a:gradFill>
+      </a:fillStyleLst>
+      <a:lnStyleLst>
+        <a:ln w="9525" cap="flat" cmpd="sng" algn="ctr">
+          <a:solidFill>
+            <a:schemeClr val="phClr">
+              <a:shade val="95000"/>
+              <a:satMod val="105000"/>
+            </a:schemeClr>
+          </a:solidFill>
+          <a:prstDash val="solid"/>
+        </a:ln>
+        <a:ln w="25400" cap="flat" cmpd="sng" algn="ctr">
+          <a:solidFill>
+            <a:schemeClr val="phClr"/>
+          </a:solidFill>
+          <a:prstDash val="solid"/>
+        </a:ln>
+        <a:ln w="38100" cap="flat" cmpd="sng" algn="ctr">
+          <a:solidFill>
+            <a:schemeClr val="phClr"/>
+          </a:solidFill>
+          <a:prstDash val="solid"/>
+        </a:ln>
+      </a:lnStyleLst>
+      <a:effectStyleLst>
+        <a:effectStyle>
+          <a:effectLst>
+            <a:outerShdw blurRad="40000" dist="20000" dir="5400000" rotWithShape="0">
+              <a:srgbClr val="000000">
+                <a:alpha val="38000"/>
+              </a:srgbClr>
+            </a:outerShdw>
+          </a:effectLst>
+        </a:effectStyle>
+        <a:effectStyle>
+          <a:effectLst>
+            <a:outerShdw blurRad="40000" dist="23000" dir="5400000" rotWithShape="0">
+              <a:srgbClr val="000000">
+                <a:alpha val="35000"/>
+              </a:srgbClr>
+            </a:outerShdw>
+          </a:effectLst>
+        </a:effectStyle>
+        <a:effectStyle>
+          <a:effectLst>
+            <a:outerShdw blurRad="40000" dist="23000" dir="5400000" rotWithShape="0">
+              <a:srgbClr val="000000">
+                <a:alpha val="35000"/>
+              </a:srgbClr>
+            </a:outerShdw>
+          </a:effectLst>
+          <a:scene3d>
+            <a:camera prst="orthographicFront">
+              <a:rot lat="0" lon="0" rev="0"/>
+            </a:camera>
+            <a:lightRig rig="threePt" dir="t">
+              <a:rot lat="0" lon="0" rev="1200000"/>
+            </a:lightRig>
+          </a:scene3d>
+          <a:sp3d>
+            <a:bevelT w="63500" h="25400"/>
+          </a:sp3d>
+        </a:effectStyle>
+      </a:effectStyleLst>
+      <a:bgFillStyleLst>
+        <a:solidFill>
+          <a:schemeClr val="phClr"/>
+        </a:solidFill>
+        <a:gradFill rotWithShape="1">
+          <a:gsLst>
+            <a:gs pos="0">
+              <a:schemeClr val="phClr">
+                <a:tint val="40000"/>
+                <a:satMod val="350000"/>
+              </a:schemeClr>
+            </a:gs>
+            <a:gs pos="40000">
+              <a:schemeClr val="phClr">
+                <a:tint val="45000"/>
+                <a:shade val="99000"/>
+                <a:satMod val="350000"/>
+              </a:schemeClr>
+            </a:gs>
+            <a:gs pos="100000">
+              <a:schemeClr val="phClr">
+                <a:shade val="20000"/>
+                <a:satMod val="255000"/>
+              </a:schemeClr>
+            </a:gs>
+          </a:gsLst>
+          <a:path path="circle">
+            <a:fillToRect l="50000" t="-80000" r="50000" b="180000"/>
+          </a:path>
+        </a:gradFill>
+        <a:gradFill rotWithShape="1">
+          <a:gsLst>
+            <a:gs pos="0">
+              <a:schemeClr val="phClr">
+                <a:tint val="80000"/>
+                <a:satMod val="300000"/>
+              </a:schemeClr>
+            </a:gs>
+            <a:gs pos="100000">
+              <a:schemeClr val="phClr">
+                <a:shade val="30000"/>
+                <a:satMod val="200000"/>
+              </a:schemeClr>
+            </a:gs>
+          </a:gsLst>
+          <a:path path="circle">
+            <a:fillToRect l="50000" t="50000" r="50000" b="50000"/>
+          </a:path>
+        </a:gradFill>
+      </a:bgFillStyleLst>
+    </a:fmtScheme>
+  </a:themeElements>
+  <a:objectDefaults/>
+  <a:extraClrSchemeLst/>
+</a:theme>
+</file>
+
+<file path=ppt/theme/theme2.xml><?xml version="1.0" encoding="utf-8"?>
+<a:theme xmlns:a="http://schemas.openxmlformats.org/drawingml/2006/main">
   <a:themeElements>
     <a:clrScheme name="Default">
       <a:dk1>
@@ -11000,284 +11918,7 @@
       </a:bgFillStyleLst>
     </a:fmtScheme>
   </a:themeElements>
-</a:theme>
-</file>
-
-<file path=ppt/theme/theme2.xml><?xml version="1.0" encoding="utf-8"?>
-<a:theme xmlns:a="http://schemas.openxmlformats.org/drawingml/2006/main" xmlns:r="http://schemas.openxmlformats.org/officeDocument/2006/relationships" name="Focus">
-  <a:themeElements>
-    <a:clrScheme name="Focus">
-      <a:dk1>
-        <a:srgbClr val="1B212C"/>
-      </a:dk1>
-      <a:lt1>
-        <a:srgbClr val="FFFFFF"/>
-      </a:lt1>
-      <a:dk2>
-        <a:srgbClr val="D9D9D9"/>
-      </a:dk2>
-      <a:lt2>
-        <a:srgbClr val="82C7A5"/>
-      </a:lt2>
-      <a:accent1>
-        <a:srgbClr val="0145AC"/>
-      </a:accent1>
-      <a:accent2>
-        <a:srgbClr val="EECE1A"/>
-      </a:accent2>
-      <a:accent3>
-        <a:srgbClr val="4E5567"/>
-      </a:accent3>
-      <a:accent4>
-        <a:srgbClr val="F4D6AD"/>
-      </a:accent4>
-      <a:accent5>
-        <a:srgbClr val="7890CD"/>
-      </a:accent5>
-      <a:accent6>
-        <a:srgbClr val="F15E22"/>
-      </a:accent6>
-      <a:hlink>
-        <a:srgbClr val="7890CD"/>
-      </a:hlink>
-      <a:folHlink>
-        <a:srgbClr val="7890CD"/>
-      </a:folHlink>
-    </a:clrScheme>
-    <a:fontScheme name="Office">
-      <a:majorFont>
-        <a:latin typeface="Arial"/>
-        <a:ea typeface=""/>
-        <a:cs typeface=""/>
-        <a:font script="Jpan" typeface="ＭＳ Ｐゴシック"/>
-        <a:font script="Hang" typeface="맑은 고딕"/>
-        <a:font script="Hans" typeface="宋体"/>
-        <a:font script="Hant" typeface="新細明體"/>
-        <a:font script="Arab" typeface="Times New Roman"/>
-        <a:font script="Hebr" typeface="Times New Roman"/>
-        <a:font script="Thai" typeface="Angsana New"/>
-        <a:font script="Ethi" typeface="Nyala"/>
-        <a:font script="Beng" typeface="Vrinda"/>
-        <a:font script="Gujr" typeface="Shruti"/>
-        <a:font script="Khmr" typeface="MoolBoran"/>
-        <a:font script="Knda" typeface="Tunga"/>
-        <a:font script="Guru" typeface="Raavi"/>
-        <a:font script="Cans" typeface="Euphemia"/>
-        <a:font script="Cher" typeface="Plantagenet Cherokee"/>
-        <a:font script="Yiii" typeface="Microsoft Yi Baiti"/>
-        <a:font script="Tibt" typeface="Microsoft Himalaya"/>
-        <a:font script="Thaa" typeface="MV Boli"/>
-        <a:font script="Deva" typeface="Mangal"/>
-        <a:font script="Telu" typeface="Gautami"/>
-        <a:font script="Taml" typeface="Latha"/>
-        <a:font script="Syrc" typeface="Estrangelo Edessa"/>
-        <a:font script="Orya" typeface="Kalinga"/>
-        <a:font script="Mlym" typeface="Kartika"/>
-        <a:font script="Laoo" typeface="DokChampa"/>
-        <a:font script="Sinh" typeface="Iskoola Pota"/>
-        <a:font script="Mong" typeface="Mongolian Baiti"/>
-        <a:font script="Viet" typeface="Times New Roman"/>
-        <a:font script="Uigh" typeface="Microsoft Uighur"/>
-        <a:font script="Geor" typeface="Sylfaen"/>
-      </a:majorFont>
-      <a:minorFont>
-        <a:latin typeface="Arial"/>
-        <a:ea typeface=""/>
-        <a:cs typeface=""/>
-        <a:font script="Jpan" typeface="ＭＳ Ｐゴシック"/>
-        <a:font script="Hang" typeface="맑은 고딕"/>
-        <a:font script="Hans" typeface="宋体"/>
-        <a:font script="Hant" typeface="新細明體"/>
-        <a:font script="Arab" typeface="Arial"/>
-        <a:font script="Hebr" typeface="Arial"/>
-        <a:font script="Thai" typeface="Cordia New"/>
-        <a:font script="Ethi" typeface="Nyala"/>
-        <a:font script="Beng" typeface="Vrinda"/>
-        <a:font script="Gujr" typeface="Shruti"/>
-        <a:font script="Khmr" typeface="DaunPenh"/>
-        <a:font script="Knda" typeface="Tunga"/>
-        <a:font script="Guru" typeface="Raavi"/>
-        <a:font script="Cans" typeface="Euphemia"/>
-        <a:font script="Cher" typeface="Plantagenet Cherokee"/>
-        <a:font script="Yiii" typeface="Microsoft Yi Baiti"/>
-        <a:font script="Tibt" typeface="Microsoft Himalaya"/>
-        <a:font script="Thaa" typeface="MV Boli"/>
-        <a:font script="Deva" typeface="Mangal"/>
-        <a:font script="Telu" typeface="Gautami"/>
-        <a:font script="Taml" typeface="Latha"/>
-        <a:font script="Syrc" typeface="Estrangelo Edessa"/>
-        <a:font script="Orya" typeface="Kalinga"/>
-        <a:font script="Mlym" typeface="Kartika"/>
-        <a:font script="Laoo" typeface="DokChampa"/>
-        <a:font script="Sinh" typeface="Iskoola Pota"/>
-        <a:font script="Mong" typeface="Mongolian Baiti"/>
-        <a:font script="Viet" typeface="Arial"/>
-        <a:font script="Uigh" typeface="Microsoft Uighur"/>
-        <a:font script="Geor" typeface="Sylfaen"/>
-      </a:minorFont>
-    </a:fontScheme>
-    <a:fmtScheme name="Office">
-      <a:fillStyleLst>
-        <a:solidFill>
-          <a:schemeClr val="phClr"/>
-        </a:solidFill>
-        <a:gradFill rotWithShape="1">
-          <a:gsLst>
-            <a:gs pos="0">
-              <a:schemeClr val="phClr">
-                <a:tint val="50000"/>
-                <a:satMod val="300000"/>
-              </a:schemeClr>
-            </a:gs>
-            <a:gs pos="35000">
-              <a:schemeClr val="phClr">
-                <a:tint val="37000"/>
-                <a:satMod val="300000"/>
-              </a:schemeClr>
-            </a:gs>
-            <a:gs pos="100000">
-              <a:schemeClr val="phClr">
-                <a:tint val="15000"/>
-                <a:satMod val="350000"/>
-              </a:schemeClr>
-            </a:gs>
-          </a:gsLst>
-          <a:lin ang="16200000" scaled="1"/>
-        </a:gradFill>
-        <a:gradFill rotWithShape="1">
-          <a:gsLst>
-            <a:gs pos="0">
-              <a:schemeClr val="phClr">
-                <a:tint val="100000"/>
-                <a:shade val="100000"/>
-                <a:satMod val="130000"/>
-              </a:schemeClr>
-            </a:gs>
-            <a:gs pos="100000">
-              <a:schemeClr val="phClr">
-                <a:tint val="50000"/>
-                <a:shade val="100000"/>
-                <a:satMod val="350000"/>
-              </a:schemeClr>
-            </a:gs>
-          </a:gsLst>
-          <a:lin ang="16200000" scaled="0"/>
-        </a:gradFill>
-      </a:fillStyleLst>
-      <a:lnStyleLst>
-        <a:ln w="9525" cap="flat" cmpd="sng" algn="ctr">
-          <a:solidFill>
-            <a:schemeClr val="phClr">
-              <a:shade val="95000"/>
-              <a:satMod val="105000"/>
-            </a:schemeClr>
-          </a:solidFill>
-          <a:prstDash val="solid"/>
-        </a:ln>
-        <a:ln w="25400" cap="flat" cmpd="sng" algn="ctr">
-          <a:solidFill>
-            <a:schemeClr val="phClr"/>
-          </a:solidFill>
-          <a:prstDash val="solid"/>
-        </a:ln>
-        <a:ln w="38100" cap="flat" cmpd="sng" algn="ctr">
-          <a:solidFill>
-            <a:schemeClr val="phClr"/>
-          </a:solidFill>
-          <a:prstDash val="solid"/>
-        </a:ln>
-      </a:lnStyleLst>
-      <a:effectStyleLst>
-        <a:effectStyle>
-          <a:effectLst>
-            <a:outerShdw blurRad="40000" dist="20000" dir="5400000" rotWithShape="0">
-              <a:srgbClr val="000000">
-                <a:alpha val="38000"/>
-              </a:srgbClr>
-            </a:outerShdw>
-          </a:effectLst>
-        </a:effectStyle>
-        <a:effectStyle>
-          <a:effectLst>
-            <a:outerShdw blurRad="40000" dist="23000" dir="5400000" rotWithShape="0">
-              <a:srgbClr val="000000">
-                <a:alpha val="35000"/>
-              </a:srgbClr>
-            </a:outerShdw>
-          </a:effectLst>
-        </a:effectStyle>
-        <a:effectStyle>
-          <a:effectLst>
-            <a:outerShdw blurRad="40000" dist="23000" dir="5400000" rotWithShape="0">
-              <a:srgbClr val="000000">
-                <a:alpha val="35000"/>
-              </a:srgbClr>
-            </a:outerShdw>
-          </a:effectLst>
-          <a:scene3d>
-            <a:camera prst="orthographicFront">
-              <a:rot lat="0" lon="0" rev="0"/>
-            </a:camera>
-            <a:lightRig rig="threePt" dir="t">
-              <a:rot lat="0" lon="0" rev="1200000"/>
-            </a:lightRig>
-          </a:scene3d>
-          <a:sp3d>
-            <a:bevelT w="63500" h="25400"/>
-          </a:sp3d>
-        </a:effectStyle>
-      </a:effectStyleLst>
-      <a:bgFillStyleLst>
-        <a:solidFill>
-          <a:schemeClr val="phClr"/>
-        </a:solidFill>
-        <a:gradFill rotWithShape="1">
-          <a:gsLst>
-            <a:gs pos="0">
-              <a:schemeClr val="phClr">
-                <a:tint val="40000"/>
-                <a:satMod val="350000"/>
-              </a:schemeClr>
-            </a:gs>
-            <a:gs pos="40000">
-              <a:schemeClr val="phClr">
-                <a:tint val="45000"/>
-                <a:shade val="99000"/>
-                <a:satMod val="350000"/>
-              </a:schemeClr>
-            </a:gs>
-            <a:gs pos="100000">
-              <a:schemeClr val="phClr">
-                <a:shade val="20000"/>
-                <a:satMod val="255000"/>
-              </a:schemeClr>
-            </a:gs>
-          </a:gsLst>
-          <a:path path="circle">
-            <a:fillToRect l="50000" t="-80000" r="50000" b="180000"/>
-          </a:path>
-        </a:gradFill>
-        <a:gradFill rotWithShape="1">
-          <a:gsLst>
-            <a:gs pos="0">
-              <a:schemeClr val="phClr">
-                <a:tint val="80000"/>
-                <a:satMod val="300000"/>
-              </a:schemeClr>
-            </a:gs>
-            <a:gs pos="100000">
-              <a:schemeClr val="phClr">
-                <a:shade val="30000"/>
-                <a:satMod val="200000"/>
-              </a:schemeClr>
-            </a:gs>
-          </a:gsLst>
-          <a:path path="circle">
-            <a:fillToRect l="50000" t="50000" r="50000" b="50000"/>
-          </a:path>
-        </a:gradFill>
-      </a:bgFillStyleLst>
-    </a:fmtScheme>
-  </a:themeElements>
+  <a:objectDefaults/>
+  <a:extraClrSchemeLst/>
 </a:theme>
 </file>